--- a/lecture/L3+.pptx
+++ b/lecture/L3+.pptx
@@ -5,7 +5,7 @@
     <p:sldMasterId id="2147483649" r:id="rId1"/>
   </p:sldMasterIdLst>
   <p:notesMasterIdLst>
-    <p:notesMasterId r:id="rId13"/>
+    <p:notesMasterId r:id="rId19"/>
   </p:notesMasterIdLst>
   <p:sldIdLst>
     <p:sldId id="312" r:id="rId2"/>
@@ -19,6 +19,12 @@
     <p:sldId id="321" r:id="rId10"/>
     <p:sldId id="319" r:id="rId11"/>
     <p:sldId id="320" r:id="rId12"/>
+    <p:sldId id="322" r:id="rId13"/>
+    <p:sldId id="323" r:id="rId14"/>
+    <p:sldId id="324" r:id="rId15"/>
+    <p:sldId id="325" r:id="rId16"/>
+    <p:sldId id="326" r:id="rId17"/>
+    <p:sldId id="327" r:id="rId18"/>
   </p:sldIdLst>
   <p:sldSz cx="9144000" cy="6858000" type="screen4x3"/>
   <p:notesSz cx="6858000" cy="9144000"/>
@@ -5264,19 +5270,7 @@
             </a:pPr>
             <a:r>
               <a:rPr kumimoji="0" lang="ru-RU" altLang="ru-RU" b="1" kern="0" dirty="0" smtClean="0"/>
-              <a:t>Дополнительные</a:t>
-            </a:r>
-            <a:r>
-              <a:rPr kumimoji="0" lang="ru-RU" altLang="ru-RU" b="1" kern="0" dirty="0" smtClean="0"/>
-              <a:t> </a:t>
-            </a:r>
-            <a:r>
-              <a:rPr kumimoji="0" lang="ru-RU" altLang="ru-RU" b="1" kern="0" dirty="0" smtClean="0"/>
-              <a:t>функции </a:t>
-            </a:r>
-            <a:r>
-              <a:rPr kumimoji="0" lang="ru-RU" altLang="ru-RU" b="1" kern="0" dirty="0" smtClean="0"/>
-              <a:t>маршрутизаторов</a:t>
+              <a:t>Дополнительные функции маршрутизаторов</a:t>
             </a:r>
             <a:endParaRPr kumimoji="0" lang="en-US" altLang="ru-RU" b="1" kern="0" dirty="0"/>
           </a:p>
@@ -5291,7 +5285,6 @@
               <a:rPr kumimoji="0" lang="en-US" altLang="ru-RU" b="1" kern="0" dirty="0" smtClean="0"/>
               <a:t>(IP)</a:t>
             </a:r>
-            <a:endParaRPr kumimoji="0" lang="en-US" altLang="ru-RU" b="1" kern="0" dirty="0" smtClean="0"/>
           </a:p>
         </p:txBody>
       </p:sp>
@@ -5407,11 +5400,6 @@
               </a:rPr>
               <a:t>Групповое вещание</a:t>
             </a:r>
-            <a:endParaRPr lang="ru-RU" dirty="0" smtClean="0">
-              <a:solidFill>
-                <a:srgbClr val="100E0C"/>
-              </a:solidFill>
-            </a:endParaRPr>
           </a:p>
         </p:txBody>
       </p:sp>
@@ -5616,6 +5604,1790 @@
           </a:p>
         </p:txBody>
       </p:sp>
+      <p:sp>
+        <p:nvSpPr>
+          <p:cNvPr id="2" name="Rectangle 1"/>
+          <p:cNvSpPr>
+            <a:spLocks noChangeArrowheads="1"/>
+          </p:cNvSpPr>
+          <p:nvPr/>
+        </p:nvSpPr>
+        <p:spPr bwMode="auto">
+          <a:xfrm>
+            <a:off x="539552" y="1916832"/>
+            <a:ext cx="8496944" cy="4337999"/>
+          </a:xfrm>
+          <a:prstGeom prst="rect">
+            <a:avLst/>
+          </a:prstGeom>
+          <a:solidFill>
+            <a:schemeClr val="bg1"/>
+          </a:solidFill>
+          <a:ln>
+            <a:solidFill>
+              <a:srgbClr val="7030A0"/>
+            </a:solidFill>
+          </a:ln>
+          <a:effectLst>
+            <a:outerShdw blurRad="50800" dist="38100" dir="2700000" algn="tl" rotWithShape="0">
+              <a:prstClr val="black">
+                <a:alpha val="40000"/>
+              </a:prstClr>
+            </a:outerShdw>
+          </a:effectLst>
+        </p:spPr>
+        <p:txBody>
+          <a:bodyPr vert="horz" wrap="square" lIns="91440" tIns="0" rIns="91440" bIns="150765" numCol="1" anchor="ctr" anchorCtr="0" compatLnSpc="1">
+            <a:prstTxWarp prst="textNoShape">
+              <a:avLst/>
+            </a:prstTxWarp>
+            <a:spAutoFit/>
+          </a:bodyPr>
+          <a:lstStyle/>
+          <a:p>
+            <a:pPr marL="0" marR="0" lvl="0" indent="0" algn="l" defTabSz="914400" rtl="0" eaLnBrk="0" fontAlgn="base" latinLnBrk="0" hangingPunct="0">
+              <a:lnSpc>
+                <a:spcPct val="100000"/>
+              </a:lnSpc>
+              <a:spcBef>
+                <a:spcPct val="0"/>
+              </a:spcBef>
+              <a:spcAft>
+                <a:spcPct val="0"/>
+              </a:spcAft>
+              <a:buClrTx/>
+              <a:buSzTx/>
+              <a:buFontTx/>
+              <a:buNone/>
+              <a:tabLst/>
+            </a:pPr>
+            <a:r>
+              <a:rPr kumimoji="0" lang="ru-RU" altLang="ru-RU" sz="1600" b="0" i="0" u="none" strike="noStrike" cap="none" normalizeH="0" baseline="0" dirty="0" smtClean="0">
+                <a:ln>
+                  <a:noFill/>
+                </a:ln>
+                <a:solidFill>
+                  <a:srgbClr val="000000"/>
+                </a:solidFill>
+                <a:effectLst/>
+                <a:latin typeface="SFMono-Regular"/>
+              </a:rPr>
+              <a:t>R2(</a:t>
+            </a:r>
+            <a:r>
+              <a:rPr kumimoji="0" lang="ru-RU" altLang="ru-RU" sz="1600" b="0" i="0" u="none" strike="noStrike" cap="none" normalizeH="0" baseline="0" dirty="0" err="1" smtClean="0">
+                <a:ln>
+                  <a:noFill/>
+                </a:ln>
+                <a:solidFill>
+                  <a:srgbClr val="000000"/>
+                </a:solidFill>
+                <a:effectLst/>
+                <a:latin typeface="SFMono-Regular"/>
+              </a:rPr>
+              <a:t>config</a:t>
+            </a:r>
+            <a:r>
+              <a:rPr kumimoji="0" lang="ru-RU" altLang="ru-RU" sz="1600" b="0" i="0" u="none" strike="noStrike" cap="none" normalizeH="0" baseline="0" dirty="0" smtClean="0">
+                <a:ln>
+                  <a:noFill/>
+                </a:ln>
+                <a:solidFill>
+                  <a:srgbClr val="000000"/>
+                </a:solidFill>
+                <a:effectLst/>
+                <a:latin typeface="SFMono-Regular"/>
+              </a:rPr>
+              <a:t>)#</a:t>
+            </a:r>
+            <a:r>
+              <a:rPr kumimoji="0" lang="ru-RU" altLang="ru-RU" sz="1600" b="1" i="0" u="none" strike="noStrike" cap="none" normalizeH="0" baseline="0" dirty="0" err="1" smtClean="0">
+                <a:ln>
+                  <a:noFill/>
+                </a:ln>
+                <a:solidFill>
+                  <a:srgbClr val="000000"/>
+                </a:solidFill>
+                <a:effectLst/>
+                <a:latin typeface="SFMono-Regular"/>
+              </a:rPr>
+              <a:t>time-range</a:t>
+            </a:r>
+            <a:r>
+              <a:rPr kumimoji="0" lang="ru-RU" altLang="ru-RU" sz="1600" b="1" i="0" u="none" strike="noStrike" cap="none" normalizeH="0" baseline="0" dirty="0" smtClean="0">
+                <a:ln>
+                  <a:noFill/>
+                </a:ln>
+                <a:solidFill>
+                  <a:srgbClr val="000000"/>
+                </a:solidFill>
+                <a:effectLst/>
+                <a:latin typeface="SFMono-Regular"/>
+              </a:rPr>
+              <a:t> WORK_HOURS</a:t>
+            </a:r>
+            <a:r>
+              <a:rPr kumimoji="0" lang="ru-RU" altLang="ru-RU" sz="1600" b="0" i="0" u="none" strike="noStrike" cap="none" normalizeH="0" baseline="0" dirty="0" smtClean="0">
+                <a:ln>
+                  <a:noFill/>
+                </a:ln>
+                <a:solidFill>
+                  <a:srgbClr val="000000"/>
+                </a:solidFill>
+                <a:effectLst/>
+                <a:latin typeface="SFMono-Regular"/>
+              </a:rPr>
+              <a:t> </a:t>
+            </a:r>
+            <a:endParaRPr kumimoji="0" lang="en-US" altLang="ru-RU" sz="1600" b="0" i="0" u="none" strike="noStrike" cap="none" normalizeH="0" baseline="0" dirty="0" smtClean="0">
+              <a:ln>
+                <a:noFill/>
+              </a:ln>
+              <a:solidFill>
+                <a:srgbClr val="000000"/>
+              </a:solidFill>
+              <a:effectLst/>
+              <a:latin typeface="SFMono-Regular"/>
+            </a:endParaRPr>
+          </a:p>
+          <a:p>
+            <a:pPr marL="0" marR="0" lvl="0" indent="0" algn="l" defTabSz="914400" rtl="0" eaLnBrk="0" fontAlgn="base" latinLnBrk="0" hangingPunct="0">
+              <a:lnSpc>
+                <a:spcPct val="100000"/>
+              </a:lnSpc>
+              <a:spcBef>
+                <a:spcPct val="0"/>
+              </a:spcBef>
+              <a:spcAft>
+                <a:spcPct val="0"/>
+              </a:spcAft>
+              <a:buClrTx/>
+              <a:buSzTx/>
+              <a:buFontTx/>
+              <a:buNone/>
+              <a:tabLst/>
+            </a:pPr>
+            <a:r>
+              <a:rPr kumimoji="0" lang="ru-RU" altLang="ru-RU" sz="1600" b="0" i="0" u="none" strike="noStrike" cap="none" normalizeH="0" baseline="0" dirty="0" smtClean="0">
+                <a:ln>
+                  <a:noFill/>
+                </a:ln>
+                <a:solidFill>
+                  <a:srgbClr val="000000"/>
+                </a:solidFill>
+                <a:effectLst/>
+                <a:latin typeface="SFMono-Regular"/>
+              </a:rPr>
+              <a:t>R2(</a:t>
+            </a:r>
+            <a:r>
+              <a:rPr kumimoji="0" lang="ru-RU" altLang="ru-RU" sz="1600" b="0" i="0" u="none" strike="noStrike" cap="none" normalizeH="0" baseline="0" dirty="0" err="1" smtClean="0">
+                <a:ln>
+                  <a:noFill/>
+                </a:ln>
+                <a:solidFill>
+                  <a:srgbClr val="000000"/>
+                </a:solidFill>
+                <a:effectLst/>
+                <a:latin typeface="SFMono-Regular"/>
+              </a:rPr>
+              <a:t>config-time-range</a:t>
+            </a:r>
+            <a:r>
+              <a:rPr kumimoji="0" lang="ru-RU" altLang="ru-RU" sz="1600" b="0" i="0" u="none" strike="noStrike" cap="none" normalizeH="0" baseline="0" dirty="0" smtClean="0">
+                <a:ln>
+                  <a:noFill/>
+                </a:ln>
+                <a:solidFill>
+                  <a:srgbClr val="000000"/>
+                </a:solidFill>
+                <a:effectLst/>
+                <a:latin typeface="SFMono-Regular"/>
+              </a:rPr>
+              <a:t>)#</a:t>
+            </a:r>
+            <a:r>
+              <a:rPr kumimoji="0" lang="ru-RU" altLang="ru-RU" sz="1600" b="1" i="0" u="none" strike="noStrike" cap="none" normalizeH="0" baseline="0" dirty="0" err="1" smtClean="0">
+                <a:ln>
+                  <a:noFill/>
+                </a:ln>
+                <a:solidFill>
+                  <a:srgbClr val="000000"/>
+                </a:solidFill>
+                <a:effectLst/>
+                <a:latin typeface="SFMono-Regular"/>
+              </a:rPr>
+              <a:t>periodic</a:t>
+            </a:r>
+            <a:r>
+              <a:rPr kumimoji="0" lang="ru-RU" altLang="ru-RU" sz="1600" b="1" i="0" u="none" strike="noStrike" cap="none" normalizeH="0" baseline="0" dirty="0" smtClean="0">
+                <a:ln>
+                  <a:noFill/>
+                </a:ln>
+                <a:solidFill>
+                  <a:srgbClr val="000000"/>
+                </a:solidFill>
+                <a:effectLst/>
+                <a:latin typeface="SFMono-Regular"/>
+              </a:rPr>
+              <a:t> ?</a:t>
+            </a:r>
+            <a:r>
+              <a:rPr kumimoji="0" lang="ru-RU" altLang="ru-RU" sz="1600" b="0" i="0" u="none" strike="noStrike" cap="none" normalizeH="0" baseline="0" dirty="0" smtClean="0">
+                <a:ln>
+                  <a:noFill/>
+                </a:ln>
+                <a:solidFill>
+                  <a:srgbClr val="000000"/>
+                </a:solidFill>
+                <a:effectLst/>
+                <a:latin typeface="SFMono-Regular"/>
+              </a:rPr>
+              <a:t> </a:t>
+            </a:r>
+            <a:endParaRPr kumimoji="0" lang="en-US" altLang="ru-RU" sz="1600" b="0" i="0" u="none" strike="noStrike" cap="none" normalizeH="0" baseline="0" dirty="0" smtClean="0">
+              <a:ln>
+                <a:noFill/>
+              </a:ln>
+              <a:solidFill>
+                <a:srgbClr val="000000"/>
+              </a:solidFill>
+              <a:effectLst/>
+              <a:latin typeface="SFMono-Regular"/>
+            </a:endParaRPr>
+          </a:p>
+          <a:p>
+            <a:pPr lvl="1" eaLnBrk="0" hangingPunct="0">
+              <a:spcBef>
+                <a:spcPct val="0"/>
+              </a:spcBef>
+              <a:buClrTx/>
+              <a:buSzTx/>
+              <a:buFontTx/>
+              <a:buNone/>
+            </a:pPr>
+            <a:r>
+              <a:rPr kumimoji="0" lang="ru-RU" altLang="ru-RU" sz="1600" b="0" i="0" u="none" strike="noStrike" cap="none" normalizeH="0" baseline="0" dirty="0" err="1" smtClean="0">
+                <a:ln>
+                  <a:noFill/>
+                </a:ln>
+                <a:solidFill>
+                  <a:srgbClr val="000000"/>
+                </a:solidFill>
+                <a:effectLst/>
+                <a:latin typeface="SFMono-Regular"/>
+              </a:rPr>
+              <a:t>Friday</a:t>
+            </a:r>
+            <a:r>
+              <a:rPr kumimoji="0" lang="ru-RU" altLang="ru-RU" sz="1600" b="0" i="0" u="none" strike="noStrike" cap="none" normalizeH="0" baseline="0" dirty="0" smtClean="0">
+                <a:ln>
+                  <a:noFill/>
+                </a:ln>
+                <a:solidFill>
+                  <a:srgbClr val="000000"/>
+                </a:solidFill>
+                <a:effectLst/>
+                <a:latin typeface="SFMono-Regular"/>
+              </a:rPr>
+              <a:t> </a:t>
+            </a:r>
+            <a:r>
+              <a:rPr kumimoji="0" lang="ru-RU" altLang="ru-RU" sz="1600" b="0" i="0" u="none" strike="noStrike" cap="none" normalizeH="0" baseline="0" dirty="0" err="1" smtClean="0">
+                <a:ln>
+                  <a:noFill/>
+                </a:ln>
+                <a:solidFill>
+                  <a:srgbClr val="000000"/>
+                </a:solidFill>
+                <a:effectLst/>
+                <a:latin typeface="SFMono-Regular"/>
+              </a:rPr>
+              <a:t>Friday</a:t>
+            </a:r>
+            <a:r>
+              <a:rPr kumimoji="0" lang="ru-RU" altLang="ru-RU" sz="1600" b="0" i="0" u="none" strike="noStrike" cap="none" normalizeH="0" baseline="0" dirty="0" smtClean="0">
+                <a:ln>
+                  <a:noFill/>
+                </a:ln>
+                <a:solidFill>
+                  <a:srgbClr val="000000"/>
+                </a:solidFill>
+                <a:effectLst/>
+                <a:latin typeface="SFMono-Regular"/>
+              </a:rPr>
+              <a:t> </a:t>
+            </a:r>
+            <a:endParaRPr kumimoji="0" lang="en-US" altLang="ru-RU" sz="1600" b="0" i="0" u="none" strike="noStrike" cap="none" normalizeH="0" baseline="0" dirty="0" smtClean="0">
+              <a:ln>
+                <a:noFill/>
+              </a:ln>
+              <a:solidFill>
+                <a:srgbClr val="000000"/>
+              </a:solidFill>
+              <a:effectLst/>
+              <a:latin typeface="SFMono-Regular"/>
+            </a:endParaRPr>
+          </a:p>
+          <a:p>
+            <a:pPr lvl="1" eaLnBrk="0" hangingPunct="0">
+              <a:spcBef>
+                <a:spcPct val="0"/>
+              </a:spcBef>
+              <a:buClrTx/>
+              <a:buSzTx/>
+              <a:buFontTx/>
+              <a:buNone/>
+            </a:pPr>
+            <a:r>
+              <a:rPr kumimoji="0" lang="ru-RU" altLang="ru-RU" sz="1600" b="0" i="0" u="none" strike="noStrike" cap="none" normalizeH="0" baseline="0" dirty="0" err="1" smtClean="0">
+                <a:ln>
+                  <a:noFill/>
+                </a:ln>
+                <a:solidFill>
+                  <a:srgbClr val="000000"/>
+                </a:solidFill>
+                <a:effectLst/>
+                <a:latin typeface="SFMono-Regular"/>
+              </a:rPr>
+              <a:t>Monday</a:t>
+            </a:r>
+            <a:r>
+              <a:rPr kumimoji="0" lang="ru-RU" altLang="ru-RU" sz="1600" b="0" i="0" u="none" strike="noStrike" cap="none" normalizeH="0" baseline="0" dirty="0" smtClean="0">
+                <a:ln>
+                  <a:noFill/>
+                </a:ln>
+                <a:solidFill>
+                  <a:srgbClr val="000000"/>
+                </a:solidFill>
+                <a:effectLst/>
+                <a:latin typeface="SFMono-Regular"/>
+              </a:rPr>
+              <a:t> </a:t>
+            </a:r>
+            <a:r>
+              <a:rPr kumimoji="0" lang="ru-RU" altLang="ru-RU" sz="1600" b="0" i="0" u="none" strike="noStrike" cap="none" normalizeH="0" baseline="0" dirty="0" err="1" smtClean="0">
+                <a:ln>
+                  <a:noFill/>
+                </a:ln>
+                <a:solidFill>
+                  <a:srgbClr val="000000"/>
+                </a:solidFill>
+                <a:effectLst/>
+                <a:latin typeface="SFMono-Regular"/>
+              </a:rPr>
+              <a:t>Monday</a:t>
+            </a:r>
+            <a:r>
+              <a:rPr kumimoji="0" lang="ru-RU" altLang="ru-RU" sz="1600" b="0" i="0" u="none" strike="noStrike" cap="none" normalizeH="0" baseline="0" dirty="0" smtClean="0">
+                <a:ln>
+                  <a:noFill/>
+                </a:ln>
+                <a:solidFill>
+                  <a:srgbClr val="000000"/>
+                </a:solidFill>
+                <a:effectLst/>
+                <a:latin typeface="SFMono-Regular"/>
+              </a:rPr>
+              <a:t> </a:t>
+            </a:r>
+            <a:endParaRPr kumimoji="0" lang="en-US" altLang="ru-RU" sz="1600" b="0" i="0" u="none" strike="noStrike" cap="none" normalizeH="0" baseline="0" dirty="0" smtClean="0">
+              <a:ln>
+                <a:noFill/>
+              </a:ln>
+              <a:solidFill>
+                <a:srgbClr val="000000"/>
+              </a:solidFill>
+              <a:effectLst/>
+              <a:latin typeface="SFMono-Regular"/>
+            </a:endParaRPr>
+          </a:p>
+          <a:p>
+            <a:pPr lvl="1" eaLnBrk="0" hangingPunct="0">
+              <a:spcBef>
+                <a:spcPct val="0"/>
+              </a:spcBef>
+              <a:buClrTx/>
+              <a:buSzTx/>
+              <a:buFontTx/>
+              <a:buNone/>
+            </a:pPr>
+            <a:r>
+              <a:rPr kumimoji="0" lang="ru-RU" altLang="ru-RU" sz="1600" b="0" i="0" u="none" strike="noStrike" cap="none" normalizeH="0" baseline="0" dirty="0" err="1" smtClean="0">
+                <a:ln>
+                  <a:noFill/>
+                </a:ln>
+                <a:solidFill>
+                  <a:srgbClr val="000000"/>
+                </a:solidFill>
+                <a:effectLst/>
+                <a:latin typeface="SFMono-Regular"/>
+              </a:rPr>
+              <a:t>Saturday</a:t>
+            </a:r>
+            <a:r>
+              <a:rPr kumimoji="0" lang="ru-RU" altLang="ru-RU" sz="1600" b="0" i="0" u="none" strike="noStrike" cap="none" normalizeH="0" baseline="0" dirty="0" smtClean="0">
+                <a:ln>
+                  <a:noFill/>
+                </a:ln>
+                <a:solidFill>
+                  <a:srgbClr val="000000"/>
+                </a:solidFill>
+                <a:effectLst/>
+                <a:latin typeface="SFMono-Regular"/>
+              </a:rPr>
+              <a:t> </a:t>
+            </a:r>
+            <a:r>
+              <a:rPr kumimoji="0" lang="ru-RU" altLang="ru-RU" sz="1600" b="0" i="0" u="none" strike="noStrike" cap="none" normalizeH="0" baseline="0" dirty="0" err="1" smtClean="0">
+                <a:ln>
+                  <a:noFill/>
+                </a:ln>
+                <a:solidFill>
+                  <a:srgbClr val="000000"/>
+                </a:solidFill>
+                <a:effectLst/>
+                <a:latin typeface="SFMono-Regular"/>
+              </a:rPr>
+              <a:t>Saturday</a:t>
+            </a:r>
+            <a:r>
+              <a:rPr kumimoji="0" lang="ru-RU" altLang="ru-RU" sz="1600" b="0" i="0" u="none" strike="noStrike" cap="none" normalizeH="0" baseline="0" dirty="0" smtClean="0">
+                <a:ln>
+                  <a:noFill/>
+                </a:ln>
+                <a:solidFill>
+                  <a:srgbClr val="000000"/>
+                </a:solidFill>
+                <a:effectLst/>
+                <a:latin typeface="SFMono-Regular"/>
+              </a:rPr>
+              <a:t> </a:t>
+            </a:r>
+            <a:endParaRPr kumimoji="0" lang="en-US" altLang="ru-RU" sz="1600" b="0" i="0" u="none" strike="noStrike" cap="none" normalizeH="0" baseline="0" dirty="0" smtClean="0">
+              <a:ln>
+                <a:noFill/>
+              </a:ln>
+              <a:solidFill>
+                <a:srgbClr val="000000"/>
+              </a:solidFill>
+              <a:effectLst/>
+              <a:latin typeface="SFMono-Regular"/>
+            </a:endParaRPr>
+          </a:p>
+          <a:p>
+            <a:pPr lvl="1" eaLnBrk="0" hangingPunct="0">
+              <a:spcBef>
+                <a:spcPct val="0"/>
+              </a:spcBef>
+              <a:buClrTx/>
+              <a:buSzTx/>
+              <a:buFontTx/>
+              <a:buNone/>
+            </a:pPr>
+            <a:r>
+              <a:rPr kumimoji="0" lang="ru-RU" altLang="ru-RU" sz="1600" b="0" i="0" u="none" strike="noStrike" cap="none" normalizeH="0" baseline="0" dirty="0" err="1" smtClean="0">
+                <a:ln>
+                  <a:noFill/>
+                </a:ln>
+                <a:solidFill>
+                  <a:srgbClr val="000000"/>
+                </a:solidFill>
+                <a:effectLst/>
+                <a:latin typeface="SFMono-Regular"/>
+              </a:rPr>
+              <a:t>Sunday</a:t>
+            </a:r>
+            <a:r>
+              <a:rPr kumimoji="0" lang="ru-RU" altLang="ru-RU" sz="1600" b="0" i="0" u="none" strike="noStrike" cap="none" normalizeH="0" baseline="0" dirty="0" smtClean="0">
+                <a:ln>
+                  <a:noFill/>
+                </a:ln>
+                <a:solidFill>
+                  <a:srgbClr val="000000"/>
+                </a:solidFill>
+                <a:effectLst/>
+                <a:latin typeface="SFMono-Regular"/>
+              </a:rPr>
+              <a:t> </a:t>
+            </a:r>
+            <a:r>
+              <a:rPr kumimoji="0" lang="ru-RU" altLang="ru-RU" sz="1600" b="0" i="0" u="none" strike="noStrike" cap="none" normalizeH="0" baseline="0" dirty="0" err="1" smtClean="0">
+                <a:ln>
+                  <a:noFill/>
+                </a:ln>
+                <a:solidFill>
+                  <a:srgbClr val="000000"/>
+                </a:solidFill>
+                <a:effectLst/>
+                <a:latin typeface="SFMono-Regular"/>
+              </a:rPr>
+              <a:t>Sunday</a:t>
+            </a:r>
+            <a:r>
+              <a:rPr kumimoji="0" lang="ru-RU" altLang="ru-RU" sz="1600" b="0" i="0" u="none" strike="noStrike" cap="none" normalizeH="0" baseline="0" dirty="0" smtClean="0">
+                <a:ln>
+                  <a:noFill/>
+                </a:ln>
+                <a:solidFill>
+                  <a:srgbClr val="000000"/>
+                </a:solidFill>
+                <a:effectLst/>
+                <a:latin typeface="SFMono-Regular"/>
+              </a:rPr>
+              <a:t> </a:t>
+            </a:r>
+            <a:endParaRPr kumimoji="0" lang="en-US" altLang="ru-RU" sz="1600" b="0" i="0" u="none" strike="noStrike" cap="none" normalizeH="0" baseline="0" dirty="0" smtClean="0">
+              <a:ln>
+                <a:noFill/>
+              </a:ln>
+              <a:solidFill>
+                <a:srgbClr val="000000"/>
+              </a:solidFill>
+              <a:effectLst/>
+              <a:latin typeface="SFMono-Regular"/>
+            </a:endParaRPr>
+          </a:p>
+          <a:p>
+            <a:pPr lvl="1" eaLnBrk="0" hangingPunct="0">
+              <a:spcBef>
+                <a:spcPct val="0"/>
+              </a:spcBef>
+              <a:buClrTx/>
+              <a:buSzTx/>
+              <a:buFontTx/>
+              <a:buNone/>
+            </a:pPr>
+            <a:r>
+              <a:rPr kumimoji="0" lang="ru-RU" altLang="ru-RU" sz="1600" b="0" i="0" u="none" strike="noStrike" cap="none" normalizeH="0" baseline="0" dirty="0" err="1" smtClean="0">
+                <a:ln>
+                  <a:noFill/>
+                </a:ln>
+                <a:solidFill>
+                  <a:srgbClr val="000000"/>
+                </a:solidFill>
+                <a:effectLst/>
+                <a:latin typeface="SFMono-Regular"/>
+              </a:rPr>
+              <a:t>Thursday</a:t>
+            </a:r>
+            <a:r>
+              <a:rPr kumimoji="0" lang="ru-RU" altLang="ru-RU" sz="1600" b="0" i="0" u="none" strike="noStrike" cap="none" normalizeH="0" baseline="0" dirty="0" smtClean="0">
+                <a:ln>
+                  <a:noFill/>
+                </a:ln>
+                <a:solidFill>
+                  <a:srgbClr val="000000"/>
+                </a:solidFill>
+                <a:effectLst/>
+                <a:latin typeface="SFMono-Regular"/>
+              </a:rPr>
+              <a:t> </a:t>
+            </a:r>
+            <a:r>
+              <a:rPr kumimoji="0" lang="ru-RU" altLang="ru-RU" sz="1600" b="0" i="0" u="none" strike="noStrike" cap="none" normalizeH="0" baseline="0" dirty="0" err="1" smtClean="0">
+                <a:ln>
+                  <a:noFill/>
+                </a:ln>
+                <a:solidFill>
+                  <a:srgbClr val="000000"/>
+                </a:solidFill>
+                <a:effectLst/>
+                <a:latin typeface="SFMono-Regular"/>
+              </a:rPr>
+              <a:t>Thursday</a:t>
+            </a:r>
+            <a:r>
+              <a:rPr kumimoji="0" lang="ru-RU" altLang="ru-RU" sz="1600" b="0" i="0" u="none" strike="noStrike" cap="none" normalizeH="0" baseline="0" dirty="0" smtClean="0">
+                <a:ln>
+                  <a:noFill/>
+                </a:ln>
+                <a:solidFill>
+                  <a:srgbClr val="000000"/>
+                </a:solidFill>
+                <a:effectLst/>
+                <a:latin typeface="SFMono-Regular"/>
+              </a:rPr>
+              <a:t> </a:t>
+            </a:r>
+            <a:endParaRPr kumimoji="0" lang="en-US" altLang="ru-RU" sz="1600" b="0" i="0" u="none" strike="noStrike" cap="none" normalizeH="0" baseline="0" dirty="0" smtClean="0">
+              <a:ln>
+                <a:noFill/>
+              </a:ln>
+              <a:solidFill>
+                <a:srgbClr val="000000"/>
+              </a:solidFill>
+              <a:effectLst/>
+              <a:latin typeface="SFMono-Regular"/>
+            </a:endParaRPr>
+          </a:p>
+          <a:p>
+            <a:pPr lvl="1" eaLnBrk="0" hangingPunct="0">
+              <a:spcBef>
+                <a:spcPct val="0"/>
+              </a:spcBef>
+              <a:buClrTx/>
+              <a:buSzTx/>
+              <a:buFontTx/>
+              <a:buNone/>
+            </a:pPr>
+            <a:r>
+              <a:rPr kumimoji="0" lang="ru-RU" altLang="ru-RU" sz="1600" b="0" i="0" u="none" strike="noStrike" cap="none" normalizeH="0" baseline="0" dirty="0" err="1" smtClean="0">
+                <a:ln>
+                  <a:noFill/>
+                </a:ln>
+                <a:solidFill>
+                  <a:srgbClr val="000000"/>
+                </a:solidFill>
+                <a:effectLst/>
+                <a:latin typeface="SFMono-Regular"/>
+              </a:rPr>
+              <a:t>Tuesday</a:t>
+            </a:r>
+            <a:r>
+              <a:rPr kumimoji="0" lang="ru-RU" altLang="ru-RU" sz="1600" b="0" i="0" u="none" strike="noStrike" cap="none" normalizeH="0" baseline="0" dirty="0" smtClean="0">
+                <a:ln>
+                  <a:noFill/>
+                </a:ln>
+                <a:solidFill>
+                  <a:srgbClr val="000000"/>
+                </a:solidFill>
+                <a:effectLst/>
+                <a:latin typeface="SFMono-Regular"/>
+              </a:rPr>
+              <a:t> </a:t>
+            </a:r>
+            <a:r>
+              <a:rPr kumimoji="0" lang="ru-RU" altLang="ru-RU" sz="1600" b="0" i="0" u="none" strike="noStrike" cap="none" normalizeH="0" baseline="0" dirty="0" err="1" smtClean="0">
+                <a:ln>
+                  <a:noFill/>
+                </a:ln>
+                <a:solidFill>
+                  <a:srgbClr val="000000"/>
+                </a:solidFill>
+                <a:effectLst/>
+                <a:latin typeface="SFMono-Regular"/>
+              </a:rPr>
+              <a:t>Tuesday</a:t>
+            </a:r>
+            <a:r>
+              <a:rPr kumimoji="0" lang="ru-RU" altLang="ru-RU" sz="1600" b="0" i="0" u="none" strike="noStrike" cap="none" normalizeH="0" baseline="0" dirty="0" smtClean="0">
+                <a:ln>
+                  <a:noFill/>
+                </a:ln>
+                <a:solidFill>
+                  <a:srgbClr val="000000"/>
+                </a:solidFill>
+                <a:effectLst/>
+                <a:latin typeface="SFMono-Regular"/>
+              </a:rPr>
+              <a:t> </a:t>
+            </a:r>
+            <a:endParaRPr kumimoji="0" lang="en-US" altLang="ru-RU" sz="1600" b="0" i="0" u="none" strike="noStrike" cap="none" normalizeH="0" baseline="0" dirty="0" smtClean="0">
+              <a:ln>
+                <a:noFill/>
+              </a:ln>
+              <a:solidFill>
+                <a:srgbClr val="000000"/>
+              </a:solidFill>
+              <a:effectLst/>
+              <a:latin typeface="SFMono-Regular"/>
+            </a:endParaRPr>
+          </a:p>
+          <a:p>
+            <a:pPr lvl="1" eaLnBrk="0" hangingPunct="0">
+              <a:spcBef>
+                <a:spcPct val="0"/>
+              </a:spcBef>
+              <a:buClrTx/>
+              <a:buSzTx/>
+              <a:buFontTx/>
+              <a:buNone/>
+            </a:pPr>
+            <a:r>
+              <a:rPr kumimoji="0" lang="ru-RU" altLang="ru-RU" sz="1600" b="0" i="0" u="none" strike="noStrike" cap="none" normalizeH="0" baseline="0" dirty="0" err="1" smtClean="0">
+                <a:ln>
+                  <a:noFill/>
+                </a:ln>
+                <a:solidFill>
+                  <a:srgbClr val="000000"/>
+                </a:solidFill>
+                <a:effectLst/>
+                <a:latin typeface="SFMono-Regular"/>
+              </a:rPr>
+              <a:t>Wednesday</a:t>
+            </a:r>
+            <a:r>
+              <a:rPr kumimoji="0" lang="ru-RU" altLang="ru-RU" sz="1600" b="0" i="0" u="none" strike="noStrike" cap="none" normalizeH="0" baseline="0" dirty="0" smtClean="0">
+                <a:ln>
+                  <a:noFill/>
+                </a:ln>
+                <a:solidFill>
+                  <a:srgbClr val="000000"/>
+                </a:solidFill>
+                <a:effectLst/>
+                <a:latin typeface="SFMono-Regular"/>
+              </a:rPr>
+              <a:t> </a:t>
+            </a:r>
+            <a:r>
+              <a:rPr kumimoji="0" lang="ru-RU" altLang="ru-RU" sz="1600" b="0" i="0" u="none" strike="noStrike" cap="none" normalizeH="0" baseline="0" dirty="0" err="1" smtClean="0">
+                <a:ln>
+                  <a:noFill/>
+                </a:ln>
+                <a:solidFill>
+                  <a:srgbClr val="000000"/>
+                </a:solidFill>
+                <a:effectLst/>
+                <a:latin typeface="SFMono-Regular"/>
+              </a:rPr>
+              <a:t>Wednesday</a:t>
+            </a:r>
+            <a:r>
+              <a:rPr kumimoji="0" lang="ru-RU" altLang="ru-RU" sz="1600" b="0" i="0" u="none" strike="noStrike" cap="none" normalizeH="0" baseline="0" dirty="0" smtClean="0">
+                <a:ln>
+                  <a:noFill/>
+                </a:ln>
+                <a:solidFill>
+                  <a:srgbClr val="000000"/>
+                </a:solidFill>
+                <a:effectLst/>
+                <a:latin typeface="SFMono-Regular"/>
+              </a:rPr>
+              <a:t> </a:t>
+            </a:r>
+            <a:endParaRPr kumimoji="0" lang="en-US" altLang="ru-RU" sz="1600" b="0" i="0" u="none" strike="noStrike" cap="none" normalizeH="0" baseline="0" dirty="0" smtClean="0">
+              <a:ln>
+                <a:noFill/>
+              </a:ln>
+              <a:solidFill>
+                <a:srgbClr val="000000"/>
+              </a:solidFill>
+              <a:effectLst/>
+              <a:latin typeface="SFMono-Regular"/>
+            </a:endParaRPr>
+          </a:p>
+          <a:p>
+            <a:pPr lvl="1" eaLnBrk="0" hangingPunct="0">
+              <a:spcBef>
+                <a:spcPct val="0"/>
+              </a:spcBef>
+              <a:buClrTx/>
+              <a:buSzTx/>
+              <a:buFontTx/>
+              <a:buNone/>
+            </a:pPr>
+            <a:r>
+              <a:rPr kumimoji="0" lang="ru-RU" altLang="ru-RU" sz="1600" b="0" i="0" u="none" strike="noStrike" cap="none" normalizeH="0" baseline="0" dirty="0" err="1" smtClean="0">
+                <a:ln>
+                  <a:noFill/>
+                </a:ln>
+                <a:solidFill>
+                  <a:srgbClr val="000000"/>
+                </a:solidFill>
+                <a:effectLst/>
+                <a:latin typeface="SFMono-Regular"/>
+              </a:rPr>
+              <a:t>daily</a:t>
+            </a:r>
+            <a:r>
+              <a:rPr kumimoji="0" lang="ru-RU" altLang="ru-RU" sz="1600" b="0" i="0" u="none" strike="noStrike" cap="none" normalizeH="0" baseline="0" dirty="0" smtClean="0">
+                <a:ln>
+                  <a:noFill/>
+                </a:ln>
+                <a:solidFill>
+                  <a:srgbClr val="000000"/>
+                </a:solidFill>
+                <a:effectLst/>
+                <a:latin typeface="SFMono-Regular"/>
+              </a:rPr>
+              <a:t> </a:t>
+            </a:r>
+            <a:r>
+              <a:rPr kumimoji="0" lang="ru-RU" altLang="ru-RU" sz="1600" b="0" i="0" u="none" strike="noStrike" cap="none" normalizeH="0" baseline="0" dirty="0" err="1" smtClean="0">
+                <a:ln>
+                  <a:noFill/>
+                </a:ln>
+                <a:solidFill>
+                  <a:srgbClr val="000000"/>
+                </a:solidFill>
+                <a:effectLst/>
+                <a:latin typeface="SFMono-Regular"/>
+              </a:rPr>
+              <a:t>Every</a:t>
+            </a:r>
+            <a:r>
+              <a:rPr kumimoji="0" lang="ru-RU" altLang="ru-RU" sz="1600" b="0" i="0" u="none" strike="noStrike" cap="none" normalizeH="0" baseline="0" dirty="0" smtClean="0">
+                <a:ln>
+                  <a:noFill/>
+                </a:ln>
+                <a:solidFill>
+                  <a:srgbClr val="000000"/>
+                </a:solidFill>
+                <a:effectLst/>
+                <a:latin typeface="SFMono-Regular"/>
+              </a:rPr>
+              <a:t> </a:t>
+            </a:r>
+            <a:r>
+              <a:rPr kumimoji="0" lang="ru-RU" altLang="ru-RU" sz="1600" b="0" i="0" u="none" strike="noStrike" cap="none" normalizeH="0" baseline="0" dirty="0" err="1" smtClean="0">
+                <a:ln>
+                  <a:noFill/>
+                </a:ln>
+                <a:solidFill>
+                  <a:srgbClr val="000000"/>
+                </a:solidFill>
+                <a:effectLst/>
+                <a:latin typeface="SFMono-Regular"/>
+              </a:rPr>
+              <a:t>day</a:t>
+            </a:r>
+            <a:r>
+              <a:rPr kumimoji="0" lang="ru-RU" altLang="ru-RU" sz="1600" b="0" i="0" u="none" strike="noStrike" cap="none" normalizeH="0" baseline="0" dirty="0" smtClean="0">
+                <a:ln>
+                  <a:noFill/>
+                </a:ln>
+                <a:solidFill>
+                  <a:srgbClr val="000000"/>
+                </a:solidFill>
+                <a:effectLst/>
+                <a:latin typeface="SFMono-Regular"/>
+              </a:rPr>
+              <a:t> </a:t>
+            </a:r>
+            <a:r>
+              <a:rPr kumimoji="0" lang="ru-RU" altLang="ru-RU" sz="1600" b="0" i="0" u="none" strike="noStrike" cap="none" normalizeH="0" baseline="0" dirty="0" err="1" smtClean="0">
+                <a:ln>
+                  <a:noFill/>
+                </a:ln>
+                <a:solidFill>
+                  <a:srgbClr val="000000"/>
+                </a:solidFill>
+                <a:effectLst/>
+                <a:latin typeface="SFMono-Regular"/>
+              </a:rPr>
+              <a:t>of</a:t>
+            </a:r>
+            <a:r>
+              <a:rPr kumimoji="0" lang="ru-RU" altLang="ru-RU" sz="1600" b="0" i="0" u="none" strike="noStrike" cap="none" normalizeH="0" baseline="0" dirty="0" smtClean="0">
+                <a:ln>
+                  <a:noFill/>
+                </a:ln>
+                <a:solidFill>
+                  <a:srgbClr val="000000"/>
+                </a:solidFill>
+                <a:effectLst/>
+                <a:latin typeface="SFMono-Regular"/>
+              </a:rPr>
+              <a:t> </a:t>
+            </a:r>
+            <a:r>
+              <a:rPr kumimoji="0" lang="ru-RU" altLang="ru-RU" sz="1600" b="0" i="0" u="none" strike="noStrike" cap="none" normalizeH="0" baseline="0" dirty="0" err="1" smtClean="0">
+                <a:ln>
+                  <a:noFill/>
+                </a:ln>
+                <a:solidFill>
+                  <a:srgbClr val="000000"/>
+                </a:solidFill>
+                <a:effectLst/>
+                <a:latin typeface="SFMono-Regular"/>
+              </a:rPr>
+              <a:t>the</a:t>
+            </a:r>
+            <a:r>
+              <a:rPr kumimoji="0" lang="ru-RU" altLang="ru-RU" sz="1600" b="0" i="0" u="none" strike="noStrike" cap="none" normalizeH="0" baseline="0" dirty="0" smtClean="0">
+                <a:ln>
+                  <a:noFill/>
+                </a:ln>
+                <a:solidFill>
+                  <a:srgbClr val="000000"/>
+                </a:solidFill>
+                <a:effectLst/>
+                <a:latin typeface="SFMono-Regular"/>
+              </a:rPr>
+              <a:t> </a:t>
+            </a:r>
+            <a:r>
+              <a:rPr kumimoji="0" lang="ru-RU" altLang="ru-RU" sz="1600" b="0" i="0" u="none" strike="noStrike" cap="none" normalizeH="0" baseline="0" dirty="0" err="1" smtClean="0">
+                <a:ln>
+                  <a:noFill/>
+                </a:ln>
+                <a:solidFill>
+                  <a:srgbClr val="000000"/>
+                </a:solidFill>
+                <a:effectLst/>
+                <a:latin typeface="SFMono-Regular"/>
+              </a:rPr>
+              <a:t>week</a:t>
+            </a:r>
+            <a:r>
+              <a:rPr kumimoji="0" lang="ru-RU" altLang="ru-RU" sz="1600" b="0" i="0" u="none" strike="noStrike" cap="none" normalizeH="0" baseline="0" dirty="0" smtClean="0">
+                <a:ln>
+                  <a:noFill/>
+                </a:ln>
+                <a:solidFill>
+                  <a:srgbClr val="000000"/>
+                </a:solidFill>
+                <a:effectLst/>
+                <a:latin typeface="SFMono-Regular"/>
+              </a:rPr>
+              <a:t> </a:t>
+            </a:r>
+            <a:endParaRPr kumimoji="0" lang="en-US" altLang="ru-RU" sz="1600" b="0" i="0" u="none" strike="noStrike" cap="none" normalizeH="0" baseline="0" dirty="0" smtClean="0">
+              <a:ln>
+                <a:noFill/>
+              </a:ln>
+              <a:solidFill>
+                <a:srgbClr val="000000"/>
+              </a:solidFill>
+              <a:effectLst/>
+              <a:latin typeface="SFMono-Regular"/>
+            </a:endParaRPr>
+          </a:p>
+          <a:p>
+            <a:pPr lvl="1" eaLnBrk="0" hangingPunct="0">
+              <a:spcBef>
+                <a:spcPct val="0"/>
+              </a:spcBef>
+              <a:buClrTx/>
+              <a:buSzTx/>
+              <a:buFontTx/>
+              <a:buNone/>
+            </a:pPr>
+            <a:r>
+              <a:rPr kumimoji="0" lang="ru-RU" altLang="ru-RU" sz="1600" b="0" i="0" u="none" strike="noStrike" cap="none" normalizeH="0" baseline="0" dirty="0" err="1" smtClean="0">
+                <a:ln>
+                  <a:noFill/>
+                </a:ln>
+                <a:solidFill>
+                  <a:srgbClr val="000000"/>
+                </a:solidFill>
+                <a:effectLst/>
+                <a:latin typeface="SFMono-Regular"/>
+              </a:rPr>
+              <a:t>weekdays</a:t>
+            </a:r>
+            <a:r>
+              <a:rPr kumimoji="0" lang="ru-RU" altLang="ru-RU" sz="1600" b="0" i="0" u="none" strike="noStrike" cap="none" normalizeH="0" baseline="0" dirty="0" smtClean="0">
+                <a:ln>
+                  <a:noFill/>
+                </a:ln>
+                <a:solidFill>
+                  <a:srgbClr val="000000"/>
+                </a:solidFill>
+                <a:effectLst/>
+                <a:latin typeface="SFMono-Regular"/>
+              </a:rPr>
+              <a:t> </a:t>
+            </a:r>
+            <a:r>
+              <a:rPr kumimoji="0" lang="ru-RU" altLang="ru-RU" sz="1600" b="0" i="0" u="none" strike="noStrike" cap="none" normalizeH="0" baseline="0" dirty="0" err="1" smtClean="0">
+                <a:ln>
+                  <a:noFill/>
+                </a:ln>
+                <a:solidFill>
+                  <a:srgbClr val="000000"/>
+                </a:solidFill>
+                <a:effectLst/>
+                <a:latin typeface="SFMono-Regular"/>
+              </a:rPr>
+              <a:t>Monday</a:t>
+            </a:r>
+            <a:r>
+              <a:rPr kumimoji="0" lang="ru-RU" altLang="ru-RU" sz="1600" b="0" i="0" u="none" strike="noStrike" cap="none" normalizeH="0" baseline="0" dirty="0" smtClean="0">
+                <a:ln>
+                  <a:noFill/>
+                </a:ln>
+                <a:solidFill>
+                  <a:srgbClr val="000000"/>
+                </a:solidFill>
+                <a:effectLst/>
+                <a:latin typeface="SFMono-Regular"/>
+              </a:rPr>
+              <a:t> </a:t>
+            </a:r>
+            <a:r>
+              <a:rPr kumimoji="0" lang="ru-RU" altLang="ru-RU" sz="1600" b="0" i="0" u="none" strike="noStrike" cap="none" normalizeH="0" baseline="0" dirty="0" err="1" smtClean="0">
+                <a:ln>
+                  <a:noFill/>
+                </a:ln>
+                <a:solidFill>
+                  <a:srgbClr val="000000"/>
+                </a:solidFill>
+                <a:effectLst/>
+                <a:latin typeface="SFMono-Regular"/>
+              </a:rPr>
+              <a:t>thru</a:t>
+            </a:r>
+            <a:r>
+              <a:rPr kumimoji="0" lang="ru-RU" altLang="ru-RU" sz="1600" b="0" i="0" u="none" strike="noStrike" cap="none" normalizeH="0" baseline="0" dirty="0" smtClean="0">
+                <a:ln>
+                  <a:noFill/>
+                </a:ln>
+                <a:solidFill>
+                  <a:srgbClr val="000000"/>
+                </a:solidFill>
+                <a:effectLst/>
+                <a:latin typeface="SFMono-Regular"/>
+              </a:rPr>
+              <a:t> </a:t>
+            </a:r>
+            <a:r>
+              <a:rPr kumimoji="0" lang="ru-RU" altLang="ru-RU" sz="1600" b="0" i="0" u="none" strike="noStrike" cap="none" normalizeH="0" baseline="0" dirty="0" err="1" smtClean="0">
+                <a:ln>
+                  <a:noFill/>
+                </a:ln>
+                <a:solidFill>
+                  <a:srgbClr val="000000"/>
+                </a:solidFill>
+                <a:effectLst/>
+                <a:latin typeface="SFMono-Regular"/>
+              </a:rPr>
+              <a:t>Friday</a:t>
+            </a:r>
+            <a:r>
+              <a:rPr kumimoji="0" lang="ru-RU" altLang="ru-RU" sz="1600" b="0" i="0" u="none" strike="noStrike" cap="none" normalizeH="0" baseline="0" dirty="0" smtClean="0">
+                <a:ln>
+                  <a:noFill/>
+                </a:ln>
+                <a:solidFill>
+                  <a:srgbClr val="000000"/>
+                </a:solidFill>
+                <a:effectLst/>
+                <a:latin typeface="SFMono-Regular"/>
+              </a:rPr>
+              <a:t> </a:t>
+            </a:r>
+            <a:endParaRPr kumimoji="0" lang="en-US" altLang="ru-RU" sz="1600" b="0" i="0" u="none" strike="noStrike" cap="none" normalizeH="0" baseline="0" dirty="0" smtClean="0">
+              <a:ln>
+                <a:noFill/>
+              </a:ln>
+              <a:solidFill>
+                <a:srgbClr val="000000"/>
+              </a:solidFill>
+              <a:effectLst/>
+              <a:latin typeface="SFMono-Regular"/>
+            </a:endParaRPr>
+          </a:p>
+          <a:p>
+            <a:pPr lvl="1" eaLnBrk="0" hangingPunct="0">
+              <a:spcBef>
+                <a:spcPct val="0"/>
+              </a:spcBef>
+              <a:buClrTx/>
+              <a:buSzTx/>
+              <a:buFontTx/>
+              <a:buNone/>
+            </a:pPr>
+            <a:r>
+              <a:rPr kumimoji="0" lang="ru-RU" altLang="ru-RU" sz="1600" b="0" i="0" u="none" strike="noStrike" cap="none" normalizeH="0" baseline="0" dirty="0" err="1" smtClean="0">
+                <a:ln>
+                  <a:noFill/>
+                </a:ln>
+                <a:solidFill>
+                  <a:srgbClr val="000000"/>
+                </a:solidFill>
+                <a:effectLst/>
+                <a:latin typeface="SFMono-Regular"/>
+              </a:rPr>
+              <a:t>weekend</a:t>
+            </a:r>
+            <a:r>
+              <a:rPr kumimoji="0" lang="ru-RU" altLang="ru-RU" sz="1600" b="0" i="0" u="none" strike="noStrike" cap="none" normalizeH="0" baseline="0" dirty="0" smtClean="0">
+                <a:ln>
+                  <a:noFill/>
+                </a:ln>
+                <a:solidFill>
+                  <a:srgbClr val="000000"/>
+                </a:solidFill>
+                <a:effectLst/>
+                <a:latin typeface="SFMono-Regular"/>
+              </a:rPr>
+              <a:t> </a:t>
+            </a:r>
+            <a:r>
+              <a:rPr kumimoji="0" lang="ru-RU" altLang="ru-RU" sz="1600" b="0" i="0" u="none" strike="noStrike" cap="none" normalizeH="0" baseline="0" dirty="0" err="1" smtClean="0">
+                <a:ln>
+                  <a:noFill/>
+                </a:ln>
+                <a:solidFill>
+                  <a:srgbClr val="000000"/>
+                </a:solidFill>
+                <a:effectLst/>
+                <a:latin typeface="SFMono-Regular"/>
+              </a:rPr>
+              <a:t>Saturday</a:t>
+            </a:r>
+            <a:r>
+              <a:rPr kumimoji="0" lang="ru-RU" altLang="ru-RU" sz="1600" b="0" i="0" u="none" strike="noStrike" cap="none" normalizeH="0" baseline="0" dirty="0" smtClean="0">
+                <a:ln>
+                  <a:noFill/>
+                </a:ln>
+                <a:solidFill>
+                  <a:srgbClr val="000000"/>
+                </a:solidFill>
+                <a:effectLst/>
+                <a:latin typeface="SFMono-Regular"/>
+              </a:rPr>
+              <a:t> </a:t>
+            </a:r>
+            <a:r>
+              <a:rPr kumimoji="0" lang="ru-RU" altLang="ru-RU" sz="1600" b="0" i="0" u="none" strike="noStrike" cap="none" normalizeH="0" baseline="0" dirty="0" err="1" smtClean="0">
+                <a:ln>
+                  <a:noFill/>
+                </a:ln>
+                <a:solidFill>
+                  <a:srgbClr val="000000"/>
+                </a:solidFill>
+                <a:effectLst/>
+                <a:latin typeface="SFMono-Regular"/>
+              </a:rPr>
+              <a:t>and</a:t>
+            </a:r>
+            <a:r>
+              <a:rPr kumimoji="0" lang="ru-RU" altLang="ru-RU" sz="1600" b="0" i="0" u="none" strike="noStrike" cap="none" normalizeH="0" baseline="0" dirty="0" smtClean="0">
+                <a:ln>
+                  <a:noFill/>
+                </a:ln>
+                <a:solidFill>
+                  <a:srgbClr val="000000"/>
+                </a:solidFill>
+                <a:effectLst/>
+                <a:latin typeface="SFMono-Regular"/>
+              </a:rPr>
+              <a:t> </a:t>
+            </a:r>
+            <a:r>
+              <a:rPr kumimoji="0" lang="ru-RU" altLang="ru-RU" sz="1600" b="0" i="0" u="none" strike="noStrike" cap="none" normalizeH="0" baseline="0" dirty="0" err="1" smtClean="0">
+                <a:ln>
+                  <a:noFill/>
+                </a:ln>
+                <a:solidFill>
+                  <a:srgbClr val="000000"/>
+                </a:solidFill>
+                <a:effectLst/>
+                <a:latin typeface="SFMono-Regular"/>
+              </a:rPr>
+              <a:t>Sunday</a:t>
+            </a:r>
+            <a:r>
+              <a:rPr kumimoji="0" lang="ru-RU" altLang="ru-RU" sz="1600" b="0" i="0" u="none" strike="noStrike" cap="none" normalizeH="0" baseline="0" dirty="0" smtClean="0">
+                <a:ln>
+                  <a:noFill/>
+                </a:ln>
+                <a:solidFill>
+                  <a:schemeClr val="tx1"/>
+                </a:solidFill>
+                <a:effectLst/>
+              </a:rPr>
+              <a:t> </a:t>
+            </a:r>
+            <a:endParaRPr kumimoji="0" lang="en-US" altLang="ru-RU" sz="1600" b="0" i="0" u="none" strike="noStrike" cap="none" normalizeH="0" baseline="0" dirty="0" smtClean="0">
+              <a:ln>
+                <a:noFill/>
+              </a:ln>
+              <a:solidFill>
+                <a:schemeClr val="tx1"/>
+              </a:solidFill>
+              <a:effectLst/>
+            </a:endParaRPr>
+          </a:p>
+          <a:p>
+            <a:pPr eaLnBrk="0" hangingPunct="0">
+              <a:spcBef>
+                <a:spcPct val="0"/>
+              </a:spcBef>
+              <a:buClrTx/>
+              <a:buSzTx/>
+              <a:buNone/>
+            </a:pPr>
+            <a:r>
+              <a:rPr kumimoji="0" lang="ru-RU" altLang="ru-RU" sz="1600" dirty="0">
+                <a:solidFill>
+                  <a:srgbClr val="000000"/>
+                </a:solidFill>
+                <a:latin typeface="SFMono-Regular"/>
+              </a:rPr>
+              <a:t>R2(</a:t>
+            </a:r>
+            <a:r>
+              <a:rPr kumimoji="0" lang="ru-RU" altLang="ru-RU" sz="1600" dirty="0" err="1">
+                <a:solidFill>
+                  <a:srgbClr val="000000"/>
+                </a:solidFill>
+                <a:latin typeface="SFMono-Regular"/>
+              </a:rPr>
+              <a:t>config-time-range</a:t>
+            </a:r>
+            <a:r>
+              <a:rPr kumimoji="0" lang="ru-RU" altLang="ru-RU" sz="1600" dirty="0">
+                <a:solidFill>
+                  <a:srgbClr val="000000"/>
+                </a:solidFill>
+                <a:latin typeface="SFMono-Regular"/>
+              </a:rPr>
+              <a:t>)#</a:t>
+            </a:r>
+            <a:r>
+              <a:rPr kumimoji="0" lang="ru-RU" altLang="ru-RU" sz="1600" b="1" dirty="0" err="1">
+                <a:solidFill>
+                  <a:srgbClr val="000000"/>
+                </a:solidFill>
+                <a:latin typeface="SFMono-Regular"/>
+              </a:rPr>
+              <a:t>periodic</a:t>
+            </a:r>
+            <a:r>
+              <a:rPr kumimoji="0" lang="ru-RU" altLang="ru-RU" sz="1600" b="1" dirty="0">
+                <a:solidFill>
+                  <a:srgbClr val="000000"/>
+                </a:solidFill>
+                <a:latin typeface="SFMono-Regular"/>
+              </a:rPr>
+              <a:t> </a:t>
+            </a:r>
+            <a:r>
+              <a:rPr kumimoji="0" lang="ru-RU" altLang="ru-RU" sz="1600" b="1" dirty="0" err="1">
+                <a:solidFill>
+                  <a:srgbClr val="000000"/>
+                </a:solidFill>
+                <a:latin typeface="SFMono-Regular"/>
+              </a:rPr>
+              <a:t>wekdays</a:t>
+            </a:r>
+            <a:r>
+              <a:rPr kumimoji="0" lang="ru-RU" altLang="ru-RU" sz="1600" b="1" dirty="0">
+                <a:solidFill>
+                  <a:srgbClr val="000000"/>
+                </a:solidFill>
+                <a:latin typeface="SFMono-Regular"/>
+              </a:rPr>
+              <a:t> 09:00 </a:t>
+            </a:r>
+            <a:r>
+              <a:rPr kumimoji="0" lang="ru-RU" altLang="ru-RU" sz="1600" b="1" dirty="0" err="1">
+                <a:solidFill>
+                  <a:srgbClr val="000000"/>
+                </a:solidFill>
+                <a:latin typeface="SFMono-Regular"/>
+              </a:rPr>
+              <a:t>to</a:t>
+            </a:r>
+            <a:r>
+              <a:rPr kumimoji="0" lang="ru-RU" altLang="ru-RU" sz="1600" b="1" dirty="0">
+                <a:solidFill>
+                  <a:srgbClr val="000000"/>
+                </a:solidFill>
+                <a:latin typeface="SFMono-Regular"/>
+              </a:rPr>
+              <a:t> 17:00</a:t>
+            </a:r>
+            <a:r>
+              <a:rPr kumimoji="0" lang="ru-RU" altLang="ru-RU" sz="1600" dirty="0"/>
+              <a:t> </a:t>
+            </a:r>
+            <a:endParaRPr kumimoji="0" lang="en-US" altLang="ru-RU" sz="1600" dirty="0" smtClean="0"/>
+          </a:p>
+          <a:p>
+            <a:pPr lvl="0" eaLnBrk="0" hangingPunct="0">
+              <a:spcBef>
+                <a:spcPct val="0"/>
+              </a:spcBef>
+              <a:buClrTx/>
+              <a:buSzTx/>
+              <a:buNone/>
+            </a:pPr>
+            <a:r>
+              <a:rPr kumimoji="0" lang="ru-RU" altLang="ru-RU" sz="1600" dirty="0">
+                <a:solidFill>
+                  <a:srgbClr val="000000"/>
+                </a:solidFill>
+                <a:latin typeface="SFMono-Regular"/>
+              </a:rPr>
+              <a:t>R2(</a:t>
+            </a:r>
+            <a:r>
+              <a:rPr kumimoji="0" lang="ru-RU" altLang="ru-RU" sz="1600" dirty="0" err="1">
+                <a:solidFill>
+                  <a:srgbClr val="000000"/>
+                </a:solidFill>
+                <a:latin typeface="SFMono-Regular"/>
+              </a:rPr>
+              <a:t>config</a:t>
+            </a:r>
+            <a:r>
+              <a:rPr kumimoji="0" lang="ru-RU" altLang="ru-RU" sz="1600" dirty="0">
+                <a:solidFill>
+                  <a:srgbClr val="000000"/>
+                </a:solidFill>
+                <a:latin typeface="SFMono-Regular"/>
+              </a:rPr>
+              <a:t>)#</a:t>
+            </a:r>
+            <a:r>
+              <a:rPr kumimoji="0" lang="ru-RU" altLang="ru-RU" sz="1600" b="1" dirty="0" err="1">
+                <a:solidFill>
+                  <a:srgbClr val="000000"/>
+                </a:solidFill>
+                <a:latin typeface="SFMono-Regular"/>
+              </a:rPr>
+              <a:t>ip</a:t>
+            </a:r>
+            <a:r>
+              <a:rPr kumimoji="0" lang="ru-RU" altLang="ru-RU" sz="1600" b="1" dirty="0">
+                <a:solidFill>
+                  <a:srgbClr val="000000"/>
+                </a:solidFill>
+                <a:latin typeface="SFMono-Regular"/>
+              </a:rPr>
+              <a:t> </a:t>
+            </a:r>
+            <a:r>
+              <a:rPr kumimoji="0" lang="ru-RU" altLang="ru-RU" sz="1600" b="1" dirty="0" err="1">
+                <a:solidFill>
+                  <a:srgbClr val="000000"/>
+                </a:solidFill>
+                <a:latin typeface="SFMono-Regular"/>
+              </a:rPr>
+              <a:t>access-list</a:t>
+            </a:r>
+            <a:r>
+              <a:rPr kumimoji="0" lang="ru-RU" altLang="ru-RU" sz="1600" b="1" dirty="0">
+                <a:solidFill>
+                  <a:srgbClr val="000000"/>
+                </a:solidFill>
+                <a:latin typeface="SFMono-Regular"/>
+              </a:rPr>
+              <a:t> </a:t>
+            </a:r>
+            <a:r>
+              <a:rPr kumimoji="0" lang="ru-RU" altLang="ru-RU" sz="1600" b="1" dirty="0" err="1">
+                <a:solidFill>
+                  <a:srgbClr val="000000"/>
+                </a:solidFill>
+                <a:latin typeface="SFMono-Regular"/>
+              </a:rPr>
+              <a:t>extended</a:t>
+            </a:r>
+            <a:r>
+              <a:rPr kumimoji="0" lang="ru-RU" altLang="ru-RU" sz="1600" b="1" dirty="0">
+                <a:solidFill>
+                  <a:srgbClr val="000000"/>
+                </a:solidFill>
+                <a:latin typeface="SFMono-Regular"/>
+              </a:rPr>
+              <a:t> NO_FACEBOOK</a:t>
+            </a:r>
+            <a:r>
+              <a:rPr kumimoji="0" lang="ru-RU" altLang="ru-RU" sz="1600" dirty="0">
+                <a:solidFill>
+                  <a:srgbClr val="000000"/>
+                </a:solidFill>
+                <a:latin typeface="SFMono-Regular"/>
+              </a:rPr>
+              <a:t> </a:t>
+            </a:r>
+            <a:endParaRPr kumimoji="0" lang="en-US" altLang="ru-RU" sz="1600" dirty="0" smtClean="0">
+              <a:solidFill>
+                <a:srgbClr val="000000"/>
+              </a:solidFill>
+              <a:latin typeface="SFMono-Regular"/>
+            </a:endParaRPr>
+          </a:p>
+          <a:p>
+            <a:pPr lvl="0" eaLnBrk="0" hangingPunct="0">
+              <a:spcBef>
+                <a:spcPct val="0"/>
+              </a:spcBef>
+              <a:buClrTx/>
+              <a:buSzTx/>
+              <a:buNone/>
+            </a:pPr>
+            <a:r>
+              <a:rPr kumimoji="0" lang="ru-RU" altLang="ru-RU" sz="1600" dirty="0" smtClean="0">
+                <a:solidFill>
+                  <a:srgbClr val="000000"/>
+                </a:solidFill>
+                <a:latin typeface="SFMono-Regular"/>
+              </a:rPr>
+              <a:t>R2(</a:t>
+            </a:r>
+            <a:r>
+              <a:rPr kumimoji="0" lang="ru-RU" altLang="ru-RU" sz="1600" dirty="0" err="1" smtClean="0">
+                <a:solidFill>
+                  <a:srgbClr val="000000"/>
+                </a:solidFill>
+                <a:latin typeface="SFMono-Regular"/>
+              </a:rPr>
+              <a:t>config-ext-nacl</a:t>
+            </a:r>
+            <a:r>
+              <a:rPr kumimoji="0" lang="ru-RU" altLang="ru-RU" sz="1600" dirty="0">
+                <a:solidFill>
+                  <a:srgbClr val="000000"/>
+                </a:solidFill>
+                <a:latin typeface="SFMono-Regular"/>
+              </a:rPr>
+              <a:t>)#</a:t>
+            </a:r>
+            <a:r>
+              <a:rPr kumimoji="0" lang="ru-RU" altLang="ru-RU" sz="1600" b="1" dirty="0" err="1">
+                <a:solidFill>
+                  <a:srgbClr val="000000"/>
+                </a:solidFill>
+                <a:latin typeface="SFMono-Regular"/>
+              </a:rPr>
+              <a:t>deny</a:t>
+            </a:r>
+            <a:r>
+              <a:rPr kumimoji="0" lang="ru-RU" altLang="ru-RU" sz="1600" b="1" dirty="0">
+                <a:solidFill>
+                  <a:srgbClr val="000000"/>
+                </a:solidFill>
+                <a:latin typeface="SFMono-Regular"/>
+              </a:rPr>
+              <a:t> </a:t>
+            </a:r>
+            <a:r>
+              <a:rPr kumimoji="0" lang="ru-RU" altLang="ru-RU" sz="1600" b="1" dirty="0" err="1">
+                <a:solidFill>
+                  <a:srgbClr val="000000"/>
+                </a:solidFill>
+                <a:latin typeface="SFMono-Regular"/>
+              </a:rPr>
+              <a:t>tcp</a:t>
+            </a:r>
+            <a:r>
+              <a:rPr kumimoji="0" lang="ru-RU" altLang="ru-RU" sz="1600" b="1" dirty="0">
+                <a:solidFill>
+                  <a:srgbClr val="000000"/>
+                </a:solidFill>
+                <a:latin typeface="SFMono-Regular"/>
+              </a:rPr>
+              <a:t> </a:t>
+            </a:r>
+            <a:r>
+              <a:rPr kumimoji="0" lang="ru-RU" altLang="ru-RU" sz="1600" b="1" dirty="0" err="1">
+                <a:solidFill>
+                  <a:srgbClr val="000000"/>
+                </a:solidFill>
+                <a:latin typeface="SFMono-Regular"/>
+              </a:rPr>
+              <a:t>any</a:t>
+            </a:r>
+            <a:r>
+              <a:rPr kumimoji="0" lang="ru-RU" altLang="ru-RU" sz="1600" b="1" dirty="0">
+                <a:solidFill>
+                  <a:srgbClr val="000000"/>
+                </a:solidFill>
+                <a:latin typeface="SFMono-Regular"/>
+              </a:rPr>
+              <a:t> </a:t>
+            </a:r>
+            <a:r>
+              <a:rPr kumimoji="0" lang="ru-RU" altLang="ru-RU" sz="1600" b="1" dirty="0" err="1">
+                <a:solidFill>
+                  <a:srgbClr val="000000"/>
+                </a:solidFill>
+                <a:latin typeface="SFMono-Regular"/>
+              </a:rPr>
+              <a:t>host</a:t>
+            </a:r>
+            <a:r>
+              <a:rPr kumimoji="0" lang="ru-RU" altLang="ru-RU" sz="1600" b="1" dirty="0">
+                <a:solidFill>
+                  <a:srgbClr val="000000"/>
+                </a:solidFill>
+                <a:latin typeface="SFMono-Regular"/>
+              </a:rPr>
+              <a:t> 192.168.23.3 </a:t>
+            </a:r>
+            <a:r>
+              <a:rPr kumimoji="0" lang="ru-RU" altLang="ru-RU" sz="1600" b="1" dirty="0" err="1">
+                <a:solidFill>
+                  <a:srgbClr val="000000"/>
+                </a:solidFill>
+                <a:latin typeface="SFMono-Regular"/>
+              </a:rPr>
+              <a:t>eq</a:t>
+            </a:r>
+            <a:r>
+              <a:rPr kumimoji="0" lang="ru-RU" altLang="ru-RU" sz="1600" b="1" dirty="0">
+                <a:solidFill>
+                  <a:srgbClr val="000000"/>
+                </a:solidFill>
+                <a:latin typeface="SFMono-Regular"/>
+              </a:rPr>
+              <a:t> 80 </a:t>
+            </a:r>
+            <a:r>
+              <a:rPr kumimoji="0" lang="ru-RU" altLang="ru-RU" sz="1600" b="1" dirty="0" err="1">
+                <a:solidFill>
+                  <a:srgbClr val="000000"/>
+                </a:solidFill>
+                <a:latin typeface="SFMono-Regular"/>
+              </a:rPr>
+              <a:t>time-range</a:t>
+            </a:r>
+            <a:r>
+              <a:rPr kumimoji="0" lang="ru-RU" altLang="ru-RU" sz="1600" b="1" dirty="0">
+                <a:solidFill>
+                  <a:srgbClr val="000000"/>
+                </a:solidFill>
+                <a:latin typeface="SFMono-Regular"/>
+              </a:rPr>
+              <a:t> WORK_HOURS</a:t>
+            </a:r>
+            <a:r>
+              <a:rPr kumimoji="0" lang="ru-RU" altLang="ru-RU" sz="1600" dirty="0">
+                <a:solidFill>
+                  <a:srgbClr val="000000"/>
+                </a:solidFill>
+                <a:latin typeface="SFMono-Regular"/>
+              </a:rPr>
+              <a:t> R2(</a:t>
+            </a:r>
+            <a:r>
+              <a:rPr kumimoji="0" lang="ru-RU" altLang="ru-RU" sz="1600" dirty="0" err="1">
+                <a:solidFill>
+                  <a:srgbClr val="000000"/>
+                </a:solidFill>
+                <a:latin typeface="SFMono-Regular"/>
+              </a:rPr>
+              <a:t>config-ext-nacl</a:t>
+            </a:r>
+            <a:r>
+              <a:rPr kumimoji="0" lang="ru-RU" altLang="ru-RU" sz="1600" dirty="0">
+                <a:solidFill>
+                  <a:srgbClr val="000000"/>
+                </a:solidFill>
+                <a:latin typeface="SFMono-Regular"/>
+              </a:rPr>
+              <a:t>)#</a:t>
+            </a:r>
+            <a:r>
+              <a:rPr kumimoji="0" lang="ru-RU" altLang="ru-RU" sz="1600" b="1" dirty="0" err="1">
+                <a:solidFill>
+                  <a:srgbClr val="000000"/>
+                </a:solidFill>
+                <a:latin typeface="SFMono-Regular"/>
+              </a:rPr>
+              <a:t>permit</a:t>
+            </a:r>
+            <a:r>
+              <a:rPr kumimoji="0" lang="ru-RU" altLang="ru-RU" sz="1600" b="1" dirty="0">
+                <a:solidFill>
+                  <a:srgbClr val="000000"/>
+                </a:solidFill>
+                <a:latin typeface="SFMono-Regular"/>
+              </a:rPr>
+              <a:t> </a:t>
+            </a:r>
+            <a:r>
+              <a:rPr kumimoji="0" lang="ru-RU" altLang="ru-RU" sz="1600" b="1" dirty="0" err="1">
+                <a:solidFill>
+                  <a:srgbClr val="000000"/>
+                </a:solidFill>
+                <a:latin typeface="SFMono-Regular"/>
+              </a:rPr>
+              <a:t>ip</a:t>
+            </a:r>
+            <a:r>
+              <a:rPr kumimoji="0" lang="ru-RU" altLang="ru-RU" sz="1600" b="1" dirty="0">
+                <a:solidFill>
+                  <a:srgbClr val="000000"/>
+                </a:solidFill>
+                <a:latin typeface="SFMono-Regular"/>
+              </a:rPr>
+              <a:t> </a:t>
+            </a:r>
+            <a:r>
+              <a:rPr kumimoji="0" lang="ru-RU" altLang="ru-RU" sz="1600" b="1" dirty="0" err="1">
+                <a:solidFill>
+                  <a:srgbClr val="000000"/>
+                </a:solidFill>
+                <a:latin typeface="SFMono-Regular"/>
+              </a:rPr>
+              <a:t>any</a:t>
+            </a:r>
+            <a:r>
+              <a:rPr kumimoji="0" lang="ru-RU" altLang="ru-RU" sz="1600" b="1" dirty="0">
+                <a:solidFill>
+                  <a:srgbClr val="000000"/>
+                </a:solidFill>
+                <a:latin typeface="SFMono-Regular"/>
+              </a:rPr>
+              <a:t> </a:t>
+            </a:r>
+            <a:r>
+              <a:rPr kumimoji="0" lang="ru-RU" altLang="ru-RU" sz="1600" b="1" dirty="0" err="1">
+                <a:solidFill>
+                  <a:srgbClr val="000000"/>
+                </a:solidFill>
+                <a:latin typeface="SFMono-Regular"/>
+              </a:rPr>
+              <a:t>any</a:t>
+            </a:r>
+            <a:r>
+              <a:rPr kumimoji="0" lang="ru-RU" altLang="ru-RU" sz="1600" dirty="0"/>
+              <a:t> </a:t>
+            </a:r>
+            <a:endParaRPr kumimoji="0" lang="en-US" altLang="ru-RU" sz="1600" dirty="0" smtClean="0"/>
+          </a:p>
+          <a:p>
+            <a:pPr eaLnBrk="0" hangingPunct="0">
+              <a:spcBef>
+                <a:spcPct val="0"/>
+              </a:spcBef>
+              <a:buClrTx/>
+              <a:buSzTx/>
+              <a:buNone/>
+            </a:pPr>
+            <a:r>
+              <a:rPr kumimoji="0" lang="ru-RU" altLang="ru-RU" sz="1600" dirty="0">
+                <a:solidFill>
+                  <a:srgbClr val="000000"/>
+                </a:solidFill>
+                <a:latin typeface="SFMono-Regular"/>
+              </a:rPr>
+              <a:t>R2(</a:t>
+            </a:r>
+            <a:r>
+              <a:rPr kumimoji="0" lang="ru-RU" altLang="ru-RU" sz="1600" dirty="0" err="1">
+                <a:solidFill>
+                  <a:srgbClr val="000000"/>
+                </a:solidFill>
+                <a:latin typeface="SFMono-Regular"/>
+              </a:rPr>
+              <a:t>config</a:t>
+            </a:r>
+            <a:r>
+              <a:rPr kumimoji="0" lang="ru-RU" altLang="ru-RU" sz="1600" dirty="0">
+                <a:solidFill>
+                  <a:srgbClr val="000000"/>
+                </a:solidFill>
+                <a:latin typeface="SFMono-Regular"/>
+              </a:rPr>
+              <a:t>)#</a:t>
+            </a:r>
+            <a:r>
+              <a:rPr kumimoji="0" lang="ru-RU" altLang="ru-RU" sz="1600" b="1" dirty="0" err="1">
+                <a:solidFill>
+                  <a:srgbClr val="000000"/>
+                </a:solidFill>
+                <a:latin typeface="SFMono-Regular"/>
+              </a:rPr>
+              <a:t>interface</a:t>
+            </a:r>
+            <a:r>
+              <a:rPr kumimoji="0" lang="ru-RU" altLang="ru-RU" sz="1600" b="1" dirty="0">
+                <a:solidFill>
+                  <a:srgbClr val="000000"/>
+                </a:solidFill>
+                <a:latin typeface="SFMono-Regular"/>
+              </a:rPr>
+              <a:t> </a:t>
+            </a:r>
+            <a:r>
+              <a:rPr kumimoji="0" lang="ru-RU" altLang="ru-RU" sz="1600" b="1" dirty="0" err="1">
+                <a:solidFill>
+                  <a:srgbClr val="000000"/>
+                </a:solidFill>
+                <a:latin typeface="SFMono-Regular"/>
+              </a:rPr>
+              <a:t>FastEthernet</a:t>
+            </a:r>
+            <a:r>
+              <a:rPr kumimoji="0" lang="ru-RU" altLang="ru-RU" sz="1600" b="1" dirty="0">
+                <a:solidFill>
+                  <a:srgbClr val="000000"/>
+                </a:solidFill>
+                <a:latin typeface="SFMono-Regular"/>
+              </a:rPr>
+              <a:t> 0/0</a:t>
+            </a:r>
+            <a:r>
+              <a:rPr kumimoji="0" lang="ru-RU" altLang="ru-RU" sz="1600" dirty="0">
+                <a:solidFill>
+                  <a:srgbClr val="000000"/>
+                </a:solidFill>
+                <a:latin typeface="SFMono-Regular"/>
+              </a:rPr>
+              <a:t> R2(</a:t>
+            </a:r>
+            <a:r>
+              <a:rPr kumimoji="0" lang="ru-RU" altLang="ru-RU" sz="1600" dirty="0" err="1">
+                <a:solidFill>
+                  <a:srgbClr val="000000"/>
+                </a:solidFill>
+                <a:latin typeface="SFMono-Regular"/>
+              </a:rPr>
+              <a:t>config-if</a:t>
+            </a:r>
+            <a:r>
+              <a:rPr kumimoji="0" lang="ru-RU" altLang="ru-RU" sz="1600" dirty="0">
+                <a:solidFill>
+                  <a:srgbClr val="000000"/>
+                </a:solidFill>
+                <a:latin typeface="SFMono-Regular"/>
+              </a:rPr>
+              <a:t>)#</a:t>
+            </a:r>
+            <a:r>
+              <a:rPr kumimoji="0" lang="ru-RU" altLang="ru-RU" sz="1600" b="1" dirty="0" err="1">
+                <a:solidFill>
+                  <a:srgbClr val="000000"/>
+                </a:solidFill>
+                <a:latin typeface="SFMono-Regular"/>
+              </a:rPr>
+              <a:t>ip</a:t>
+            </a:r>
+            <a:r>
+              <a:rPr kumimoji="0" lang="ru-RU" altLang="ru-RU" sz="1600" b="1" dirty="0">
+                <a:solidFill>
+                  <a:srgbClr val="000000"/>
+                </a:solidFill>
+                <a:latin typeface="SFMono-Regular"/>
+              </a:rPr>
+              <a:t> </a:t>
+            </a:r>
+            <a:r>
+              <a:rPr kumimoji="0" lang="ru-RU" altLang="ru-RU" sz="1600" b="1" dirty="0" err="1">
+                <a:solidFill>
+                  <a:srgbClr val="000000"/>
+                </a:solidFill>
+                <a:latin typeface="SFMono-Regular"/>
+              </a:rPr>
+              <a:t>access-group</a:t>
+            </a:r>
+            <a:r>
+              <a:rPr kumimoji="0" lang="ru-RU" altLang="ru-RU" sz="1600" b="1" dirty="0">
+                <a:solidFill>
+                  <a:srgbClr val="000000"/>
+                </a:solidFill>
+                <a:latin typeface="SFMono-Regular"/>
+              </a:rPr>
+              <a:t> NO_FACEBOOK </a:t>
+            </a:r>
+            <a:r>
+              <a:rPr kumimoji="0" lang="ru-RU" altLang="ru-RU" sz="1600" b="1" dirty="0" err="1">
+                <a:solidFill>
+                  <a:srgbClr val="000000"/>
+                </a:solidFill>
+                <a:latin typeface="SFMono-Regular"/>
+              </a:rPr>
+              <a:t>in</a:t>
+            </a:r>
+            <a:r>
+              <a:rPr kumimoji="0" lang="ru-RU" altLang="ru-RU" sz="1600" dirty="0"/>
+              <a:t> </a:t>
+            </a:r>
+            <a:endParaRPr kumimoji="0" lang="ru-RU" altLang="ru-RU" sz="1600" dirty="0">
+              <a:latin typeface="Arial" panose="020B0604020202020204" pitchFamily="34" charset="0"/>
+            </a:endParaRPr>
+          </a:p>
+        </p:txBody>
+      </p:sp>
     </p:spTree>
     <p:extLst>
       <p:ext uri="{BB962C8B-B14F-4D97-AF65-F5344CB8AC3E}">
@@ -5979,6 +7751,2139 @@
     <p:extLst>
       <p:ext uri="{BB962C8B-B14F-4D97-AF65-F5344CB8AC3E}">
         <p14:creationId xmlns:p14="http://schemas.microsoft.com/office/powerpoint/2010/main" val="2939417807"/>
+      </p:ext>
+    </p:extLst>
+  </p:cSld>
+  <p:clrMapOvr>
+    <a:masterClrMapping/>
+  </p:clrMapOvr>
+  <p:timing>
+    <p:tnLst>
+      <p:par>
+        <p:cTn id="1" dur="indefinite" restart="never" nodeType="tmRoot"/>
+      </p:par>
+    </p:tnLst>
+  </p:timing>
+</p:sld>
+</file>
+
+<file path=ppt/slides/slide12.xml><?xml version="1.0" encoding="utf-8"?>
+<p:sld xmlns:a="http://schemas.openxmlformats.org/drawingml/2006/main" xmlns:r="http://schemas.openxmlformats.org/officeDocument/2006/relationships" xmlns:p="http://schemas.openxmlformats.org/presentationml/2006/main">
+  <p:cSld>
+    <p:spTree>
+      <p:nvGrpSpPr>
+        <p:cNvPr id="1" name=""/>
+        <p:cNvGrpSpPr/>
+        <p:nvPr/>
+      </p:nvGrpSpPr>
+      <p:grpSpPr>
+        <a:xfrm>
+          <a:off x="0" y="0"/>
+          <a:ext cx="0" cy="0"/>
+          <a:chOff x="0" y="0"/>
+          <a:chExt cx="0" cy="0"/>
+        </a:xfrm>
+      </p:grpSpPr>
+      <p:sp>
+        <p:nvSpPr>
+          <p:cNvPr id="11" name="Заголовок 1"/>
+          <p:cNvSpPr txBox="1">
+            <a:spLocks/>
+          </p:cNvSpPr>
+          <p:nvPr/>
+        </p:nvSpPr>
+        <p:spPr>
+          <a:xfrm>
+            <a:off x="683568" y="836712"/>
+            <a:ext cx="7772400" cy="1008112"/>
+          </a:xfrm>
+          <a:prstGeom prst="rect">
+            <a:avLst/>
+          </a:prstGeom>
+        </p:spPr>
+        <p:txBody>
+          <a:bodyPr/>
+          <a:lstStyle>
+            <a:lvl1pPr algn="l" rtl="0" fontAlgn="base">
+              <a:spcBef>
+                <a:spcPct val="0"/>
+              </a:spcBef>
+              <a:spcAft>
+                <a:spcPct val="0"/>
+              </a:spcAft>
+              <a:defRPr sz="4400">
+                <a:solidFill>
+                  <a:schemeClr val="tx2"/>
+                </a:solidFill>
+                <a:latin typeface="+mj-lt"/>
+                <a:ea typeface="+mj-ea"/>
+                <a:cs typeface="+mj-cs"/>
+              </a:defRPr>
+            </a:lvl1pPr>
+            <a:lvl2pPr algn="l" rtl="0" fontAlgn="base">
+              <a:spcBef>
+                <a:spcPct val="0"/>
+              </a:spcBef>
+              <a:spcAft>
+                <a:spcPct val="0"/>
+              </a:spcAft>
+              <a:defRPr sz="4400">
+                <a:solidFill>
+                  <a:schemeClr val="tx2"/>
+                </a:solidFill>
+                <a:latin typeface="Times New Roman" pitchFamily="18" charset="0"/>
+              </a:defRPr>
+            </a:lvl2pPr>
+            <a:lvl3pPr algn="l" rtl="0" fontAlgn="base">
+              <a:spcBef>
+                <a:spcPct val="0"/>
+              </a:spcBef>
+              <a:spcAft>
+                <a:spcPct val="0"/>
+              </a:spcAft>
+              <a:defRPr sz="4400">
+                <a:solidFill>
+                  <a:schemeClr val="tx2"/>
+                </a:solidFill>
+                <a:latin typeface="Times New Roman" pitchFamily="18" charset="0"/>
+              </a:defRPr>
+            </a:lvl3pPr>
+            <a:lvl4pPr algn="l" rtl="0" fontAlgn="base">
+              <a:spcBef>
+                <a:spcPct val="0"/>
+              </a:spcBef>
+              <a:spcAft>
+                <a:spcPct val="0"/>
+              </a:spcAft>
+              <a:defRPr sz="4400">
+                <a:solidFill>
+                  <a:schemeClr val="tx2"/>
+                </a:solidFill>
+                <a:latin typeface="Times New Roman" pitchFamily="18" charset="0"/>
+              </a:defRPr>
+            </a:lvl4pPr>
+            <a:lvl5pPr algn="l" rtl="0" fontAlgn="base">
+              <a:spcBef>
+                <a:spcPct val="0"/>
+              </a:spcBef>
+              <a:spcAft>
+                <a:spcPct val="0"/>
+              </a:spcAft>
+              <a:defRPr sz="4400">
+                <a:solidFill>
+                  <a:schemeClr val="tx2"/>
+                </a:solidFill>
+                <a:latin typeface="Times New Roman" pitchFamily="18" charset="0"/>
+              </a:defRPr>
+            </a:lvl5pPr>
+            <a:lvl6pPr marL="457200" algn="l" rtl="0" fontAlgn="base">
+              <a:spcBef>
+                <a:spcPct val="0"/>
+              </a:spcBef>
+              <a:spcAft>
+                <a:spcPct val="0"/>
+              </a:spcAft>
+              <a:defRPr sz="4400">
+                <a:solidFill>
+                  <a:schemeClr val="tx2"/>
+                </a:solidFill>
+                <a:latin typeface="Times New Roman" pitchFamily="18" charset="0"/>
+              </a:defRPr>
+            </a:lvl6pPr>
+            <a:lvl7pPr marL="914400" algn="l" rtl="0" fontAlgn="base">
+              <a:spcBef>
+                <a:spcPct val="0"/>
+              </a:spcBef>
+              <a:spcAft>
+                <a:spcPct val="0"/>
+              </a:spcAft>
+              <a:defRPr sz="4400">
+                <a:solidFill>
+                  <a:schemeClr val="tx2"/>
+                </a:solidFill>
+                <a:latin typeface="Times New Roman" pitchFamily="18" charset="0"/>
+              </a:defRPr>
+            </a:lvl7pPr>
+            <a:lvl8pPr marL="1371600" algn="l" rtl="0" fontAlgn="base">
+              <a:spcBef>
+                <a:spcPct val="0"/>
+              </a:spcBef>
+              <a:spcAft>
+                <a:spcPct val="0"/>
+              </a:spcAft>
+              <a:defRPr sz="4400">
+                <a:solidFill>
+                  <a:schemeClr val="tx2"/>
+                </a:solidFill>
+                <a:latin typeface="Times New Roman" pitchFamily="18" charset="0"/>
+              </a:defRPr>
+            </a:lvl8pPr>
+            <a:lvl9pPr marL="1828800" algn="l" rtl="0" fontAlgn="base">
+              <a:spcBef>
+                <a:spcPct val="0"/>
+              </a:spcBef>
+              <a:spcAft>
+                <a:spcPct val="0"/>
+              </a:spcAft>
+              <a:defRPr sz="4400">
+                <a:solidFill>
+                  <a:schemeClr val="tx2"/>
+                </a:solidFill>
+                <a:latin typeface="Times New Roman" pitchFamily="18" charset="0"/>
+              </a:defRPr>
+            </a:lvl9pPr>
+          </a:lstStyle>
+          <a:p>
+            <a:pPr algn="ctr">
+              <a:buClrTx/>
+              <a:buSzTx/>
+              <a:buFontTx/>
+              <a:buNone/>
+            </a:pPr>
+            <a:r>
+              <a:rPr kumimoji="0" lang="en-US" altLang="ru-RU" b="1" kern="0" dirty="0" err="1" smtClean="0"/>
+              <a:t>QoS</a:t>
+            </a:r>
+            <a:r>
+              <a:rPr kumimoji="0" lang="en-US" altLang="ru-RU" b="1" kern="0" dirty="0" smtClean="0"/>
+              <a:t>: </a:t>
+            </a:r>
+            <a:r>
+              <a:rPr kumimoji="0" lang="ru-RU" altLang="ru-RU" b="1" kern="0" dirty="0" smtClean="0"/>
+              <a:t>Качество обслуживания</a:t>
+            </a:r>
+            <a:endParaRPr kumimoji="0" lang="en-US" altLang="ru-RU" b="1" kern="0" dirty="0"/>
+          </a:p>
+        </p:txBody>
+      </p:sp>
+      <p:sp>
+        <p:nvSpPr>
+          <p:cNvPr id="3" name="TextBox 2"/>
+          <p:cNvSpPr txBox="1"/>
+          <p:nvPr/>
+        </p:nvSpPr>
+        <p:spPr>
+          <a:xfrm>
+            <a:off x="899592" y="1844824"/>
+            <a:ext cx="7200800" cy="4216539"/>
+          </a:xfrm>
+          <a:prstGeom prst="rect">
+            <a:avLst/>
+          </a:prstGeom>
+          <a:noFill/>
+        </p:spPr>
+        <p:txBody>
+          <a:bodyPr wrap="square" rtlCol="0">
+            <a:spAutoFit/>
+          </a:bodyPr>
+          <a:lstStyle/>
+          <a:p>
+            <a:r>
+              <a:rPr lang="ru-RU" b="1" dirty="0" err="1"/>
+              <a:t>QoS</a:t>
+            </a:r>
+            <a:r>
+              <a:rPr lang="ru-RU" dirty="0"/>
+              <a:t> (англ. </a:t>
+            </a:r>
+            <a:r>
+              <a:rPr lang="ru-RU" dirty="0" err="1"/>
+              <a:t>quality</a:t>
+            </a:r>
+            <a:r>
+              <a:rPr lang="ru-RU" dirty="0"/>
+              <a:t> </a:t>
+            </a:r>
+            <a:r>
+              <a:rPr lang="ru-RU" dirty="0" err="1"/>
+              <a:t>of</a:t>
+            </a:r>
+            <a:r>
+              <a:rPr lang="ru-RU" dirty="0"/>
+              <a:t> </a:t>
+            </a:r>
+            <a:r>
+              <a:rPr lang="ru-RU" dirty="0" err="1"/>
+              <a:t>service</a:t>
+            </a:r>
+            <a:r>
+              <a:rPr lang="ru-RU" dirty="0"/>
+              <a:t> «качество обслуживания») — технология предоставления различным классам трафика различных приоритетов в </a:t>
+            </a:r>
+            <a:r>
+              <a:rPr lang="ru-RU" dirty="0" smtClean="0"/>
+              <a:t>обслуживании</a:t>
+            </a:r>
+            <a:r>
+              <a:rPr lang="en-US" dirty="0" smtClean="0"/>
+              <a:t>. </a:t>
+            </a:r>
+          </a:p>
+          <a:p>
+            <a:r>
+              <a:rPr lang="ru-RU" dirty="0" err="1"/>
+              <a:t>QoS</a:t>
+            </a:r>
+            <a:r>
+              <a:rPr lang="ru-RU" dirty="0"/>
+              <a:t> — способность сети обеспечить необходимый сервис заданному трафику в определенных технологических рамках</a:t>
+            </a:r>
+            <a:endParaRPr lang="en-US" dirty="0" smtClean="0"/>
+          </a:p>
+          <a:p>
+            <a:r>
+              <a:rPr lang="ru-RU" dirty="0" smtClean="0"/>
+              <a:t>Первоначально </a:t>
+            </a:r>
+            <a:r>
+              <a:rPr lang="en-US" dirty="0" smtClean="0"/>
+              <a:t>TCP/IP </a:t>
+            </a:r>
+            <a:r>
+              <a:rPr lang="ru-RU" dirty="0" smtClean="0"/>
+              <a:t>– для эластичного трафика</a:t>
+            </a:r>
+          </a:p>
+          <a:p>
+            <a:r>
+              <a:rPr lang="ru-RU" dirty="0" smtClean="0"/>
+              <a:t>Позднее разработаны механизмы </a:t>
+            </a:r>
+            <a:r>
+              <a:rPr lang="en-US" dirty="0" err="1" smtClean="0"/>
+              <a:t>QoS</a:t>
+            </a:r>
+            <a:endParaRPr lang="en-US" dirty="0" smtClean="0"/>
+          </a:p>
+          <a:p>
+            <a:pPr lvl="1"/>
+            <a:r>
+              <a:rPr lang="ru-RU" dirty="0"/>
+              <a:t>Негарантированная доставка — </a:t>
+            </a:r>
+            <a:r>
+              <a:rPr lang="ru-RU" b="1" dirty="0" err="1"/>
+              <a:t>Best</a:t>
+            </a:r>
+            <a:r>
+              <a:rPr lang="ru-RU" b="1" dirty="0"/>
+              <a:t> </a:t>
+            </a:r>
+            <a:r>
+              <a:rPr lang="ru-RU" b="1" dirty="0" err="1"/>
+              <a:t>Effort</a:t>
+            </a:r>
+            <a:r>
+              <a:rPr lang="ru-RU" b="1" dirty="0"/>
+              <a:t> </a:t>
+            </a:r>
+            <a:r>
+              <a:rPr lang="ru-RU" b="1" dirty="0" err="1" smtClean="0"/>
+              <a:t>Service</a:t>
+            </a:r>
+            <a:endParaRPr lang="en-US" b="1" dirty="0" smtClean="0"/>
+          </a:p>
+          <a:p>
+            <a:pPr lvl="1"/>
+            <a:r>
+              <a:rPr lang="ru-RU" dirty="0" smtClean="0"/>
+              <a:t>Интегрированный сервис — </a:t>
+            </a:r>
+            <a:r>
+              <a:rPr lang="en-US" dirty="0" smtClean="0"/>
+              <a:t>Integrated Service (</a:t>
+            </a:r>
+            <a:r>
+              <a:rPr lang="en-US" b="1" dirty="0" err="1" smtClean="0"/>
+              <a:t>IntServ</a:t>
+            </a:r>
+            <a:r>
+              <a:rPr lang="en-US" dirty="0" smtClean="0"/>
+              <a:t>)</a:t>
+            </a:r>
+          </a:p>
+          <a:p>
+            <a:pPr lvl="1"/>
+            <a:r>
+              <a:rPr lang="ru-RU" dirty="0" smtClean="0"/>
+              <a:t>Дифференцированное обслуживание — </a:t>
+            </a:r>
+            <a:r>
+              <a:rPr lang="en-US" dirty="0" smtClean="0"/>
+              <a:t>Differentiated Service (</a:t>
+            </a:r>
+            <a:r>
+              <a:rPr lang="en-US" b="1" dirty="0" err="1" smtClean="0"/>
+              <a:t>DiffServ</a:t>
+            </a:r>
+            <a:r>
+              <a:rPr lang="en-US" dirty="0" smtClean="0"/>
+              <a:t>)</a:t>
+            </a:r>
+          </a:p>
+          <a:p>
+            <a:pPr lvl="1"/>
+            <a:endParaRPr lang="ru-RU" b="1" dirty="0"/>
+          </a:p>
+        </p:txBody>
+      </p:sp>
+    </p:spTree>
+    <p:extLst>
+      <p:ext uri="{BB962C8B-B14F-4D97-AF65-F5344CB8AC3E}">
+        <p14:creationId xmlns:p14="http://schemas.microsoft.com/office/powerpoint/2010/main" val="968372462"/>
+      </p:ext>
+    </p:extLst>
+  </p:cSld>
+  <p:clrMapOvr>
+    <a:masterClrMapping/>
+  </p:clrMapOvr>
+  <p:timing>
+    <p:tnLst>
+      <p:par>
+        <p:cTn id="1" dur="indefinite" restart="never" nodeType="tmRoot"/>
+      </p:par>
+    </p:tnLst>
+  </p:timing>
+</p:sld>
+</file>
+
+<file path=ppt/slides/slide13.xml><?xml version="1.0" encoding="utf-8"?>
+<p:sld xmlns:a="http://schemas.openxmlformats.org/drawingml/2006/main" xmlns:r="http://schemas.openxmlformats.org/officeDocument/2006/relationships" xmlns:p="http://schemas.openxmlformats.org/presentationml/2006/main">
+  <p:cSld>
+    <p:spTree>
+      <p:nvGrpSpPr>
+        <p:cNvPr id="1" name=""/>
+        <p:cNvGrpSpPr/>
+        <p:nvPr/>
+      </p:nvGrpSpPr>
+      <p:grpSpPr>
+        <a:xfrm>
+          <a:off x="0" y="0"/>
+          <a:ext cx="0" cy="0"/>
+          <a:chOff x="0" y="0"/>
+          <a:chExt cx="0" cy="0"/>
+        </a:xfrm>
+      </p:grpSpPr>
+      <p:sp>
+        <p:nvSpPr>
+          <p:cNvPr id="11" name="Заголовок 1"/>
+          <p:cNvSpPr txBox="1">
+            <a:spLocks/>
+          </p:cNvSpPr>
+          <p:nvPr/>
+        </p:nvSpPr>
+        <p:spPr>
+          <a:xfrm>
+            <a:off x="683568" y="836712"/>
+            <a:ext cx="7772400" cy="1008112"/>
+          </a:xfrm>
+          <a:prstGeom prst="rect">
+            <a:avLst/>
+          </a:prstGeom>
+        </p:spPr>
+        <p:txBody>
+          <a:bodyPr/>
+          <a:lstStyle>
+            <a:lvl1pPr algn="l" rtl="0" fontAlgn="base">
+              <a:spcBef>
+                <a:spcPct val="0"/>
+              </a:spcBef>
+              <a:spcAft>
+                <a:spcPct val="0"/>
+              </a:spcAft>
+              <a:defRPr sz="4400">
+                <a:solidFill>
+                  <a:schemeClr val="tx2"/>
+                </a:solidFill>
+                <a:latin typeface="+mj-lt"/>
+                <a:ea typeface="+mj-ea"/>
+                <a:cs typeface="+mj-cs"/>
+              </a:defRPr>
+            </a:lvl1pPr>
+            <a:lvl2pPr algn="l" rtl="0" fontAlgn="base">
+              <a:spcBef>
+                <a:spcPct val="0"/>
+              </a:spcBef>
+              <a:spcAft>
+                <a:spcPct val="0"/>
+              </a:spcAft>
+              <a:defRPr sz="4400">
+                <a:solidFill>
+                  <a:schemeClr val="tx2"/>
+                </a:solidFill>
+                <a:latin typeface="Times New Roman" pitchFamily="18" charset="0"/>
+              </a:defRPr>
+            </a:lvl2pPr>
+            <a:lvl3pPr algn="l" rtl="0" fontAlgn="base">
+              <a:spcBef>
+                <a:spcPct val="0"/>
+              </a:spcBef>
+              <a:spcAft>
+                <a:spcPct val="0"/>
+              </a:spcAft>
+              <a:defRPr sz="4400">
+                <a:solidFill>
+                  <a:schemeClr val="tx2"/>
+                </a:solidFill>
+                <a:latin typeface="Times New Roman" pitchFamily="18" charset="0"/>
+              </a:defRPr>
+            </a:lvl3pPr>
+            <a:lvl4pPr algn="l" rtl="0" fontAlgn="base">
+              <a:spcBef>
+                <a:spcPct val="0"/>
+              </a:spcBef>
+              <a:spcAft>
+                <a:spcPct val="0"/>
+              </a:spcAft>
+              <a:defRPr sz="4400">
+                <a:solidFill>
+                  <a:schemeClr val="tx2"/>
+                </a:solidFill>
+                <a:latin typeface="Times New Roman" pitchFamily="18" charset="0"/>
+              </a:defRPr>
+            </a:lvl4pPr>
+            <a:lvl5pPr algn="l" rtl="0" fontAlgn="base">
+              <a:spcBef>
+                <a:spcPct val="0"/>
+              </a:spcBef>
+              <a:spcAft>
+                <a:spcPct val="0"/>
+              </a:spcAft>
+              <a:defRPr sz="4400">
+                <a:solidFill>
+                  <a:schemeClr val="tx2"/>
+                </a:solidFill>
+                <a:latin typeface="Times New Roman" pitchFamily="18" charset="0"/>
+              </a:defRPr>
+            </a:lvl5pPr>
+            <a:lvl6pPr marL="457200" algn="l" rtl="0" fontAlgn="base">
+              <a:spcBef>
+                <a:spcPct val="0"/>
+              </a:spcBef>
+              <a:spcAft>
+                <a:spcPct val="0"/>
+              </a:spcAft>
+              <a:defRPr sz="4400">
+                <a:solidFill>
+                  <a:schemeClr val="tx2"/>
+                </a:solidFill>
+                <a:latin typeface="Times New Roman" pitchFamily="18" charset="0"/>
+              </a:defRPr>
+            </a:lvl6pPr>
+            <a:lvl7pPr marL="914400" algn="l" rtl="0" fontAlgn="base">
+              <a:spcBef>
+                <a:spcPct val="0"/>
+              </a:spcBef>
+              <a:spcAft>
+                <a:spcPct val="0"/>
+              </a:spcAft>
+              <a:defRPr sz="4400">
+                <a:solidFill>
+                  <a:schemeClr val="tx2"/>
+                </a:solidFill>
+                <a:latin typeface="Times New Roman" pitchFamily="18" charset="0"/>
+              </a:defRPr>
+            </a:lvl7pPr>
+            <a:lvl8pPr marL="1371600" algn="l" rtl="0" fontAlgn="base">
+              <a:spcBef>
+                <a:spcPct val="0"/>
+              </a:spcBef>
+              <a:spcAft>
+                <a:spcPct val="0"/>
+              </a:spcAft>
+              <a:defRPr sz="4400">
+                <a:solidFill>
+                  <a:schemeClr val="tx2"/>
+                </a:solidFill>
+                <a:latin typeface="Times New Roman" pitchFamily="18" charset="0"/>
+              </a:defRPr>
+            </a:lvl8pPr>
+            <a:lvl9pPr marL="1828800" algn="l" rtl="0" fontAlgn="base">
+              <a:spcBef>
+                <a:spcPct val="0"/>
+              </a:spcBef>
+              <a:spcAft>
+                <a:spcPct val="0"/>
+              </a:spcAft>
+              <a:defRPr sz="4400">
+                <a:solidFill>
+                  <a:schemeClr val="tx2"/>
+                </a:solidFill>
+                <a:latin typeface="Times New Roman" pitchFamily="18" charset="0"/>
+              </a:defRPr>
+            </a:lvl9pPr>
+          </a:lstStyle>
+          <a:p>
+            <a:pPr algn="ctr">
+              <a:buClrTx/>
+              <a:buSzTx/>
+              <a:buFontTx/>
+              <a:buNone/>
+            </a:pPr>
+            <a:r>
+              <a:rPr kumimoji="0" lang="en-US" altLang="ru-RU" b="1" kern="0" dirty="0" err="1" smtClean="0"/>
+              <a:t>QoS</a:t>
+            </a:r>
+            <a:r>
+              <a:rPr kumimoji="0" lang="en-US" altLang="ru-RU" b="1" kern="0" dirty="0" smtClean="0"/>
+              <a:t>: </a:t>
+            </a:r>
+            <a:r>
+              <a:rPr kumimoji="0" lang="ru-RU" altLang="ru-RU" b="1" kern="0" dirty="0" smtClean="0"/>
+              <a:t>Механизм работы</a:t>
+            </a:r>
+            <a:endParaRPr kumimoji="0" lang="en-US" altLang="ru-RU" b="1" kern="0" dirty="0"/>
+          </a:p>
+        </p:txBody>
+      </p:sp>
+      <p:sp>
+        <p:nvSpPr>
+          <p:cNvPr id="3" name="TextBox 2"/>
+          <p:cNvSpPr txBox="1"/>
+          <p:nvPr/>
+        </p:nvSpPr>
+        <p:spPr>
+          <a:xfrm>
+            <a:off x="611560" y="1844824"/>
+            <a:ext cx="8352928" cy="2505301"/>
+          </a:xfrm>
+          <a:prstGeom prst="rect">
+            <a:avLst/>
+          </a:prstGeom>
+          <a:noFill/>
+        </p:spPr>
+        <p:txBody>
+          <a:bodyPr wrap="square" rtlCol="0">
+            <a:spAutoFit/>
+          </a:bodyPr>
+          <a:lstStyle/>
+          <a:p>
+            <a:pPr>
+              <a:buNone/>
+            </a:pPr>
+            <a:r>
+              <a:rPr lang="ru-RU" sz="1600" dirty="0"/>
+              <a:t>Для большинства случаев качество связи определяется четырьмя параметрами</a:t>
+            </a:r>
+            <a:r>
+              <a:rPr lang="ru-RU" sz="1600" dirty="0" smtClean="0"/>
+              <a:t>:</a:t>
+            </a:r>
+            <a:endParaRPr lang="ru-RU" sz="1600" dirty="0"/>
+          </a:p>
+          <a:p>
+            <a:pPr lvl="1"/>
+            <a:r>
+              <a:rPr lang="ru-RU" sz="1600" dirty="0"/>
+              <a:t>Скорость передачи информации (</a:t>
+            </a:r>
+            <a:r>
+              <a:rPr lang="ru-RU" sz="1600" b="1" dirty="0" err="1"/>
+              <a:t>Bitrate</a:t>
+            </a:r>
+            <a:r>
+              <a:rPr lang="ru-RU" sz="1600" dirty="0"/>
+              <a:t>), описывает номинальную пропускную способность среды передачи информации. Зависит от ширины полосы пропускания канала связи (Гц) и отношения сигнал/шум. Измеряется в </a:t>
+            </a:r>
+            <a:r>
+              <a:rPr lang="ru-RU" sz="1600" dirty="0" err="1"/>
+              <a:t>bit</a:t>
+            </a:r>
+            <a:r>
+              <a:rPr lang="ru-RU" sz="1600" dirty="0"/>
+              <a:t>/s (</a:t>
+            </a:r>
+            <a:r>
+              <a:rPr lang="ru-RU" sz="1600" dirty="0" err="1"/>
+              <a:t>bps</a:t>
+            </a:r>
+            <a:r>
+              <a:rPr lang="ru-RU" sz="1600" dirty="0"/>
+              <a:t>), </a:t>
+            </a:r>
+            <a:r>
+              <a:rPr lang="ru-RU" sz="1600" dirty="0" err="1"/>
+              <a:t>kbit</a:t>
+            </a:r>
+            <a:r>
+              <a:rPr lang="ru-RU" sz="1600" dirty="0"/>
+              <a:t>/s (</a:t>
+            </a:r>
+            <a:r>
+              <a:rPr lang="ru-RU" sz="1600" dirty="0" err="1"/>
+              <a:t>Kbps</a:t>
+            </a:r>
+            <a:r>
+              <a:rPr lang="ru-RU" sz="1600" dirty="0"/>
+              <a:t>), </a:t>
+            </a:r>
+            <a:r>
+              <a:rPr lang="ru-RU" sz="1600" dirty="0" err="1"/>
+              <a:t>Mbit</a:t>
+            </a:r>
+            <a:r>
+              <a:rPr lang="ru-RU" sz="1600" dirty="0"/>
+              <a:t>/s (</a:t>
+            </a:r>
+            <a:r>
+              <a:rPr lang="ru-RU" sz="1600" dirty="0" err="1"/>
+              <a:t>Mbps</a:t>
+            </a:r>
+            <a:r>
+              <a:rPr lang="ru-RU" sz="1600" dirty="0"/>
+              <a:t>), </a:t>
+            </a:r>
+            <a:r>
+              <a:rPr lang="ru-RU" sz="1600" dirty="0" err="1"/>
+              <a:t>Gbit</a:t>
+            </a:r>
+            <a:r>
+              <a:rPr lang="ru-RU" sz="1600" dirty="0"/>
+              <a:t>/s (</a:t>
+            </a:r>
+            <a:r>
+              <a:rPr lang="ru-RU" sz="1600" dirty="0" err="1"/>
+              <a:t>Gbps</a:t>
+            </a:r>
+            <a:r>
+              <a:rPr lang="ru-RU" sz="1600" dirty="0"/>
+              <a:t>).</a:t>
+            </a:r>
+          </a:p>
+          <a:p>
+            <a:pPr lvl="1"/>
+            <a:r>
+              <a:rPr lang="ru-RU" sz="1600" dirty="0"/>
+              <a:t>Задержка при передаче пакета (</a:t>
+            </a:r>
+            <a:r>
+              <a:rPr lang="ru-RU" sz="1600" b="1" dirty="0" err="1"/>
+              <a:t>Delay</a:t>
+            </a:r>
+            <a:r>
+              <a:rPr lang="ru-RU" sz="1600" dirty="0"/>
+              <a:t>), измеряется в миллисекундах.</a:t>
+            </a:r>
+          </a:p>
+          <a:p>
+            <a:pPr lvl="1"/>
+            <a:r>
+              <a:rPr lang="ru-RU" sz="1600" dirty="0"/>
+              <a:t>Колебания (дрожание) задержки при передаче пакетов — </a:t>
+            </a:r>
+            <a:r>
+              <a:rPr lang="ru-RU" sz="1600" b="1" dirty="0" err="1"/>
+              <a:t>джиттер</a:t>
+            </a:r>
+            <a:r>
+              <a:rPr lang="ru-RU" sz="1600" dirty="0"/>
+              <a:t>.</a:t>
+            </a:r>
+          </a:p>
+          <a:p>
+            <a:pPr lvl="1"/>
+            <a:r>
+              <a:rPr lang="ru-RU" sz="1600" dirty="0"/>
+              <a:t>Потеря пакетов (</a:t>
+            </a:r>
+            <a:r>
+              <a:rPr lang="ru-RU" sz="1600" b="1" dirty="0" err="1"/>
+              <a:t>Packet</a:t>
+            </a:r>
+            <a:r>
+              <a:rPr lang="ru-RU" sz="1600" dirty="0"/>
+              <a:t> </a:t>
+            </a:r>
+            <a:r>
+              <a:rPr lang="ru-RU" sz="1600" b="1" dirty="0" err="1"/>
+              <a:t>loss</a:t>
+            </a:r>
+            <a:r>
+              <a:rPr lang="ru-RU" sz="1600" dirty="0"/>
+              <a:t>). Определяет количество пакетов, потерянных в сети во время передачи.</a:t>
+            </a:r>
+          </a:p>
+        </p:txBody>
+      </p:sp>
+    </p:spTree>
+    <p:extLst>
+      <p:ext uri="{BB962C8B-B14F-4D97-AF65-F5344CB8AC3E}">
+        <p14:creationId xmlns:p14="http://schemas.microsoft.com/office/powerpoint/2010/main" val="2790050906"/>
+      </p:ext>
+    </p:extLst>
+  </p:cSld>
+  <p:clrMapOvr>
+    <a:masterClrMapping/>
+  </p:clrMapOvr>
+  <p:timing>
+    <p:tnLst>
+      <p:par>
+        <p:cTn id="1" dur="indefinite" restart="never" nodeType="tmRoot"/>
+      </p:par>
+    </p:tnLst>
+  </p:timing>
+</p:sld>
+</file>
+
+<file path=ppt/slides/slide14.xml><?xml version="1.0" encoding="utf-8"?>
+<p:sld xmlns:a="http://schemas.openxmlformats.org/drawingml/2006/main" xmlns:r="http://schemas.openxmlformats.org/officeDocument/2006/relationships" xmlns:p="http://schemas.openxmlformats.org/presentationml/2006/main">
+  <p:cSld>
+    <p:spTree>
+      <p:nvGrpSpPr>
+        <p:cNvPr id="1" name=""/>
+        <p:cNvGrpSpPr/>
+        <p:nvPr/>
+      </p:nvGrpSpPr>
+      <p:grpSpPr>
+        <a:xfrm>
+          <a:off x="0" y="0"/>
+          <a:ext cx="0" cy="0"/>
+          <a:chOff x="0" y="0"/>
+          <a:chExt cx="0" cy="0"/>
+        </a:xfrm>
+      </p:grpSpPr>
+      <p:sp>
+        <p:nvSpPr>
+          <p:cNvPr id="11" name="Заголовок 1"/>
+          <p:cNvSpPr txBox="1">
+            <a:spLocks/>
+          </p:cNvSpPr>
+          <p:nvPr/>
+        </p:nvSpPr>
+        <p:spPr>
+          <a:xfrm>
+            <a:off x="683568" y="836712"/>
+            <a:ext cx="8280920" cy="1008112"/>
+          </a:xfrm>
+          <a:prstGeom prst="rect">
+            <a:avLst/>
+          </a:prstGeom>
+        </p:spPr>
+        <p:txBody>
+          <a:bodyPr/>
+          <a:lstStyle>
+            <a:lvl1pPr algn="l" rtl="0" fontAlgn="base">
+              <a:spcBef>
+                <a:spcPct val="0"/>
+              </a:spcBef>
+              <a:spcAft>
+                <a:spcPct val="0"/>
+              </a:spcAft>
+              <a:defRPr sz="4400">
+                <a:solidFill>
+                  <a:schemeClr val="tx2"/>
+                </a:solidFill>
+                <a:latin typeface="+mj-lt"/>
+                <a:ea typeface="+mj-ea"/>
+                <a:cs typeface="+mj-cs"/>
+              </a:defRPr>
+            </a:lvl1pPr>
+            <a:lvl2pPr algn="l" rtl="0" fontAlgn="base">
+              <a:spcBef>
+                <a:spcPct val="0"/>
+              </a:spcBef>
+              <a:spcAft>
+                <a:spcPct val="0"/>
+              </a:spcAft>
+              <a:defRPr sz="4400">
+                <a:solidFill>
+                  <a:schemeClr val="tx2"/>
+                </a:solidFill>
+                <a:latin typeface="Times New Roman" pitchFamily="18" charset="0"/>
+              </a:defRPr>
+            </a:lvl2pPr>
+            <a:lvl3pPr algn="l" rtl="0" fontAlgn="base">
+              <a:spcBef>
+                <a:spcPct val="0"/>
+              </a:spcBef>
+              <a:spcAft>
+                <a:spcPct val="0"/>
+              </a:spcAft>
+              <a:defRPr sz="4400">
+                <a:solidFill>
+                  <a:schemeClr val="tx2"/>
+                </a:solidFill>
+                <a:latin typeface="Times New Roman" pitchFamily="18" charset="0"/>
+              </a:defRPr>
+            </a:lvl3pPr>
+            <a:lvl4pPr algn="l" rtl="0" fontAlgn="base">
+              <a:spcBef>
+                <a:spcPct val="0"/>
+              </a:spcBef>
+              <a:spcAft>
+                <a:spcPct val="0"/>
+              </a:spcAft>
+              <a:defRPr sz="4400">
+                <a:solidFill>
+                  <a:schemeClr val="tx2"/>
+                </a:solidFill>
+                <a:latin typeface="Times New Roman" pitchFamily="18" charset="0"/>
+              </a:defRPr>
+            </a:lvl4pPr>
+            <a:lvl5pPr algn="l" rtl="0" fontAlgn="base">
+              <a:spcBef>
+                <a:spcPct val="0"/>
+              </a:spcBef>
+              <a:spcAft>
+                <a:spcPct val="0"/>
+              </a:spcAft>
+              <a:defRPr sz="4400">
+                <a:solidFill>
+                  <a:schemeClr val="tx2"/>
+                </a:solidFill>
+                <a:latin typeface="Times New Roman" pitchFamily="18" charset="0"/>
+              </a:defRPr>
+            </a:lvl5pPr>
+            <a:lvl6pPr marL="457200" algn="l" rtl="0" fontAlgn="base">
+              <a:spcBef>
+                <a:spcPct val="0"/>
+              </a:spcBef>
+              <a:spcAft>
+                <a:spcPct val="0"/>
+              </a:spcAft>
+              <a:defRPr sz="4400">
+                <a:solidFill>
+                  <a:schemeClr val="tx2"/>
+                </a:solidFill>
+                <a:latin typeface="Times New Roman" pitchFamily="18" charset="0"/>
+              </a:defRPr>
+            </a:lvl6pPr>
+            <a:lvl7pPr marL="914400" algn="l" rtl="0" fontAlgn="base">
+              <a:spcBef>
+                <a:spcPct val="0"/>
+              </a:spcBef>
+              <a:spcAft>
+                <a:spcPct val="0"/>
+              </a:spcAft>
+              <a:defRPr sz="4400">
+                <a:solidFill>
+                  <a:schemeClr val="tx2"/>
+                </a:solidFill>
+                <a:latin typeface="Times New Roman" pitchFamily="18" charset="0"/>
+              </a:defRPr>
+            </a:lvl7pPr>
+            <a:lvl8pPr marL="1371600" algn="l" rtl="0" fontAlgn="base">
+              <a:spcBef>
+                <a:spcPct val="0"/>
+              </a:spcBef>
+              <a:spcAft>
+                <a:spcPct val="0"/>
+              </a:spcAft>
+              <a:defRPr sz="4400">
+                <a:solidFill>
+                  <a:schemeClr val="tx2"/>
+                </a:solidFill>
+                <a:latin typeface="Times New Roman" pitchFamily="18" charset="0"/>
+              </a:defRPr>
+            </a:lvl8pPr>
+            <a:lvl9pPr marL="1828800" algn="l" rtl="0" fontAlgn="base">
+              <a:spcBef>
+                <a:spcPct val="0"/>
+              </a:spcBef>
+              <a:spcAft>
+                <a:spcPct val="0"/>
+              </a:spcAft>
+              <a:defRPr sz="4400">
+                <a:solidFill>
+                  <a:schemeClr val="tx2"/>
+                </a:solidFill>
+                <a:latin typeface="Times New Roman" pitchFamily="18" charset="0"/>
+              </a:defRPr>
+            </a:lvl9pPr>
+          </a:lstStyle>
+          <a:p>
+            <a:pPr algn="ctr">
+              <a:buClrTx/>
+              <a:buSzTx/>
+              <a:buFontTx/>
+              <a:buNone/>
+            </a:pPr>
+            <a:r>
+              <a:rPr kumimoji="0" lang="en-US" altLang="ru-RU" b="1" kern="0" dirty="0" smtClean="0"/>
+              <a:t>Token bucket: </a:t>
+            </a:r>
+            <a:r>
+              <a:rPr kumimoji="0" lang="ru-RU" altLang="ru-RU" b="1" kern="0" dirty="0" smtClean="0"/>
+              <a:t>Ведро маркеров</a:t>
+            </a:r>
+            <a:endParaRPr kumimoji="0" lang="en-US" altLang="ru-RU" b="1" kern="0" dirty="0"/>
+          </a:p>
+        </p:txBody>
+      </p:sp>
+      <p:pic>
+        <p:nvPicPr>
+          <p:cNvPr id="2050" name="Picture 2" descr="The Token Bucket Algorithm | Download Scientific Diagram"/>
+          <p:cNvPicPr>
+            <a:picLocks noChangeAspect="1" noChangeArrowheads="1"/>
+          </p:cNvPicPr>
+          <p:nvPr/>
+        </p:nvPicPr>
+        <p:blipFill>
+          <a:blip r:embed="rId2">
+            <a:extLst>
+              <a:ext uri="{28A0092B-C50C-407E-A947-70E740481C1C}">
+                <a14:useLocalDpi xmlns:a14="http://schemas.microsoft.com/office/drawing/2010/main" val="0"/>
+              </a:ext>
+            </a:extLst>
+          </a:blip>
+          <a:srcRect/>
+          <a:stretch>
+            <a:fillRect/>
+          </a:stretch>
+        </p:blipFill>
+        <p:spPr bwMode="auto">
+          <a:xfrm>
+            <a:off x="1691680" y="2160292"/>
+            <a:ext cx="5972175" cy="4581525"/>
+          </a:xfrm>
+          <a:prstGeom prst="rect">
+            <a:avLst/>
+          </a:prstGeom>
+          <a:noFill/>
+          <a:extLst>
+            <a:ext uri="{909E8E84-426E-40DD-AFC4-6F175D3DCCD1}">
+              <a14:hiddenFill xmlns:a14="http://schemas.microsoft.com/office/drawing/2010/main">
+                <a:solidFill>
+                  <a:srgbClr val="FFFFFF"/>
+                </a:solidFill>
+              </a14:hiddenFill>
+            </a:ext>
+          </a:extLst>
+        </p:spPr>
+      </p:pic>
+      <p:sp>
+        <p:nvSpPr>
+          <p:cNvPr id="5" name="Прямоугольник 4"/>
+          <p:cNvSpPr/>
+          <p:nvPr/>
+        </p:nvSpPr>
+        <p:spPr>
+          <a:xfrm>
+            <a:off x="539552" y="1412776"/>
+            <a:ext cx="7920880" cy="738664"/>
+          </a:xfrm>
+          <a:prstGeom prst="rect">
+            <a:avLst/>
+          </a:prstGeom>
+        </p:spPr>
+        <p:txBody>
+          <a:bodyPr wrap="square">
+            <a:spAutoFit/>
+          </a:bodyPr>
+          <a:lstStyle/>
+          <a:p>
+            <a:pPr algn="just">
+              <a:buNone/>
+            </a:pPr>
+            <a:r>
+              <a:rPr lang="ru-RU" sz="1400" dirty="0"/>
+              <a:t>позволяет оценить и ограничить среднюю скорость и </a:t>
+            </a:r>
+            <a:r>
+              <a:rPr lang="ru-RU" sz="1400" dirty="0" smtClean="0"/>
+              <a:t>величину пульсации </a:t>
+            </a:r>
+            <a:r>
+              <a:rPr lang="ru-RU" sz="1400" dirty="0"/>
+              <a:t>потока пакетов. Этот алгоритм основан на сравнении потока пакетов с </a:t>
+            </a:r>
+            <a:r>
+              <a:rPr lang="ru-RU" sz="1400" dirty="0" smtClean="0"/>
+              <a:t>некоторым </a:t>
+            </a:r>
+            <a:r>
+              <a:rPr lang="ru-RU" sz="1400" dirty="0"/>
+              <a:t>эталонным потоком. Эталонный поток представлен маркерами, </a:t>
+            </a:r>
+            <a:r>
+              <a:rPr lang="ru-RU" sz="1400" dirty="0" smtClean="0"/>
+              <a:t>заполняющими условное </a:t>
+            </a:r>
+            <a:r>
+              <a:rPr lang="ru-RU" sz="1400" dirty="0"/>
+              <a:t>«ведро» маркеров</a:t>
+            </a:r>
+          </a:p>
+        </p:txBody>
+      </p:sp>
+    </p:spTree>
+    <p:extLst>
+      <p:ext uri="{BB962C8B-B14F-4D97-AF65-F5344CB8AC3E}">
+        <p14:creationId xmlns:p14="http://schemas.microsoft.com/office/powerpoint/2010/main" val="3970302068"/>
+      </p:ext>
+    </p:extLst>
+  </p:cSld>
+  <p:clrMapOvr>
+    <a:masterClrMapping/>
+  </p:clrMapOvr>
+  <p:timing>
+    <p:tnLst>
+      <p:par>
+        <p:cTn id="1" dur="indefinite" restart="never" nodeType="tmRoot"/>
+      </p:par>
+    </p:tnLst>
+  </p:timing>
+</p:sld>
+</file>
+
+<file path=ppt/slides/slide15.xml><?xml version="1.0" encoding="utf-8"?>
+<p:sld xmlns:a="http://schemas.openxmlformats.org/drawingml/2006/main" xmlns:r="http://schemas.openxmlformats.org/officeDocument/2006/relationships" xmlns:p="http://schemas.openxmlformats.org/presentationml/2006/main">
+  <p:cSld>
+    <p:spTree>
+      <p:nvGrpSpPr>
+        <p:cNvPr id="1" name=""/>
+        <p:cNvGrpSpPr/>
+        <p:nvPr/>
+      </p:nvGrpSpPr>
+      <p:grpSpPr>
+        <a:xfrm>
+          <a:off x="0" y="0"/>
+          <a:ext cx="0" cy="0"/>
+          <a:chOff x="0" y="0"/>
+          <a:chExt cx="0" cy="0"/>
+        </a:xfrm>
+      </p:grpSpPr>
+      <p:sp>
+        <p:nvSpPr>
+          <p:cNvPr id="11" name="Заголовок 1"/>
+          <p:cNvSpPr txBox="1">
+            <a:spLocks/>
+          </p:cNvSpPr>
+          <p:nvPr/>
+        </p:nvSpPr>
+        <p:spPr>
+          <a:xfrm>
+            <a:off x="683568" y="836712"/>
+            <a:ext cx="8280920" cy="1008112"/>
+          </a:xfrm>
+          <a:prstGeom prst="rect">
+            <a:avLst/>
+          </a:prstGeom>
+        </p:spPr>
+        <p:txBody>
+          <a:bodyPr/>
+          <a:lstStyle>
+            <a:lvl1pPr algn="l" rtl="0" fontAlgn="base">
+              <a:spcBef>
+                <a:spcPct val="0"/>
+              </a:spcBef>
+              <a:spcAft>
+                <a:spcPct val="0"/>
+              </a:spcAft>
+              <a:defRPr sz="4400">
+                <a:solidFill>
+                  <a:schemeClr val="tx2"/>
+                </a:solidFill>
+                <a:latin typeface="+mj-lt"/>
+                <a:ea typeface="+mj-ea"/>
+                <a:cs typeface="+mj-cs"/>
+              </a:defRPr>
+            </a:lvl1pPr>
+            <a:lvl2pPr algn="l" rtl="0" fontAlgn="base">
+              <a:spcBef>
+                <a:spcPct val="0"/>
+              </a:spcBef>
+              <a:spcAft>
+                <a:spcPct val="0"/>
+              </a:spcAft>
+              <a:defRPr sz="4400">
+                <a:solidFill>
+                  <a:schemeClr val="tx2"/>
+                </a:solidFill>
+                <a:latin typeface="Times New Roman" pitchFamily="18" charset="0"/>
+              </a:defRPr>
+            </a:lvl2pPr>
+            <a:lvl3pPr algn="l" rtl="0" fontAlgn="base">
+              <a:spcBef>
+                <a:spcPct val="0"/>
+              </a:spcBef>
+              <a:spcAft>
+                <a:spcPct val="0"/>
+              </a:spcAft>
+              <a:defRPr sz="4400">
+                <a:solidFill>
+                  <a:schemeClr val="tx2"/>
+                </a:solidFill>
+                <a:latin typeface="Times New Roman" pitchFamily="18" charset="0"/>
+              </a:defRPr>
+            </a:lvl3pPr>
+            <a:lvl4pPr algn="l" rtl="0" fontAlgn="base">
+              <a:spcBef>
+                <a:spcPct val="0"/>
+              </a:spcBef>
+              <a:spcAft>
+                <a:spcPct val="0"/>
+              </a:spcAft>
+              <a:defRPr sz="4400">
+                <a:solidFill>
+                  <a:schemeClr val="tx2"/>
+                </a:solidFill>
+                <a:latin typeface="Times New Roman" pitchFamily="18" charset="0"/>
+              </a:defRPr>
+            </a:lvl4pPr>
+            <a:lvl5pPr algn="l" rtl="0" fontAlgn="base">
+              <a:spcBef>
+                <a:spcPct val="0"/>
+              </a:spcBef>
+              <a:spcAft>
+                <a:spcPct val="0"/>
+              </a:spcAft>
+              <a:defRPr sz="4400">
+                <a:solidFill>
+                  <a:schemeClr val="tx2"/>
+                </a:solidFill>
+                <a:latin typeface="Times New Roman" pitchFamily="18" charset="0"/>
+              </a:defRPr>
+            </a:lvl5pPr>
+            <a:lvl6pPr marL="457200" algn="l" rtl="0" fontAlgn="base">
+              <a:spcBef>
+                <a:spcPct val="0"/>
+              </a:spcBef>
+              <a:spcAft>
+                <a:spcPct val="0"/>
+              </a:spcAft>
+              <a:defRPr sz="4400">
+                <a:solidFill>
+                  <a:schemeClr val="tx2"/>
+                </a:solidFill>
+                <a:latin typeface="Times New Roman" pitchFamily="18" charset="0"/>
+              </a:defRPr>
+            </a:lvl6pPr>
+            <a:lvl7pPr marL="914400" algn="l" rtl="0" fontAlgn="base">
+              <a:spcBef>
+                <a:spcPct val="0"/>
+              </a:spcBef>
+              <a:spcAft>
+                <a:spcPct val="0"/>
+              </a:spcAft>
+              <a:defRPr sz="4400">
+                <a:solidFill>
+                  <a:schemeClr val="tx2"/>
+                </a:solidFill>
+                <a:latin typeface="Times New Roman" pitchFamily="18" charset="0"/>
+              </a:defRPr>
+            </a:lvl7pPr>
+            <a:lvl8pPr marL="1371600" algn="l" rtl="0" fontAlgn="base">
+              <a:spcBef>
+                <a:spcPct val="0"/>
+              </a:spcBef>
+              <a:spcAft>
+                <a:spcPct val="0"/>
+              </a:spcAft>
+              <a:defRPr sz="4400">
+                <a:solidFill>
+                  <a:schemeClr val="tx2"/>
+                </a:solidFill>
+                <a:latin typeface="Times New Roman" pitchFamily="18" charset="0"/>
+              </a:defRPr>
+            </a:lvl8pPr>
+            <a:lvl9pPr marL="1828800" algn="l" rtl="0" fontAlgn="base">
+              <a:spcBef>
+                <a:spcPct val="0"/>
+              </a:spcBef>
+              <a:spcAft>
+                <a:spcPct val="0"/>
+              </a:spcAft>
+              <a:defRPr sz="4400">
+                <a:solidFill>
+                  <a:schemeClr val="tx2"/>
+                </a:solidFill>
+                <a:latin typeface="Times New Roman" pitchFamily="18" charset="0"/>
+              </a:defRPr>
+            </a:lvl9pPr>
+          </a:lstStyle>
+          <a:p>
+            <a:pPr algn="ctr">
+              <a:buClrTx/>
+              <a:buSzTx/>
+              <a:buFontTx/>
+              <a:buNone/>
+            </a:pPr>
+            <a:r>
+              <a:rPr kumimoji="0" lang="en-US" altLang="ru-RU" b="1" kern="0" dirty="0" smtClean="0"/>
+              <a:t>Token bucket: </a:t>
+            </a:r>
+            <a:r>
+              <a:rPr kumimoji="0" lang="ru-RU" altLang="ru-RU" b="1" kern="0" dirty="0" smtClean="0"/>
+              <a:t>Ведро маркеров</a:t>
+            </a:r>
+            <a:endParaRPr kumimoji="0" lang="en-US" altLang="ru-RU" b="1" kern="0" dirty="0"/>
+          </a:p>
+        </p:txBody>
+      </p:sp>
+      <p:sp>
+        <p:nvSpPr>
+          <p:cNvPr id="3" name="Прямоугольник 2"/>
+          <p:cNvSpPr/>
+          <p:nvPr/>
+        </p:nvSpPr>
+        <p:spPr>
+          <a:xfrm>
+            <a:off x="539552" y="2060848"/>
+            <a:ext cx="8280920" cy="3748719"/>
+          </a:xfrm>
+          <a:prstGeom prst="rect">
+            <a:avLst/>
+          </a:prstGeom>
+        </p:spPr>
+        <p:txBody>
+          <a:bodyPr wrap="square">
+            <a:spAutoFit/>
+          </a:bodyPr>
+          <a:lstStyle/>
+          <a:p>
+            <a:r>
+              <a:rPr lang="ru-RU" sz="1800" dirty="0"/>
+              <a:t>Если алгоритм ведра маркеров применяется для сглаживания трафика, то пакет </a:t>
+            </a:r>
+            <a:r>
+              <a:rPr lang="ru-RU" sz="1800" dirty="0" smtClean="0"/>
+              <a:t>просто задерживается </a:t>
+            </a:r>
+            <a:r>
+              <a:rPr lang="ru-RU" sz="1800" dirty="0"/>
+              <a:t>в очереди на некоторое дополнительное время, ожидая </a:t>
+            </a:r>
+            <a:r>
+              <a:rPr lang="ru-RU" sz="1800" dirty="0" smtClean="0"/>
+              <a:t>поступления в </a:t>
+            </a:r>
+            <a:r>
+              <a:rPr lang="ru-RU" sz="1800" dirty="0"/>
+              <a:t>ведро нужного числа маркеров. Таким образом, даже если в результате </a:t>
+            </a:r>
+            <a:r>
+              <a:rPr lang="ru-RU" sz="1800" dirty="0" smtClean="0"/>
+              <a:t>пульсации в </a:t>
+            </a:r>
+            <a:r>
+              <a:rPr lang="ru-RU" sz="1800" dirty="0"/>
+              <a:t>систему приходит большая группа пакетов, из очереди пакеты выходят более </a:t>
+            </a:r>
+            <a:r>
+              <a:rPr lang="ru-RU" sz="1800" dirty="0" smtClean="0"/>
+              <a:t>равно мерно </a:t>
+            </a:r>
+            <a:r>
+              <a:rPr lang="ru-RU" sz="1800" dirty="0"/>
+              <a:t>— в темпе, задаваемом генератором маркеров.</a:t>
+            </a:r>
+          </a:p>
+          <a:p>
+            <a:r>
+              <a:rPr lang="ru-RU" sz="1800" dirty="0"/>
+              <a:t>• Если же алгоритм ведра маркеров используется для профилирования трафика, то </a:t>
+            </a:r>
+            <a:r>
+              <a:rPr lang="ru-RU" sz="1800" dirty="0" smtClean="0"/>
+              <a:t>пакет отбрасывается</a:t>
+            </a:r>
+            <a:r>
+              <a:rPr lang="ru-RU" sz="1800" dirty="0"/>
+              <a:t>, как не соответствующий профилю. Более мягким решением может </a:t>
+            </a:r>
+            <a:r>
+              <a:rPr lang="ru-RU" sz="1800" dirty="0" smtClean="0"/>
+              <a:t>быть повторная </a:t>
+            </a:r>
+            <a:r>
+              <a:rPr lang="ru-RU" sz="1800" dirty="0"/>
+              <a:t>маркировка пакета, понижающая его статус при дальнейшем </a:t>
+            </a:r>
+            <a:r>
+              <a:rPr lang="ru-RU" sz="1800" dirty="0" smtClean="0"/>
+              <a:t>обслуживании. Например</a:t>
+            </a:r>
+            <a:r>
+              <a:rPr lang="ru-RU" sz="1800" dirty="0"/>
+              <a:t>, пакет может быть помечен особым признаком «удалять при необходимости</a:t>
+            </a:r>
+            <a:r>
+              <a:rPr lang="ru-RU" sz="1800" dirty="0" smtClean="0"/>
+              <a:t>», в </a:t>
+            </a:r>
+            <a:r>
+              <a:rPr lang="ru-RU" sz="1800" dirty="0"/>
+              <a:t>результате чего при перегрузках маршрутизаторы будут отбрасывать этот пакет в </a:t>
+            </a:r>
+            <a:r>
+              <a:rPr lang="ru-RU" sz="1800" dirty="0" smtClean="0"/>
+              <a:t>первую </a:t>
+            </a:r>
+            <a:r>
+              <a:rPr lang="ru-RU" sz="1800" dirty="0"/>
+              <a:t>очередь. При дифференцированном обслуживании пакет может быть </a:t>
+            </a:r>
+            <a:r>
+              <a:rPr lang="ru-RU" sz="1800" dirty="0" smtClean="0"/>
+              <a:t>переведен в </a:t>
+            </a:r>
+            <a:r>
+              <a:rPr lang="ru-RU" sz="1800" dirty="0"/>
+              <a:t>другой класс, который обслуживается с более низким качеством</a:t>
+            </a:r>
+          </a:p>
+        </p:txBody>
+      </p:sp>
+    </p:spTree>
+    <p:extLst>
+      <p:ext uri="{BB962C8B-B14F-4D97-AF65-F5344CB8AC3E}">
+        <p14:creationId xmlns:p14="http://schemas.microsoft.com/office/powerpoint/2010/main" val="528530311"/>
+      </p:ext>
+    </p:extLst>
+  </p:cSld>
+  <p:clrMapOvr>
+    <a:masterClrMapping/>
+  </p:clrMapOvr>
+  <p:timing>
+    <p:tnLst>
+      <p:par>
+        <p:cTn id="1" dur="indefinite" restart="never" nodeType="tmRoot"/>
+      </p:par>
+    </p:tnLst>
+  </p:timing>
+</p:sld>
+</file>
+
+<file path=ppt/slides/slide16.xml><?xml version="1.0" encoding="utf-8"?>
+<p:sld xmlns:a="http://schemas.openxmlformats.org/drawingml/2006/main" xmlns:r="http://schemas.openxmlformats.org/officeDocument/2006/relationships" xmlns:p="http://schemas.openxmlformats.org/presentationml/2006/main">
+  <p:cSld>
+    <p:spTree>
+      <p:nvGrpSpPr>
+        <p:cNvPr id="1" name=""/>
+        <p:cNvGrpSpPr/>
+        <p:nvPr/>
+      </p:nvGrpSpPr>
+      <p:grpSpPr>
+        <a:xfrm>
+          <a:off x="0" y="0"/>
+          <a:ext cx="0" cy="0"/>
+          <a:chOff x="0" y="0"/>
+          <a:chExt cx="0" cy="0"/>
+        </a:xfrm>
+      </p:grpSpPr>
+      <p:sp>
+        <p:nvSpPr>
+          <p:cNvPr id="11" name="Заголовок 1"/>
+          <p:cNvSpPr txBox="1">
+            <a:spLocks/>
+          </p:cNvSpPr>
+          <p:nvPr/>
+        </p:nvSpPr>
+        <p:spPr>
+          <a:xfrm>
+            <a:off x="683568" y="836712"/>
+            <a:ext cx="8280920" cy="1008112"/>
+          </a:xfrm>
+          <a:prstGeom prst="rect">
+            <a:avLst/>
+          </a:prstGeom>
+        </p:spPr>
+        <p:txBody>
+          <a:bodyPr/>
+          <a:lstStyle>
+            <a:lvl1pPr algn="l" rtl="0" fontAlgn="base">
+              <a:spcBef>
+                <a:spcPct val="0"/>
+              </a:spcBef>
+              <a:spcAft>
+                <a:spcPct val="0"/>
+              </a:spcAft>
+              <a:defRPr sz="4400">
+                <a:solidFill>
+                  <a:schemeClr val="tx2"/>
+                </a:solidFill>
+                <a:latin typeface="+mj-lt"/>
+                <a:ea typeface="+mj-ea"/>
+                <a:cs typeface="+mj-cs"/>
+              </a:defRPr>
+            </a:lvl1pPr>
+            <a:lvl2pPr algn="l" rtl="0" fontAlgn="base">
+              <a:spcBef>
+                <a:spcPct val="0"/>
+              </a:spcBef>
+              <a:spcAft>
+                <a:spcPct val="0"/>
+              </a:spcAft>
+              <a:defRPr sz="4400">
+                <a:solidFill>
+                  <a:schemeClr val="tx2"/>
+                </a:solidFill>
+                <a:latin typeface="Times New Roman" pitchFamily="18" charset="0"/>
+              </a:defRPr>
+            </a:lvl2pPr>
+            <a:lvl3pPr algn="l" rtl="0" fontAlgn="base">
+              <a:spcBef>
+                <a:spcPct val="0"/>
+              </a:spcBef>
+              <a:spcAft>
+                <a:spcPct val="0"/>
+              </a:spcAft>
+              <a:defRPr sz="4400">
+                <a:solidFill>
+                  <a:schemeClr val="tx2"/>
+                </a:solidFill>
+                <a:latin typeface="Times New Roman" pitchFamily="18" charset="0"/>
+              </a:defRPr>
+            </a:lvl3pPr>
+            <a:lvl4pPr algn="l" rtl="0" fontAlgn="base">
+              <a:spcBef>
+                <a:spcPct val="0"/>
+              </a:spcBef>
+              <a:spcAft>
+                <a:spcPct val="0"/>
+              </a:spcAft>
+              <a:defRPr sz="4400">
+                <a:solidFill>
+                  <a:schemeClr val="tx2"/>
+                </a:solidFill>
+                <a:latin typeface="Times New Roman" pitchFamily="18" charset="0"/>
+              </a:defRPr>
+            </a:lvl4pPr>
+            <a:lvl5pPr algn="l" rtl="0" fontAlgn="base">
+              <a:spcBef>
+                <a:spcPct val="0"/>
+              </a:spcBef>
+              <a:spcAft>
+                <a:spcPct val="0"/>
+              </a:spcAft>
+              <a:defRPr sz="4400">
+                <a:solidFill>
+                  <a:schemeClr val="tx2"/>
+                </a:solidFill>
+                <a:latin typeface="Times New Roman" pitchFamily="18" charset="0"/>
+              </a:defRPr>
+            </a:lvl5pPr>
+            <a:lvl6pPr marL="457200" algn="l" rtl="0" fontAlgn="base">
+              <a:spcBef>
+                <a:spcPct val="0"/>
+              </a:spcBef>
+              <a:spcAft>
+                <a:spcPct val="0"/>
+              </a:spcAft>
+              <a:defRPr sz="4400">
+                <a:solidFill>
+                  <a:schemeClr val="tx2"/>
+                </a:solidFill>
+                <a:latin typeface="Times New Roman" pitchFamily="18" charset="0"/>
+              </a:defRPr>
+            </a:lvl6pPr>
+            <a:lvl7pPr marL="914400" algn="l" rtl="0" fontAlgn="base">
+              <a:spcBef>
+                <a:spcPct val="0"/>
+              </a:spcBef>
+              <a:spcAft>
+                <a:spcPct val="0"/>
+              </a:spcAft>
+              <a:defRPr sz="4400">
+                <a:solidFill>
+                  <a:schemeClr val="tx2"/>
+                </a:solidFill>
+                <a:latin typeface="Times New Roman" pitchFamily="18" charset="0"/>
+              </a:defRPr>
+            </a:lvl7pPr>
+            <a:lvl8pPr marL="1371600" algn="l" rtl="0" fontAlgn="base">
+              <a:spcBef>
+                <a:spcPct val="0"/>
+              </a:spcBef>
+              <a:spcAft>
+                <a:spcPct val="0"/>
+              </a:spcAft>
+              <a:defRPr sz="4400">
+                <a:solidFill>
+                  <a:schemeClr val="tx2"/>
+                </a:solidFill>
+                <a:latin typeface="Times New Roman" pitchFamily="18" charset="0"/>
+              </a:defRPr>
+            </a:lvl8pPr>
+            <a:lvl9pPr marL="1828800" algn="l" rtl="0" fontAlgn="base">
+              <a:spcBef>
+                <a:spcPct val="0"/>
+              </a:spcBef>
+              <a:spcAft>
+                <a:spcPct val="0"/>
+              </a:spcAft>
+              <a:defRPr sz="4400">
+                <a:solidFill>
+                  <a:schemeClr val="tx2"/>
+                </a:solidFill>
+                <a:latin typeface="Times New Roman" pitchFamily="18" charset="0"/>
+              </a:defRPr>
+            </a:lvl9pPr>
+          </a:lstStyle>
+          <a:p>
+            <a:pPr algn="ctr">
+              <a:buClrTx/>
+              <a:buSzTx/>
+              <a:buFontTx/>
+              <a:buNone/>
+            </a:pPr>
+            <a:r>
+              <a:rPr kumimoji="0" lang="en-US" altLang="ru-RU" b="1" kern="0" dirty="0"/>
+              <a:t>Random Early </a:t>
+            </a:r>
+            <a:r>
+              <a:rPr kumimoji="0" lang="en-US" altLang="ru-RU" b="1" kern="0" dirty="0" smtClean="0"/>
+              <a:t>Detection</a:t>
+            </a:r>
+            <a:r>
+              <a:rPr kumimoji="0" lang="ru-RU" altLang="ru-RU" b="1" kern="0" dirty="0" smtClean="0"/>
+              <a:t> </a:t>
+            </a:r>
+            <a:r>
+              <a:rPr kumimoji="0" lang="en-US" altLang="ru-RU" b="1" kern="0" dirty="0" smtClean="0"/>
+              <a:t>/ RED</a:t>
+            </a:r>
+            <a:endParaRPr kumimoji="0" lang="en-US" altLang="ru-RU" b="1" kern="0" dirty="0"/>
+          </a:p>
+        </p:txBody>
+      </p:sp>
+      <p:pic>
+        <p:nvPicPr>
+          <p:cNvPr id="3074" name="Picture 2" descr="Random Early Detection (RED) Queue Discipline - GeeksforGeeks"/>
+          <p:cNvPicPr>
+            <a:picLocks noChangeAspect="1" noChangeArrowheads="1"/>
+          </p:cNvPicPr>
+          <p:nvPr/>
+        </p:nvPicPr>
+        <p:blipFill>
+          <a:blip r:embed="rId2">
+            <a:extLst>
+              <a:ext uri="{28A0092B-C50C-407E-A947-70E740481C1C}">
+                <a14:useLocalDpi xmlns:a14="http://schemas.microsoft.com/office/drawing/2010/main" val="0"/>
+              </a:ext>
+            </a:extLst>
+          </a:blip>
+          <a:srcRect/>
+          <a:stretch>
+            <a:fillRect/>
+          </a:stretch>
+        </p:blipFill>
+        <p:spPr bwMode="auto">
+          <a:xfrm>
+            <a:off x="2267743" y="1829339"/>
+            <a:ext cx="5112568" cy="3557020"/>
+          </a:xfrm>
+          <a:prstGeom prst="rect">
+            <a:avLst/>
+          </a:prstGeom>
+          <a:noFill/>
+          <a:extLst>
+            <a:ext uri="{909E8E84-426E-40DD-AFC4-6F175D3DCCD1}">
+              <a14:hiddenFill xmlns:a14="http://schemas.microsoft.com/office/drawing/2010/main">
+                <a:solidFill>
+                  <a:srgbClr val="FFFFFF"/>
+                </a:solidFill>
+              </a14:hiddenFill>
+            </a:ext>
+          </a:extLst>
+        </p:spPr>
+      </p:pic>
+      <p:sp>
+        <p:nvSpPr>
+          <p:cNvPr id="2" name="TextBox 1"/>
+          <p:cNvSpPr txBox="1"/>
+          <p:nvPr/>
+        </p:nvSpPr>
+        <p:spPr>
+          <a:xfrm>
+            <a:off x="2980734" y="1444714"/>
+            <a:ext cx="3686587" cy="400110"/>
+          </a:xfrm>
+          <a:prstGeom prst="rect">
+            <a:avLst/>
+          </a:prstGeom>
+          <a:noFill/>
+        </p:spPr>
+        <p:txBody>
+          <a:bodyPr wrap="none" rtlCol="0">
+            <a:spAutoFit/>
+          </a:bodyPr>
+          <a:lstStyle/>
+          <a:p>
+            <a:pPr>
+              <a:buNone/>
+            </a:pPr>
+            <a:r>
+              <a:rPr lang="ru-RU" dirty="0" smtClean="0"/>
+              <a:t>Случайное раннее обнаружение</a:t>
+            </a:r>
+            <a:endParaRPr lang="ru-RU" dirty="0"/>
+          </a:p>
+        </p:txBody>
+      </p:sp>
+      <p:sp>
+        <p:nvSpPr>
+          <p:cNvPr id="4" name="Прямоугольник 3"/>
+          <p:cNvSpPr/>
+          <p:nvPr/>
+        </p:nvSpPr>
+        <p:spPr>
+          <a:xfrm>
+            <a:off x="539552" y="5473852"/>
+            <a:ext cx="8604448" cy="1384995"/>
+          </a:xfrm>
+          <a:prstGeom prst="rect">
+            <a:avLst/>
+          </a:prstGeom>
+        </p:spPr>
+        <p:txBody>
+          <a:bodyPr wrap="square">
+            <a:spAutoFit/>
+          </a:bodyPr>
+          <a:lstStyle/>
+          <a:p>
+            <a:pPr algn="just">
+              <a:buNone/>
+            </a:pPr>
+            <a:r>
+              <a:rPr lang="ru-RU" sz="1200" dirty="0"/>
+              <a:t>RED работает с протоколом </a:t>
+            </a:r>
+            <a:r>
+              <a:rPr lang="ru-RU" sz="1200" dirty="0" smtClean="0"/>
+              <a:t>TCP (не </a:t>
+            </a:r>
+            <a:r>
+              <a:rPr lang="en-US" sz="1200" dirty="0" smtClean="0"/>
+              <a:t>UDP!)</a:t>
+            </a:r>
+            <a:r>
+              <a:rPr lang="ru-RU" sz="1200" dirty="0" smtClean="0"/>
+              <a:t>, </a:t>
+            </a:r>
+            <a:r>
+              <a:rPr lang="ru-RU" sz="1200" dirty="0"/>
+              <a:t>используя свойство последнего, которое </a:t>
+            </a:r>
+            <a:r>
+              <a:rPr lang="ru-RU" sz="1200" dirty="0" smtClean="0"/>
+              <a:t>заключается</a:t>
+            </a:r>
+            <a:r>
+              <a:rPr lang="en-US" sz="1200" dirty="0" smtClean="0"/>
+              <a:t> </a:t>
+            </a:r>
+            <a:r>
+              <a:rPr lang="ru-RU" sz="1200" dirty="0" smtClean="0"/>
+              <a:t>в</a:t>
+            </a:r>
+            <a:r>
+              <a:rPr lang="en-US" sz="1200" dirty="0" smtClean="0"/>
+              <a:t> </a:t>
+            </a:r>
+            <a:r>
+              <a:rPr lang="ru-RU" sz="1200" dirty="0" smtClean="0"/>
+              <a:t>том</a:t>
+            </a:r>
+            <a:r>
+              <a:rPr lang="ru-RU" sz="1200" dirty="0"/>
+              <a:t>, что при потерях пакетов источник трафика замедляет передачу пакетов в сеть. В </a:t>
+            </a:r>
+            <a:r>
+              <a:rPr lang="ru-RU" sz="1200" dirty="0" smtClean="0"/>
+              <a:t>алгоритме </a:t>
+            </a:r>
+            <a:r>
+              <a:rPr lang="ru-RU" sz="1200" dirty="0"/>
+              <a:t>RED имеются два конфигурируемых </a:t>
+            </a:r>
+            <a:r>
+              <a:rPr lang="ru-RU" sz="1200" dirty="0" err="1" smtClean="0"/>
+              <a:t>пopo</a:t>
+            </a:r>
+            <a:r>
+              <a:rPr lang="ru-RU" sz="1200" dirty="0" err="1"/>
+              <a:t>г</a:t>
+            </a:r>
+            <a:r>
+              <a:rPr lang="ru-RU" sz="1200" dirty="0" err="1" smtClean="0"/>
+              <a:t>a</a:t>
+            </a:r>
+            <a:r>
+              <a:rPr lang="ru-RU" sz="1200" dirty="0" smtClean="0"/>
+              <a:t> </a:t>
+            </a:r>
+            <a:r>
+              <a:rPr lang="ru-RU" sz="1200" dirty="0"/>
+              <a:t>уровня </a:t>
+            </a:r>
+            <a:r>
+              <a:rPr lang="ru-RU" sz="1200" dirty="0" smtClean="0"/>
+              <a:t>перегрузки. Когда уровень </a:t>
+            </a:r>
+            <a:r>
+              <a:rPr lang="ru-RU" sz="1200" dirty="0"/>
+              <a:t>перегрузки не превышает первого (нижнего) порога, то пакеты не </a:t>
+            </a:r>
+            <a:r>
+              <a:rPr lang="ru-RU" sz="1200" dirty="0" smtClean="0"/>
+              <a:t>отбрасываются</a:t>
+            </a:r>
+            <a:r>
+              <a:rPr lang="ru-RU" sz="1200" dirty="0"/>
+              <a:t>. Когда уровень перегрузки находится между двумя порогами, пакеты </a:t>
+            </a:r>
+            <a:r>
+              <a:rPr lang="ru-RU" sz="1200" dirty="0" smtClean="0"/>
+              <a:t>отбрасываются с </a:t>
+            </a:r>
+            <a:r>
+              <a:rPr lang="ru-RU" sz="1200" dirty="0"/>
+              <a:t>линейно возрастающей вероятностью из диапазона от 0 до конфигурируемой </a:t>
+            </a:r>
+            <a:r>
+              <a:rPr lang="ru-RU" sz="1200" dirty="0" smtClean="0"/>
+              <a:t>величины (максимальной </a:t>
+            </a:r>
+            <a:r>
+              <a:rPr lang="ru-RU" sz="1200" dirty="0"/>
+              <a:t>вероятности отбрасывания пакета). Максимальная вероятность </a:t>
+            </a:r>
+            <a:r>
+              <a:rPr lang="ru-RU" sz="1200" dirty="0" smtClean="0"/>
+              <a:t>отбрасывания </a:t>
+            </a:r>
+            <a:r>
+              <a:rPr lang="ru-RU" sz="1200" dirty="0"/>
+              <a:t>действует при достижении второго (верхнего) порога. Когда же перегрузка </a:t>
+            </a:r>
+            <a:r>
+              <a:rPr lang="ru-RU" sz="1200" dirty="0" smtClean="0"/>
+              <a:t>превышает второй </a:t>
+            </a:r>
+            <a:r>
+              <a:rPr lang="ru-RU" sz="1200" dirty="0"/>
+              <a:t>порог, пакеты начинают отбрасываться с вероятностью 100 %.</a:t>
+            </a:r>
+          </a:p>
+        </p:txBody>
+      </p:sp>
+    </p:spTree>
+    <p:extLst>
+      <p:ext uri="{BB962C8B-B14F-4D97-AF65-F5344CB8AC3E}">
+        <p14:creationId xmlns:p14="http://schemas.microsoft.com/office/powerpoint/2010/main" val="4072813905"/>
+      </p:ext>
+    </p:extLst>
+  </p:cSld>
+  <p:clrMapOvr>
+    <a:masterClrMapping/>
+  </p:clrMapOvr>
+  <p:timing>
+    <p:tnLst>
+      <p:par>
+        <p:cTn id="1" dur="indefinite" restart="never" nodeType="tmRoot"/>
+      </p:par>
+    </p:tnLst>
+  </p:timing>
+</p:sld>
+</file>
+
+<file path=ppt/slides/slide17.xml><?xml version="1.0" encoding="utf-8"?>
+<p:sld xmlns:a="http://schemas.openxmlformats.org/drawingml/2006/main" xmlns:r="http://schemas.openxmlformats.org/officeDocument/2006/relationships" xmlns:p="http://schemas.openxmlformats.org/presentationml/2006/main">
+  <p:cSld>
+    <p:spTree>
+      <p:nvGrpSpPr>
+        <p:cNvPr id="1" name=""/>
+        <p:cNvGrpSpPr/>
+        <p:nvPr/>
+      </p:nvGrpSpPr>
+      <p:grpSpPr>
+        <a:xfrm>
+          <a:off x="0" y="0"/>
+          <a:ext cx="0" cy="0"/>
+          <a:chOff x="0" y="0"/>
+          <a:chExt cx="0" cy="0"/>
+        </a:xfrm>
+      </p:grpSpPr>
+      <p:sp>
+        <p:nvSpPr>
+          <p:cNvPr id="11" name="Заголовок 1"/>
+          <p:cNvSpPr txBox="1">
+            <a:spLocks/>
+          </p:cNvSpPr>
+          <p:nvPr/>
+        </p:nvSpPr>
+        <p:spPr>
+          <a:xfrm>
+            <a:off x="683568" y="836712"/>
+            <a:ext cx="8280920" cy="1008112"/>
+          </a:xfrm>
+          <a:prstGeom prst="rect">
+            <a:avLst/>
+          </a:prstGeom>
+        </p:spPr>
+        <p:txBody>
+          <a:bodyPr/>
+          <a:lstStyle>
+            <a:lvl1pPr algn="l" rtl="0" fontAlgn="base">
+              <a:spcBef>
+                <a:spcPct val="0"/>
+              </a:spcBef>
+              <a:spcAft>
+                <a:spcPct val="0"/>
+              </a:spcAft>
+              <a:defRPr sz="4400">
+                <a:solidFill>
+                  <a:schemeClr val="tx2"/>
+                </a:solidFill>
+                <a:latin typeface="+mj-lt"/>
+                <a:ea typeface="+mj-ea"/>
+                <a:cs typeface="+mj-cs"/>
+              </a:defRPr>
+            </a:lvl1pPr>
+            <a:lvl2pPr algn="l" rtl="0" fontAlgn="base">
+              <a:spcBef>
+                <a:spcPct val="0"/>
+              </a:spcBef>
+              <a:spcAft>
+                <a:spcPct val="0"/>
+              </a:spcAft>
+              <a:defRPr sz="4400">
+                <a:solidFill>
+                  <a:schemeClr val="tx2"/>
+                </a:solidFill>
+                <a:latin typeface="Times New Roman" pitchFamily="18" charset="0"/>
+              </a:defRPr>
+            </a:lvl2pPr>
+            <a:lvl3pPr algn="l" rtl="0" fontAlgn="base">
+              <a:spcBef>
+                <a:spcPct val="0"/>
+              </a:spcBef>
+              <a:spcAft>
+                <a:spcPct val="0"/>
+              </a:spcAft>
+              <a:defRPr sz="4400">
+                <a:solidFill>
+                  <a:schemeClr val="tx2"/>
+                </a:solidFill>
+                <a:latin typeface="Times New Roman" pitchFamily="18" charset="0"/>
+              </a:defRPr>
+            </a:lvl3pPr>
+            <a:lvl4pPr algn="l" rtl="0" fontAlgn="base">
+              <a:spcBef>
+                <a:spcPct val="0"/>
+              </a:spcBef>
+              <a:spcAft>
+                <a:spcPct val="0"/>
+              </a:spcAft>
+              <a:defRPr sz="4400">
+                <a:solidFill>
+                  <a:schemeClr val="tx2"/>
+                </a:solidFill>
+                <a:latin typeface="Times New Roman" pitchFamily="18" charset="0"/>
+              </a:defRPr>
+            </a:lvl4pPr>
+            <a:lvl5pPr algn="l" rtl="0" fontAlgn="base">
+              <a:spcBef>
+                <a:spcPct val="0"/>
+              </a:spcBef>
+              <a:spcAft>
+                <a:spcPct val="0"/>
+              </a:spcAft>
+              <a:defRPr sz="4400">
+                <a:solidFill>
+                  <a:schemeClr val="tx2"/>
+                </a:solidFill>
+                <a:latin typeface="Times New Roman" pitchFamily="18" charset="0"/>
+              </a:defRPr>
+            </a:lvl5pPr>
+            <a:lvl6pPr marL="457200" algn="l" rtl="0" fontAlgn="base">
+              <a:spcBef>
+                <a:spcPct val="0"/>
+              </a:spcBef>
+              <a:spcAft>
+                <a:spcPct val="0"/>
+              </a:spcAft>
+              <a:defRPr sz="4400">
+                <a:solidFill>
+                  <a:schemeClr val="tx2"/>
+                </a:solidFill>
+                <a:latin typeface="Times New Roman" pitchFamily="18" charset="0"/>
+              </a:defRPr>
+            </a:lvl6pPr>
+            <a:lvl7pPr marL="914400" algn="l" rtl="0" fontAlgn="base">
+              <a:spcBef>
+                <a:spcPct val="0"/>
+              </a:spcBef>
+              <a:spcAft>
+                <a:spcPct val="0"/>
+              </a:spcAft>
+              <a:defRPr sz="4400">
+                <a:solidFill>
+                  <a:schemeClr val="tx2"/>
+                </a:solidFill>
+                <a:latin typeface="Times New Roman" pitchFamily="18" charset="0"/>
+              </a:defRPr>
+            </a:lvl7pPr>
+            <a:lvl8pPr marL="1371600" algn="l" rtl="0" fontAlgn="base">
+              <a:spcBef>
+                <a:spcPct val="0"/>
+              </a:spcBef>
+              <a:spcAft>
+                <a:spcPct val="0"/>
+              </a:spcAft>
+              <a:defRPr sz="4400">
+                <a:solidFill>
+                  <a:schemeClr val="tx2"/>
+                </a:solidFill>
+                <a:latin typeface="Times New Roman" pitchFamily="18" charset="0"/>
+              </a:defRPr>
+            </a:lvl8pPr>
+            <a:lvl9pPr marL="1828800" algn="l" rtl="0" fontAlgn="base">
+              <a:spcBef>
+                <a:spcPct val="0"/>
+              </a:spcBef>
+              <a:spcAft>
+                <a:spcPct val="0"/>
+              </a:spcAft>
+              <a:defRPr sz="4400">
+                <a:solidFill>
+                  <a:schemeClr val="tx2"/>
+                </a:solidFill>
+                <a:latin typeface="Times New Roman" pitchFamily="18" charset="0"/>
+              </a:defRPr>
+            </a:lvl9pPr>
+          </a:lstStyle>
+          <a:p>
+            <a:pPr algn="ctr">
+              <a:buClrTx/>
+              <a:buSzTx/>
+              <a:buFontTx/>
+              <a:buNone/>
+            </a:pPr>
+            <a:r>
+              <a:rPr kumimoji="0" lang="en-US" altLang="ru-RU" b="1" kern="0" dirty="0"/>
+              <a:t>Integrated Service (</a:t>
+            </a:r>
+            <a:r>
+              <a:rPr kumimoji="0" lang="en-US" altLang="ru-RU" b="1" kern="0" dirty="0" err="1"/>
+              <a:t>IntServ</a:t>
+            </a:r>
+            <a:r>
+              <a:rPr kumimoji="0" lang="en-US" altLang="ru-RU" b="1" kern="0" dirty="0"/>
+              <a:t>)</a:t>
+            </a:r>
+            <a:endParaRPr kumimoji="0" lang="en-US" altLang="ru-RU" b="1" kern="0" dirty="0"/>
+          </a:p>
+        </p:txBody>
+      </p:sp>
+      <p:pic>
+        <p:nvPicPr>
+          <p:cNvPr id="5122" name="Picture 2" descr="Integrated Service - an overview | ScienceDirect Topics"/>
+          <p:cNvPicPr>
+            <a:picLocks noChangeAspect="1" noChangeArrowheads="1"/>
+          </p:cNvPicPr>
+          <p:nvPr/>
+        </p:nvPicPr>
+        <p:blipFill>
+          <a:blip r:embed="rId2">
+            <a:extLst>
+              <a:ext uri="{28A0092B-C50C-407E-A947-70E740481C1C}">
+                <a14:useLocalDpi xmlns:a14="http://schemas.microsoft.com/office/drawing/2010/main" val="0"/>
+              </a:ext>
+            </a:extLst>
+          </a:blip>
+          <a:srcRect/>
+          <a:stretch>
+            <a:fillRect/>
+          </a:stretch>
+        </p:blipFill>
+        <p:spPr bwMode="auto">
+          <a:xfrm>
+            <a:off x="827584" y="3933056"/>
+            <a:ext cx="7992888" cy="2508491"/>
+          </a:xfrm>
+          <a:prstGeom prst="rect">
+            <a:avLst/>
+          </a:prstGeom>
+          <a:noFill/>
+          <a:extLst>
+            <a:ext uri="{909E8E84-426E-40DD-AFC4-6F175D3DCCD1}">
+              <a14:hiddenFill xmlns:a14="http://schemas.microsoft.com/office/drawing/2010/main">
+                <a:solidFill>
+                  <a:srgbClr val="FFFFFF"/>
+                </a:solidFill>
+              </a14:hiddenFill>
+            </a:ext>
+          </a:extLst>
+        </p:spPr>
+      </p:pic>
+      <p:sp>
+        <p:nvSpPr>
+          <p:cNvPr id="6" name="Прямоугольник 5"/>
+          <p:cNvSpPr/>
+          <p:nvPr/>
+        </p:nvSpPr>
+        <p:spPr>
+          <a:xfrm>
+            <a:off x="539552" y="1844824"/>
+            <a:ext cx="8424936" cy="1754326"/>
+          </a:xfrm>
+          <a:prstGeom prst="rect">
+            <a:avLst/>
+          </a:prstGeom>
+        </p:spPr>
+        <p:txBody>
+          <a:bodyPr wrap="square">
+            <a:spAutoFit/>
+          </a:bodyPr>
+          <a:lstStyle/>
+          <a:p>
+            <a:pPr algn="just">
+              <a:buNone/>
+            </a:pPr>
+            <a:r>
+              <a:rPr lang="ru-RU" sz="1800" dirty="0"/>
+              <a:t>Согласно RFC 1633, модель интегрированного обслуживания обеспечивает сквозное (</a:t>
+            </a:r>
+            <a:r>
+              <a:rPr lang="ru-RU" sz="1800" dirty="0" err="1"/>
+              <a:t>End-to-End</a:t>
+            </a:r>
+            <a:r>
+              <a:rPr lang="ru-RU" sz="1800" dirty="0"/>
+              <a:t>) качество обслуживания, гарантируя необходимую пропускную способность. </a:t>
+            </a:r>
+            <a:r>
+              <a:rPr lang="ru-RU" sz="1800" dirty="0" err="1"/>
+              <a:t>IntServ</a:t>
+            </a:r>
+            <a:r>
+              <a:rPr lang="ru-RU" sz="1800" dirty="0"/>
+              <a:t> использует для своих целей протокол резервирования сетевых ресурсов RSVP, который обеспечивает выполнение требований ко всем промежуточным узлам. В отношении </a:t>
+            </a:r>
+            <a:r>
+              <a:rPr lang="ru-RU" sz="1800" dirty="0" err="1"/>
+              <a:t>IntServ</a:t>
+            </a:r>
+            <a:r>
+              <a:rPr lang="ru-RU" sz="1800" dirty="0"/>
+              <a:t> часто используется термин «резервирование ресурсов» (</a:t>
+            </a:r>
+            <a:r>
+              <a:rPr lang="ru-RU" sz="1800" dirty="0" err="1"/>
+              <a:t>Resource</a:t>
+            </a:r>
+            <a:r>
+              <a:rPr lang="ru-RU" sz="1800" dirty="0"/>
+              <a:t> </a:t>
+            </a:r>
+            <a:r>
+              <a:rPr lang="ru-RU" sz="1800" dirty="0" err="1"/>
+              <a:t>reservation</a:t>
+            </a:r>
+            <a:r>
+              <a:rPr lang="ru-RU" sz="1800" dirty="0"/>
+              <a:t>).</a:t>
+            </a:r>
+          </a:p>
+        </p:txBody>
+      </p:sp>
+    </p:spTree>
+    <p:extLst>
+      <p:ext uri="{BB962C8B-B14F-4D97-AF65-F5344CB8AC3E}">
+        <p14:creationId xmlns:p14="http://schemas.microsoft.com/office/powerpoint/2010/main" val="1706720950"/>
       </p:ext>
     </p:extLst>
   </p:cSld>
@@ -11341,7 +15246,7 @@
         </p:nvSpPr>
         <p:spPr>
           <a:xfrm>
-            <a:off x="899592" y="4005064"/>
+            <a:off x="899592" y="3122619"/>
             <a:ext cx="7776864" cy="1138773"/>
           </a:xfrm>
           <a:prstGeom prst="rect">
@@ -11469,6 +15374,381 @@
               </a:solidFill>
               <a:effectLst/>
               <a:latin typeface="-apple-system"/>
+            </a:endParaRPr>
+          </a:p>
+        </p:txBody>
+      </p:sp>
+      <p:sp>
+        <p:nvSpPr>
+          <p:cNvPr id="2" name="Прямоугольник 1"/>
+          <p:cNvSpPr/>
+          <p:nvPr/>
+        </p:nvSpPr>
+        <p:spPr>
+          <a:xfrm>
+            <a:off x="1205372" y="4653136"/>
+            <a:ext cx="7250596" cy="1698927"/>
+          </a:xfrm>
+          <a:prstGeom prst="rect">
+            <a:avLst/>
+          </a:prstGeom>
+          <a:solidFill>
+            <a:schemeClr val="bg1"/>
+          </a:solidFill>
+          <a:ln>
+            <a:solidFill>
+              <a:srgbClr val="7030A0"/>
+            </a:solidFill>
+          </a:ln>
+          <a:effectLst>
+            <a:outerShdw blurRad="50800" dist="38100" dir="2700000" algn="tl" rotWithShape="0">
+              <a:prstClr val="black">
+                <a:alpha val="40000"/>
+              </a:prstClr>
+            </a:outerShdw>
+          </a:effectLst>
+        </p:spPr>
+        <p:txBody>
+          <a:bodyPr wrap="square">
+            <a:spAutoFit/>
+          </a:bodyPr>
+          <a:lstStyle/>
+          <a:p>
+            <a:r>
+              <a:rPr lang="en-US" sz="1800" dirty="0">
+                <a:solidFill>
+                  <a:srgbClr val="000000"/>
+                </a:solidFill>
+                <a:latin typeface="Open Sans"/>
+              </a:rPr>
+              <a:t>R1(</a:t>
+            </a:r>
+            <a:r>
+              <a:rPr lang="en-US" sz="1800" dirty="0" err="1">
+                <a:solidFill>
+                  <a:srgbClr val="000000"/>
+                </a:solidFill>
+                <a:latin typeface="Open Sans"/>
+              </a:rPr>
+              <a:t>config</a:t>
+            </a:r>
+            <a:r>
+              <a:rPr lang="en-US" sz="1800" dirty="0">
+                <a:solidFill>
+                  <a:srgbClr val="000000"/>
+                </a:solidFill>
+                <a:latin typeface="Open Sans"/>
+              </a:rPr>
+              <a:t>)#</a:t>
+            </a:r>
+            <a:r>
+              <a:rPr lang="en-US" sz="1800" b="1" dirty="0">
+                <a:solidFill>
+                  <a:srgbClr val="000000"/>
+                </a:solidFill>
+                <a:latin typeface="Open Sans"/>
+              </a:rPr>
+              <a:t> </a:t>
+            </a:r>
+            <a:r>
+              <a:rPr lang="en-US" sz="1800" b="1" dirty="0" err="1">
+                <a:solidFill>
+                  <a:srgbClr val="000000"/>
+                </a:solidFill>
+                <a:latin typeface="Open Sans"/>
+              </a:rPr>
+              <a:t>ip</a:t>
+            </a:r>
+            <a:r>
+              <a:rPr lang="en-US" sz="1800" b="1" dirty="0">
+                <a:solidFill>
+                  <a:srgbClr val="000000"/>
+                </a:solidFill>
+                <a:latin typeface="Open Sans"/>
+              </a:rPr>
+              <a:t> access-list extended DENY_HOST_FTP</a:t>
+            </a:r>
+            <a:endParaRPr lang="en-US" sz="1800" dirty="0">
+              <a:solidFill>
+                <a:srgbClr val="000000"/>
+              </a:solidFill>
+              <a:latin typeface="Open Sans"/>
+            </a:endParaRPr>
+          </a:p>
+          <a:p>
+            <a:r>
+              <a:rPr lang="en-US" sz="1800" dirty="0">
+                <a:solidFill>
+                  <a:srgbClr val="000000"/>
+                </a:solidFill>
+                <a:latin typeface="Open Sans"/>
+              </a:rPr>
+              <a:t>R1(</a:t>
+            </a:r>
+            <a:r>
+              <a:rPr lang="en-US" sz="1800" dirty="0" err="1">
+                <a:solidFill>
+                  <a:srgbClr val="000000"/>
+                </a:solidFill>
+                <a:latin typeface="Open Sans"/>
+              </a:rPr>
+              <a:t>config</a:t>
+            </a:r>
+            <a:r>
+              <a:rPr lang="en-US" sz="1800" dirty="0">
+                <a:solidFill>
+                  <a:srgbClr val="000000"/>
+                </a:solidFill>
+                <a:latin typeface="Open Sans"/>
+              </a:rPr>
+              <a:t> </a:t>
+            </a:r>
+            <a:r>
+              <a:rPr lang="en-US" sz="1800" dirty="0" err="1">
+                <a:solidFill>
+                  <a:srgbClr val="000000"/>
+                </a:solidFill>
+                <a:latin typeface="Open Sans"/>
+              </a:rPr>
+              <a:t>ext-nacl</a:t>
+            </a:r>
+            <a:r>
+              <a:rPr lang="en-US" sz="1800" dirty="0">
+                <a:solidFill>
+                  <a:srgbClr val="000000"/>
+                </a:solidFill>
+                <a:latin typeface="Open Sans"/>
+              </a:rPr>
+              <a:t>)# </a:t>
+            </a:r>
+            <a:r>
+              <a:rPr lang="en-US" sz="1800" b="1" dirty="0">
+                <a:solidFill>
+                  <a:srgbClr val="000000"/>
+                </a:solidFill>
+                <a:latin typeface="Open Sans"/>
+              </a:rPr>
+              <a:t>deny </a:t>
+            </a:r>
+            <a:r>
+              <a:rPr lang="en-US" sz="1800" b="1" dirty="0" err="1">
+                <a:solidFill>
+                  <a:srgbClr val="000000"/>
+                </a:solidFill>
+                <a:latin typeface="Open Sans"/>
+              </a:rPr>
+              <a:t>tcp</a:t>
+            </a:r>
+            <a:r>
+              <a:rPr lang="en-US" sz="1800" b="1" dirty="0">
+                <a:solidFill>
+                  <a:srgbClr val="000000"/>
+                </a:solidFill>
+                <a:latin typeface="Open Sans"/>
+              </a:rPr>
+              <a:t> host 10.1.1.2 host 20.1.1.10 </a:t>
+            </a:r>
+            <a:r>
+              <a:rPr lang="en-US" sz="1800" b="1" dirty="0" err="1">
+                <a:solidFill>
+                  <a:srgbClr val="000000"/>
+                </a:solidFill>
+                <a:latin typeface="Open Sans"/>
+              </a:rPr>
+              <a:t>eq</a:t>
+            </a:r>
+            <a:r>
+              <a:rPr lang="en-US" sz="1800" b="1" dirty="0">
+                <a:solidFill>
+                  <a:srgbClr val="000000"/>
+                </a:solidFill>
+                <a:latin typeface="Open Sans"/>
+              </a:rPr>
+              <a:t> FTP</a:t>
+            </a:r>
+            <a:endParaRPr lang="en-US" sz="1800" dirty="0">
+              <a:solidFill>
+                <a:srgbClr val="000000"/>
+              </a:solidFill>
+              <a:latin typeface="Open Sans"/>
+            </a:endParaRPr>
+          </a:p>
+          <a:p>
+            <a:r>
+              <a:rPr lang="en-US" sz="1800" dirty="0">
+                <a:solidFill>
+                  <a:srgbClr val="000000"/>
+                </a:solidFill>
+                <a:latin typeface="Open Sans"/>
+              </a:rPr>
+              <a:t>R1(</a:t>
+            </a:r>
+            <a:r>
+              <a:rPr lang="en-US" sz="1800" dirty="0" err="1">
+                <a:solidFill>
+                  <a:srgbClr val="000000"/>
+                </a:solidFill>
+                <a:latin typeface="Open Sans"/>
+              </a:rPr>
+              <a:t>config</a:t>
+            </a:r>
+            <a:r>
+              <a:rPr lang="en-US" sz="1800" dirty="0">
+                <a:solidFill>
+                  <a:srgbClr val="000000"/>
+                </a:solidFill>
+                <a:latin typeface="Open Sans"/>
+              </a:rPr>
+              <a:t> </a:t>
+            </a:r>
+            <a:r>
+              <a:rPr lang="en-US" sz="1800" dirty="0" err="1">
+                <a:solidFill>
+                  <a:srgbClr val="000000"/>
+                </a:solidFill>
+                <a:latin typeface="Open Sans"/>
+              </a:rPr>
+              <a:t>ext-nacl</a:t>
+            </a:r>
+            <a:r>
+              <a:rPr lang="en-US" sz="1800" dirty="0">
+                <a:solidFill>
+                  <a:srgbClr val="000000"/>
+                </a:solidFill>
+                <a:latin typeface="Open Sans"/>
+              </a:rPr>
+              <a:t>)# </a:t>
+            </a:r>
+            <a:r>
+              <a:rPr lang="en-US" sz="1800" b="1" dirty="0">
+                <a:solidFill>
+                  <a:srgbClr val="000000"/>
+                </a:solidFill>
+                <a:latin typeface="Open Sans"/>
+              </a:rPr>
+              <a:t>permit </a:t>
+            </a:r>
+            <a:r>
+              <a:rPr lang="en-US" sz="1800" b="1" dirty="0" err="1">
+                <a:solidFill>
+                  <a:srgbClr val="000000"/>
+                </a:solidFill>
+                <a:latin typeface="Open Sans"/>
+              </a:rPr>
+              <a:t>ip</a:t>
+            </a:r>
+            <a:r>
+              <a:rPr lang="en-US" sz="1800" b="1" dirty="0">
+                <a:solidFill>
+                  <a:srgbClr val="000000"/>
+                </a:solidFill>
+                <a:latin typeface="Open Sans"/>
+              </a:rPr>
+              <a:t> any </a:t>
+            </a:r>
+            <a:r>
+              <a:rPr lang="en-US" sz="1800" b="1" dirty="0" err="1">
+                <a:solidFill>
+                  <a:srgbClr val="000000"/>
+                </a:solidFill>
+                <a:latin typeface="Open Sans"/>
+              </a:rPr>
+              <a:t>any</a:t>
+            </a:r>
+            <a:endParaRPr lang="en-US" sz="1800" dirty="0">
+              <a:solidFill>
+                <a:srgbClr val="000000"/>
+              </a:solidFill>
+              <a:latin typeface="Open Sans"/>
+            </a:endParaRPr>
+          </a:p>
+          <a:p>
+            <a:r>
+              <a:rPr lang="en-US" sz="1800" dirty="0">
+                <a:solidFill>
+                  <a:srgbClr val="000000"/>
+                </a:solidFill>
+                <a:latin typeface="Open Sans"/>
+              </a:rPr>
+              <a:t>R1(</a:t>
+            </a:r>
+            <a:r>
+              <a:rPr lang="en-US" sz="1800" dirty="0" err="1">
+                <a:solidFill>
+                  <a:srgbClr val="000000"/>
+                </a:solidFill>
+                <a:latin typeface="Open Sans"/>
+              </a:rPr>
+              <a:t>config</a:t>
+            </a:r>
+            <a:r>
+              <a:rPr lang="en-US" sz="1800" dirty="0">
+                <a:solidFill>
+                  <a:srgbClr val="000000"/>
+                </a:solidFill>
+                <a:latin typeface="Open Sans"/>
+              </a:rPr>
+              <a:t>)# </a:t>
+            </a:r>
+            <a:r>
+              <a:rPr lang="en-US" sz="1800" b="1" dirty="0">
+                <a:solidFill>
+                  <a:srgbClr val="000000"/>
+                </a:solidFill>
+                <a:latin typeface="Open Sans"/>
+              </a:rPr>
+              <a:t>interface ethernet0/0</a:t>
+            </a:r>
+            <a:endParaRPr lang="en-US" sz="1800" dirty="0">
+              <a:solidFill>
+                <a:srgbClr val="000000"/>
+              </a:solidFill>
+              <a:latin typeface="Open Sans"/>
+            </a:endParaRPr>
+          </a:p>
+          <a:p>
+            <a:r>
+              <a:rPr lang="en-US" sz="1800" dirty="0">
+                <a:solidFill>
+                  <a:srgbClr val="000000"/>
+                </a:solidFill>
+                <a:latin typeface="Open Sans"/>
+              </a:rPr>
+              <a:t>R1(</a:t>
+            </a:r>
+            <a:r>
+              <a:rPr lang="en-US" sz="1800" dirty="0" err="1">
+                <a:solidFill>
+                  <a:srgbClr val="000000"/>
+                </a:solidFill>
+                <a:latin typeface="Open Sans"/>
+              </a:rPr>
+              <a:t>config</a:t>
+            </a:r>
+            <a:r>
+              <a:rPr lang="en-US" sz="1800" dirty="0">
+                <a:solidFill>
+                  <a:srgbClr val="000000"/>
+                </a:solidFill>
+                <a:latin typeface="Open Sans"/>
+              </a:rPr>
+              <a:t>)# </a:t>
+            </a:r>
+            <a:r>
+              <a:rPr lang="en-US" sz="1800" b="1" dirty="0">
+                <a:solidFill>
+                  <a:srgbClr val="000000"/>
+                </a:solidFill>
+                <a:latin typeface="Open Sans"/>
+              </a:rPr>
+              <a:t>access-group DENY_HOST_FTP in</a:t>
+            </a:r>
+            <a:endParaRPr lang="en-US" sz="1800" b="0" i="0" dirty="0">
+              <a:solidFill>
+                <a:srgbClr val="000000"/>
+              </a:solidFill>
+              <a:effectLst/>
+              <a:latin typeface="Open Sans"/>
             </a:endParaRPr>
           </a:p>
         </p:txBody>

--- a/lecture/L3+.pptx
+++ b/lecture/L3+.pptx
@@ -5,7 +5,7 @@
     <p:sldMasterId id="2147483649" r:id="rId1"/>
   </p:sldMasterIdLst>
   <p:notesMasterIdLst>
-    <p:notesMasterId r:id="rId19"/>
+    <p:notesMasterId r:id="rId29"/>
   </p:notesMasterIdLst>
   <p:sldIdLst>
     <p:sldId id="312" r:id="rId2"/>
@@ -25,6 +25,16 @@
     <p:sldId id="325" r:id="rId16"/>
     <p:sldId id="326" r:id="rId17"/>
     <p:sldId id="327" r:id="rId18"/>
+    <p:sldId id="328" r:id="rId19"/>
+    <p:sldId id="329" r:id="rId20"/>
+    <p:sldId id="330" r:id="rId21"/>
+    <p:sldId id="331" r:id="rId22"/>
+    <p:sldId id="332" r:id="rId23"/>
+    <p:sldId id="333" r:id="rId24"/>
+    <p:sldId id="334" r:id="rId25"/>
+    <p:sldId id="335" r:id="rId26"/>
+    <p:sldId id="336" r:id="rId27"/>
+    <p:sldId id="337" r:id="rId28"/>
   </p:sldIdLst>
   <p:sldSz cx="9144000" cy="6858000" type="screen4x3"/>
   <p:notesSz cx="6858000" cy="9144000"/>
@@ -7964,8 +7974,8 @@
         </p:nvSpPr>
         <p:spPr>
           <a:xfrm>
-            <a:off x="899592" y="1844824"/>
-            <a:ext cx="7200800" cy="4216539"/>
+            <a:off x="467544" y="2276872"/>
+            <a:ext cx="8676456" cy="3908762"/>
           </a:xfrm>
           <a:prstGeom prst="rect">
             <a:avLst/>
@@ -8345,7 +8355,7 @@
         <p:spPr>
           <a:xfrm>
             <a:off x="611560" y="1844824"/>
-            <a:ext cx="8352928" cy="2505301"/>
+            <a:ext cx="8352928" cy="2806922"/>
           </a:xfrm>
           <a:prstGeom prst="rect">
             <a:avLst/>
@@ -8362,144 +8372,144 @@
               <a:buNone/>
             </a:pPr>
             <a:r>
-              <a:rPr lang="ru-RU" sz="1600" dirty="0"/>
+              <a:rPr lang="ru-RU" sz="1800" dirty="0"/>
               <a:t>Для большинства случаев качество связи определяется четырьмя параметрами</a:t>
             </a:r>
             <a:r>
-              <a:rPr lang="ru-RU" sz="1600" dirty="0" smtClean="0"/>
+              <a:rPr lang="ru-RU" sz="1800" dirty="0" smtClean="0"/>
               <a:t>:</a:t>
             </a:r>
-            <a:endParaRPr lang="ru-RU" sz="1600" dirty="0"/>
+            <a:endParaRPr lang="ru-RU" sz="1800" dirty="0"/>
           </a:p>
           <a:p>
             <a:pPr lvl="1"/>
             <a:r>
-              <a:rPr lang="ru-RU" sz="1600" dirty="0"/>
+              <a:rPr lang="ru-RU" sz="1800" dirty="0"/>
               <a:t>Скорость передачи информации (</a:t>
             </a:r>
             <a:r>
-              <a:rPr lang="ru-RU" sz="1600" b="1" dirty="0" err="1"/>
+              <a:rPr lang="ru-RU" sz="1800" b="1" dirty="0" err="1"/>
               <a:t>Bitrate</a:t>
             </a:r>
             <a:r>
-              <a:rPr lang="ru-RU" sz="1600" dirty="0"/>
+              <a:rPr lang="ru-RU" sz="1800" dirty="0"/>
               <a:t>), описывает номинальную пропускную способность среды передачи информации. Зависит от ширины полосы пропускания канала связи (Гц) и отношения сигнал/шум. Измеряется в </a:t>
             </a:r>
             <a:r>
-              <a:rPr lang="ru-RU" sz="1600" dirty="0" err="1"/>
+              <a:rPr lang="ru-RU" sz="1800" dirty="0" err="1"/>
               <a:t>bit</a:t>
             </a:r>
             <a:r>
-              <a:rPr lang="ru-RU" sz="1600" dirty="0"/>
+              <a:rPr lang="ru-RU" sz="1800" dirty="0"/>
               <a:t>/s (</a:t>
             </a:r>
             <a:r>
-              <a:rPr lang="ru-RU" sz="1600" dirty="0" err="1"/>
+              <a:rPr lang="ru-RU" sz="1800" dirty="0" err="1"/>
               <a:t>bps</a:t>
             </a:r>
             <a:r>
-              <a:rPr lang="ru-RU" sz="1600" dirty="0"/>
+              <a:rPr lang="ru-RU" sz="1800" dirty="0"/>
               <a:t>), </a:t>
             </a:r>
             <a:r>
-              <a:rPr lang="ru-RU" sz="1600" dirty="0" err="1"/>
+              <a:rPr lang="ru-RU" sz="1800" dirty="0" err="1"/>
               <a:t>kbit</a:t>
             </a:r>
             <a:r>
-              <a:rPr lang="ru-RU" sz="1600" dirty="0"/>
+              <a:rPr lang="ru-RU" sz="1800" dirty="0"/>
               <a:t>/s (</a:t>
             </a:r>
             <a:r>
-              <a:rPr lang="ru-RU" sz="1600" dirty="0" err="1"/>
+              <a:rPr lang="ru-RU" sz="1800" dirty="0" err="1"/>
               <a:t>Kbps</a:t>
             </a:r>
             <a:r>
-              <a:rPr lang="ru-RU" sz="1600" dirty="0"/>
+              <a:rPr lang="ru-RU" sz="1800" dirty="0"/>
               <a:t>), </a:t>
             </a:r>
             <a:r>
-              <a:rPr lang="ru-RU" sz="1600" dirty="0" err="1"/>
+              <a:rPr lang="ru-RU" sz="1800" dirty="0" err="1"/>
               <a:t>Mbit</a:t>
             </a:r>
             <a:r>
-              <a:rPr lang="ru-RU" sz="1600" dirty="0"/>
+              <a:rPr lang="ru-RU" sz="1800" dirty="0"/>
               <a:t>/s (</a:t>
             </a:r>
             <a:r>
-              <a:rPr lang="ru-RU" sz="1600" dirty="0" err="1"/>
+              <a:rPr lang="ru-RU" sz="1800" dirty="0" err="1"/>
               <a:t>Mbps</a:t>
             </a:r>
             <a:r>
-              <a:rPr lang="ru-RU" sz="1600" dirty="0"/>
+              <a:rPr lang="ru-RU" sz="1800" dirty="0"/>
               <a:t>), </a:t>
             </a:r>
             <a:r>
-              <a:rPr lang="ru-RU" sz="1600" dirty="0" err="1"/>
+              <a:rPr lang="ru-RU" sz="1800" dirty="0" err="1"/>
               <a:t>Gbit</a:t>
             </a:r>
             <a:r>
-              <a:rPr lang="ru-RU" sz="1600" dirty="0"/>
+              <a:rPr lang="ru-RU" sz="1800" dirty="0"/>
               <a:t>/s (</a:t>
             </a:r>
             <a:r>
-              <a:rPr lang="ru-RU" sz="1600" dirty="0" err="1"/>
+              <a:rPr lang="ru-RU" sz="1800" dirty="0" err="1"/>
               <a:t>Gbps</a:t>
             </a:r>
             <a:r>
-              <a:rPr lang="ru-RU" sz="1600" dirty="0"/>
+              <a:rPr lang="ru-RU" sz="1800" dirty="0"/>
               <a:t>).</a:t>
             </a:r>
           </a:p>
           <a:p>
             <a:pPr lvl="1"/>
             <a:r>
-              <a:rPr lang="ru-RU" sz="1600" dirty="0"/>
+              <a:rPr lang="ru-RU" sz="1800" dirty="0"/>
               <a:t>Задержка при передаче пакета (</a:t>
             </a:r>
             <a:r>
-              <a:rPr lang="ru-RU" sz="1600" b="1" dirty="0" err="1"/>
+              <a:rPr lang="ru-RU" sz="1800" b="1" dirty="0" err="1"/>
               <a:t>Delay</a:t>
             </a:r>
             <a:r>
-              <a:rPr lang="ru-RU" sz="1600" dirty="0"/>
+              <a:rPr lang="ru-RU" sz="1800" dirty="0"/>
               <a:t>), измеряется в миллисекундах.</a:t>
             </a:r>
           </a:p>
           <a:p>
             <a:pPr lvl="1"/>
             <a:r>
-              <a:rPr lang="ru-RU" sz="1600" dirty="0"/>
+              <a:rPr lang="ru-RU" sz="1800" dirty="0"/>
               <a:t>Колебания (дрожание) задержки при передаче пакетов — </a:t>
             </a:r>
             <a:r>
-              <a:rPr lang="ru-RU" sz="1600" b="1" dirty="0" err="1"/>
+              <a:rPr lang="ru-RU" sz="1800" b="1" dirty="0" err="1"/>
               <a:t>джиттер</a:t>
             </a:r>
             <a:r>
-              <a:rPr lang="ru-RU" sz="1600" dirty="0"/>
+              <a:rPr lang="ru-RU" sz="1800" dirty="0"/>
               <a:t>.</a:t>
             </a:r>
           </a:p>
           <a:p>
             <a:pPr lvl="1"/>
             <a:r>
-              <a:rPr lang="ru-RU" sz="1600" dirty="0"/>
+              <a:rPr lang="ru-RU" sz="1800" dirty="0"/>
               <a:t>Потеря пакетов (</a:t>
             </a:r>
             <a:r>
-              <a:rPr lang="ru-RU" sz="1600" b="1" dirty="0" err="1"/>
+              <a:rPr lang="ru-RU" sz="1800" b="1" dirty="0" err="1"/>
               <a:t>Packet</a:t>
             </a:r>
             <a:r>
-              <a:rPr lang="ru-RU" sz="1600" dirty="0"/>
+              <a:rPr lang="ru-RU" sz="1800" dirty="0"/>
               <a:t> </a:t>
             </a:r>
             <a:r>
-              <a:rPr lang="ru-RU" sz="1600" b="1" dirty="0" err="1"/>
+              <a:rPr lang="ru-RU" sz="1800" b="1" dirty="0" err="1"/>
               <a:t>loss</a:t>
             </a:r>
             <a:r>
-              <a:rPr lang="ru-RU" sz="1600" dirty="0"/>
+              <a:rPr lang="ru-RU" sz="1800" dirty="0"/>
               <a:t>). Определяет количество пакетов, потерянных в сети во время передачи.</a:t>
             </a:r>
           </a:p>
@@ -9032,6 +9042,7 @@
           </a:bodyPr>
           <a:lstStyle/>
           <a:p>
+            <a:pPr algn="just"/>
             <a:r>
               <a:rPr lang="ru-RU" sz="1800" dirty="0"/>
               <a:t>Если алгоритм ведра маркеров применяется для сглаживания трафика, то пакет </a:t>
@@ -9070,9 +9081,14 @@
             </a:r>
           </a:p>
           <a:p>
+            <a:pPr algn="just"/>
+            <a:r>
+              <a:rPr lang="ru-RU" sz="1800" dirty="0" smtClean="0"/>
+              <a:t>Если </a:t>
+            </a:r>
             <a:r>
               <a:rPr lang="ru-RU" sz="1800" dirty="0"/>
-              <a:t>• Если же алгоритм ведра маркеров используется для профилирования трафика, то </a:t>
+              <a:t>же алгоритм ведра маркеров используется для профилирования трафика, то </a:t>
             </a:r>
             <a:r>
               <a:rPr lang="ru-RU" sz="1800" dirty="0" smtClean="0"/>
@@ -9900,6 +9916,1056 @@
 </p:sld>
 </file>
 
+<file path=ppt/slides/slide18.xml><?xml version="1.0" encoding="utf-8"?>
+<p:sld xmlns:a="http://schemas.openxmlformats.org/drawingml/2006/main" xmlns:r="http://schemas.openxmlformats.org/officeDocument/2006/relationships" xmlns:p="http://schemas.openxmlformats.org/presentationml/2006/main">
+  <p:cSld>
+    <p:spTree>
+      <p:nvGrpSpPr>
+        <p:cNvPr id="1" name=""/>
+        <p:cNvGrpSpPr/>
+        <p:nvPr/>
+      </p:nvGrpSpPr>
+      <p:grpSpPr>
+        <a:xfrm>
+          <a:off x="0" y="0"/>
+          <a:ext cx="0" cy="0"/>
+          <a:chOff x="0" y="0"/>
+          <a:chExt cx="0" cy="0"/>
+        </a:xfrm>
+      </p:grpSpPr>
+      <p:sp>
+        <p:nvSpPr>
+          <p:cNvPr id="11" name="Заголовок 1"/>
+          <p:cNvSpPr txBox="1">
+            <a:spLocks/>
+          </p:cNvSpPr>
+          <p:nvPr/>
+        </p:nvSpPr>
+        <p:spPr>
+          <a:xfrm>
+            <a:off x="683568" y="836712"/>
+            <a:ext cx="8280920" cy="1008112"/>
+          </a:xfrm>
+          <a:prstGeom prst="rect">
+            <a:avLst/>
+          </a:prstGeom>
+        </p:spPr>
+        <p:txBody>
+          <a:bodyPr/>
+          <a:lstStyle>
+            <a:lvl1pPr algn="l" rtl="0" fontAlgn="base">
+              <a:spcBef>
+                <a:spcPct val="0"/>
+              </a:spcBef>
+              <a:spcAft>
+                <a:spcPct val="0"/>
+              </a:spcAft>
+              <a:defRPr sz="4400">
+                <a:solidFill>
+                  <a:schemeClr val="tx2"/>
+                </a:solidFill>
+                <a:latin typeface="+mj-lt"/>
+                <a:ea typeface="+mj-ea"/>
+                <a:cs typeface="+mj-cs"/>
+              </a:defRPr>
+            </a:lvl1pPr>
+            <a:lvl2pPr algn="l" rtl="0" fontAlgn="base">
+              <a:spcBef>
+                <a:spcPct val="0"/>
+              </a:spcBef>
+              <a:spcAft>
+                <a:spcPct val="0"/>
+              </a:spcAft>
+              <a:defRPr sz="4400">
+                <a:solidFill>
+                  <a:schemeClr val="tx2"/>
+                </a:solidFill>
+                <a:latin typeface="Times New Roman" pitchFamily="18" charset="0"/>
+              </a:defRPr>
+            </a:lvl2pPr>
+            <a:lvl3pPr algn="l" rtl="0" fontAlgn="base">
+              <a:spcBef>
+                <a:spcPct val="0"/>
+              </a:spcBef>
+              <a:spcAft>
+                <a:spcPct val="0"/>
+              </a:spcAft>
+              <a:defRPr sz="4400">
+                <a:solidFill>
+                  <a:schemeClr val="tx2"/>
+                </a:solidFill>
+                <a:latin typeface="Times New Roman" pitchFamily="18" charset="0"/>
+              </a:defRPr>
+            </a:lvl3pPr>
+            <a:lvl4pPr algn="l" rtl="0" fontAlgn="base">
+              <a:spcBef>
+                <a:spcPct val="0"/>
+              </a:spcBef>
+              <a:spcAft>
+                <a:spcPct val="0"/>
+              </a:spcAft>
+              <a:defRPr sz="4400">
+                <a:solidFill>
+                  <a:schemeClr val="tx2"/>
+                </a:solidFill>
+                <a:latin typeface="Times New Roman" pitchFamily="18" charset="0"/>
+              </a:defRPr>
+            </a:lvl4pPr>
+            <a:lvl5pPr algn="l" rtl="0" fontAlgn="base">
+              <a:spcBef>
+                <a:spcPct val="0"/>
+              </a:spcBef>
+              <a:spcAft>
+                <a:spcPct val="0"/>
+              </a:spcAft>
+              <a:defRPr sz="4400">
+                <a:solidFill>
+                  <a:schemeClr val="tx2"/>
+                </a:solidFill>
+                <a:latin typeface="Times New Roman" pitchFamily="18" charset="0"/>
+              </a:defRPr>
+            </a:lvl5pPr>
+            <a:lvl6pPr marL="457200" algn="l" rtl="0" fontAlgn="base">
+              <a:spcBef>
+                <a:spcPct val="0"/>
+              </a:spcBef>
+              <a:spcAft>
+                <a:spcPct val="0"/>
+              </a:spcAft>
+              <a:defRPr sz="4400">
+                <a:solidFill>
+                  <a:schemeClr val="tx2"/>
+                </a:solidFill>
+                <a:latin typeface="Times New Roman" pitchFamily="18" charset="0"/>
+              </a:defRPr>
+            </a:lvl6pPr>
+            <a:lvl7pPr marL="914400" algn="l" rtl="0" fontAlgn="base">
+              <a:spcBef>
+                <a:spcPct val="0"/>
+              </a:spcBef>
+              <a:spcAft>
+                <a:spcPct val="0"/>
+              </a:spcAft>
+              <a:defRPr sz="4400">
+                <a:solidFill>
+                  <a:schemeClr val="tx2"/>
+                </a:solidFill>
+                <a:latin typeface="Times New Roman" pitchFamily="18" charset="0"/>
+              </a:defRPr>
+            </a:lvl7pPr>
+            <a:lvl8pPr marL="1371600" algn="l" rtl="0" fontAlgn="base">
+              <a:spcBef>
+                <a:spcPct val="0"/>
+              </a:spcBef>
+              <a:spcAft>
+                <a:spcPct val="0"/>
+              </a:spcAft>
+              <a:defRPr sz="4400">
+                <a:solidFill>
+                  <a:schemeClr val="tx2"/>
+                </a:solidFill>
+                <a:latin typeface="Times New Roman" pitchFamily="18" charset="0"/>
+              </a:defRPr>
+            </a:lvl8pPr>
+            <a:lvl9pPr marL="1828800" algn="l" rtl="0" fontAlgn="base">
+              <a:spcBef>
+                <a:spcPct val="0"/>
+              </a:spcBef>
+              <a:spcAft>
+                <a:spcPct val="0"/>
+              </a:spcAft>
+              <a:defRPr sz="4400">
+                <a:solidFill>
+                  <a:schemeClr val="tx2"/>
+                </a:solidFill>
+                <a:latin typeface="Times New Roman" pitchFamily="18" charset="0"/>
+              </a:defRPr>
+            </a:lvl9pPr>
+          </a:lstStyle>
+          <a:p>
+            <a:pPr algn="ctr">
+              <a:buClrTx/>
+              <a:buSzTx/>
+              <a:buFontTx/>
+              <a:buNone/>
+            </a:pPr>
+            <a:r>
+              <a:rPr kumimoji="0" lang="en-US" altLang="ru-RU" b="1" kern="0" dirty="0"/>
+              <a:t>Differentiated Service (</a:t>
+            </a:r>
+            <a:r>
+              <a:rPr kumimoji="0" lang="en-US" altLang="ru-RU" b="1" kern="0" dirty="0" err="1"/>
+              <a:t>DiffServ</a:t>
+            </a:r>
+            <a:r>
+              <a:rPr kumimoji="0" lang="en-US" altLang="ru-RU" b="1" kern="0" dirty="0"/>
+              <a:t>)</a:t>
+            </a:r>
+            <a:endParaRPr kumimoji="0" lang="en-US" altLang="ru-RU" b="1" kern="0" dirty="0"/>
+          </a:p>
+        </p:txBody>
+      </p:sp>
+      <p:sp>
+        <p:nvSpPr>
+          <p:cNvPr id="6" name="Прямоугольник 5"/>
+          <p:cNvSpPr/>
+          <p:nvPr/>
+        </p:nvSpPr>
+        <p:spPr>
+          <a:xfrm>
+            <a:off x="535101" y="2060848"/>
+            <a:ext cx="8424936" cy="4302716"/>
+          </a:xfrm>
+          <a:prstGeom prst="rect">
+            <a:avLst/>
+          </a:prstGeom>
+        </p:spPr>
+        <p:txBody>
+          <a:bodyPr wrap="square">
+            <a:spAutoFit/>
+          </a:bodyPr>
+          <a:lstStyle/>
+          <a:p>
+            <a:pPr algn="just">
+              <a:buNone/>
+            </a:pPr>
+            <a:r>
+              <a:rPr lang="ru-RU" sz="1800" dirty="0"/>
+              <a:t>Обеспечивает </a:t>
+            </a:r>
+            <a:r>
+              <a:rPr lang="ru-RU" sz="1800" dirty="0" err="1"/>
+              <a:t>QoS</a:t>
+            </a:r>
+            <a:r>
+              <a:rPr lang="ru-RU" sz="1800" dirty="0"/>
+              <a:t> на основе распределения ресурсов в ядре сети и определенных классификаторов и ограничений на границе сети, комбинируемых с целью предоставления требуемых услуг. В этой модели вводится разделение трафика по классам, для каждого из которых определяется свой уровень </a:t>
+            </a:r>
+            <a:r>
+              <a:rPr lang="ru-RU" sz="1800" dirty="0" err="1"/>
+              <a:t>QoS</a:t>
+            </a:r>
+            <a:r>
+              <a:rPr lang="ru-RU" sz="1800" dirty="0" smtClean="0"/>
+              <a:t>.</a:t>
+            </a:r>
+            <a:endParaRPr lang="en-US" sz="1800" dirty="0" smtClean="0"/>
+          </a:p>
+          <a:p>
+            <a:pPr algn="just">
+              <a:buNone/>
+            </a:pPr>
+            <a:r>
+              <a:rPr lang="ru-RU" sz="1800" dirty="0"/>
+              <a:t>Обычно в сети </a:t>
+            </a:r>
+            <a:r>
+              <a:rPr lang="ru-RU" sz="1800" dirty="0" err="1" smtClean="0"/>
+              <a:t>DiffSerёv</a:t>
+            </a:r>
+            <a:r>
+              <a:rPr lang="ru-RU" sz="1800" dirty="0" smtClean="0"/>
+              <a:t> </a:t>
+            </a:r>
+            <a:r>
+              <a:rPr lang="ru-RU" sz="1800" dirty="0"/>
+              <a:t>поддерживается дифференцированное обслуживание </a:t>
+            </a:r>
+            <a:r>
+              <a:rPr lang="ru-RU" sz="1800" dirty="0" smtClean="0"/>
+              <a:t>небольшого количество </a:t>
+            </a:r>
+            <a:r>
+              <a:rPr lang="ru-RU" sz="1800" dirty="0"/>
+              <a:t>классов трафика, например двух (чувствительного к задержкам и </a:t>
+            </a:r>
+            <a:r>
+              <a:rPr lang="ru-RU" sz="1800" dirty="0" smtClean="0"/>
+              <a:t>эластичного</a:t>
+            </a:r>
+            <a:r>
+              <a:rPr lang="ru-RU" sz="1800" dirty="0"/>
+              <a:t>) или трех </a:t>
+            </a:r>
+            <a:r>
+              <a:rPr lang="ru-RU" sz="1800" dirty="0" smtClean="0"/>
+              <a:t>(плюс </a:t>
+            </a:r>
+            <a:r>
+              <a:rPr lang="ru-RU" sz="1800" dirty="0"/>
+              <a:t>класс, требующий гарантированной </a:t>
+            </a:r>
+            <a:r>
+              <a:rPr lang="ru-RU" sz="1800" dirty="0" smtClean="0"/>
+              <a:t>доставки пакетов </a:t>
+            </a:r>
+            <a:r>
+              <a:rPr lang="ru-RU" sz="1800" dirty="0"/>
+              <a:t>с определенным минимумом скорости трафика). Небольшое количество </a:t>
+            </a:r>
+            <a:r>
+              <a:rPr lang="ru-RU" sz="1800" dirty="0" smtClean="0"/>
+              <a:t>классов определяет </a:t>
+            </a:r>
+            <a:r>
+              <a:rPr lang="ru-RU" sz="1800" dirty="0"/>
+              <a:t>масштабируемость этой модели, так как маршрутизаторы не должны </a:t>
+            </a:r>
+            <a:r>
+              <a:rPr lang="ru-RU" sz="1800" dirty="0" smtClean="0"/>
+              <a:t>запоминать </a:t>
+            </a:r>
+            <a:r>
+              <a:rPr lang="ru-RU" sz="1800" dirty="0"/>
+              <a:t>состояния каждого пользовательского потока. Высокая степень </a:t>
+            </a:r>
+            <a:r>
+              <a:rPr lang="ru-RU" sz="1800" dirty="0" smtClean="0"/>
+              <a:t>масштабируемости </a:t>
+            </a:r>
+            <a:r>
+              <a:rPr lang="ru-RU" sz="1800" dirty="0" err="1"/>
+              <a:t>Diffserv</a:t>
+            </a:r>
+            <a:r>
+              <a:rPr lang="ru-RU" sz="1800" dirty="0"/>
+              <a:t> обеспечивается также тем, что каждый </a:t>
+            </a:r>
+            <a:r>
+              <a:rPr lang="ru-RU" sz="1800" dirty="0" smtClean="0"/>
+              <a:t>маршрутизатор </a:t>
+            </a:r>
+            <a:r>
+              <a:rPr lang="ru-RU" sz="1800" dirty="0"/>
+              <a:t>самостоятельно </a:t>
+            </a:r>
+            <a:r>
+              <a:rPr lang="ru-RU" sz="1800" dirty="0" smtClean="0"/>
+              <a:t>принимает </a:t>
+            </a:r>
+            <a:r>
+              <a:rPr lang="ru-RU" sz="1800" dirty="0"/>
+              <a:t>решение о том, как он должен обслуживать тот или иной класс трафика, не </a:t>
+            </a:r>
+            <a:r>
+              <a:rPr lang="ru-RU" sz="1800" dirty="0" err="1"/>
+              <a:t>согласуя</a:t>
+            </a:r>
+            <a:r>
+              <a:rPr lang="ru-RU" sz="1800" dirty="0"/>
+              <a:t> </a:t>
+            </a:r>
+            <a:r>
+              <a:rPr lang="ru-RU" sz="1800" dirty="0" smtClean="0"/>
+              <a:t>свои </a:t>
+            </a:r>
+            <a:r>
+              <a:rPr lang="ru-RU" sz="1800" dirty="0"/>
+              <a:t>действия с другими маршрутизаторами. Такой подход назван </a:t>
+            </a:r>
+            <a:r>
+              <a:rPr lang="ru-RU" sz="1800" i="1" dirty="0"/>
+              <a:t>независимым </a:t>
+            </a:r>
+            <a:r>
+              <a:rPr lang="ru-RU" sz="1800" i="1" dirty="0" smtClean="0"/>
+              <a:t>поведением маршрутизаторов </a:t>
+            </a:r>
+            <a:r>
+              <a:rPr lang="ru-RU" sz="1800" dirty="0"/>
+              <a:t>(</a:t>
+            </a:r>
+            <a:r>
+              <a:rPr lang="en-US" sz="1800" dirty="0"/>
+              <a:t>Per Hop Behavior, </a:t>
+            </a:r>
+            <a:r>
+              <a:rPr lang="ru-RU" sz="1800" dirty="0"/>
+              <a:t>РНВ).</a:t>
+            </a:r>
+          </a:p>
+        </p:txBody>
+      </p:sp>
+    </p:spTree>
+    <p:extLst>
+      <p:ext uri="{BB962C8B-B14F-4D97-AF65-F5344CB8AC3E}">
+        <p14:creationId xmlns:p14="http://schemas.microsoft.com/office/powerpoint/2010/main" val="1228595248"/>
+      </p:ext>
+    </p:extLst>
+  </p:cSld>
+  <p:clrMapOvr>
+    <a:masterClrMapping/>
+  </p:clrMapOvr>
+  <p:timing>
+    <p:tnLst>
+      <p:par>
+        <p:cTn id="1" dur="indefinite" restart="never" nodeType="tmRoot"/>
+      </p:par>
+    </p:tnLst>
+  </p:timing>
+</p:sld>
+</file>
+
+<file path=ppt/slides/slide19.xml><?xml version="1.0" encoding="utf-8"?>
+<p:sld xmlns:a="http://schemas.openxmlformats.org/drawingml/2006/main" xmlns:r="http://schemas.openxmlformats.org/officeDocument/2006/relationships" xmlns:p="http://schemas.openxmlformats.org/presentationml/2006/main">
+  <p:cSld>
+    <p:spTree>
+      <p:nvGrpSpPr>
+        <p:cNvPr id="1" name=""/>
+        <p:cNvGrpSpPr/>
+        <p:nvPr/>
+      </p:nvGrpSpPr>
+      <p:grpSpPr>
+        <a:xfrm>
+          <a:off x="0" y="0"/>
+          <a:ext cx="0" cy="0"/>
+          <a:chOff x="0" y="0"/>
+          <a:chExt cx="0" cy="0"/>
+        </a:xfrm>
+      </p:grpSpPr>
+      <p:sp>
+        <p:nvSpPr>
+          <p:cNvPr id="11" name="Заголовок 1"/>
+          <p:cNvSpPr txBox="1">
+            <a:spLocks/>
+          </p:cNvSpPr>
+          <p:nvPr/>
+        </p:nvSpPr>
+        <p:spPr>
+          <a:xfrm>
+            <a:off x="683568" y="836712"/>
+            <a:ext cx="8280920" cy="1008112"/>
+          </a:xfrm>
+          <a:prstGeom prst="rect">
+            <a:avLst/>
+          </a:prstGeom>
+        </p:spPr>
+        <p:txBody>
+          <a:bodyPr/>
+          <a:lstStyle>
+            <a:lvl1pPr algn="l" rtl="0" fontAlgn="base">
+              <a:spcBef>
+                <a:spcPct val="0"/>
+              </a:spcBef>
+              <a:spcAft>
+                <a:spcPct val="0"/>
+              </a:spcAft>
+              <a:defRPr sz="4400">
+                <a:solidFill>
+                  <a:schemeClr val="tx2"/>
+                </a:solidFill>
+                <a:latin typeface="+mj-lt"/>
+                <a:ea typeface="+mj-ea"/>
+                <a:cs typeface="+mj-cs"/>
+              </a:defRPr>
+            </a:lvl1pPr>
+            <a:lvl2pPr algn="l" rtl="0" fontAlgn="base">
+              <a:spcBef>
+                <a:spcPct val="0"/>
+              </a:spcBef>
+              <a:spcAft>
+                <a:spcPct val="0"/>
+              </a:spcAft>
+              <a:defRPr sz="4400">
+                <a:solidFill>
+                  <a:schemeClr val="tx2"/>
+                </a:solidFill>
+                <a:latin typeface="Times New Roman" pitchFamily="18" charset="0"/>
+              </a:defRPr>
+            </a:lvl2pPr>
+            <a:lvl3pPr algn="l" rtl="0" fontAlgn="base">
+              <a:spcBef>
+                <a:spcPct val="0"/>
+              </a:spcBef>
+              <a:spcAft>
+                <a:spcPct val="0"/>
+              </a:spcAft>
+              <a:defRPr sz="4400">
+                <a:solidFill>
+                  <a:schemeClr val="tx2"/>
+                </a:solidFill>
+                <a:latin typeface="Times New Roman" pitchFamily="18" charset="0"/>
+              </a:defRPr>
+            </a:lvl3pPr>
+            <a:lvl4pPr algn="l" rtl="0" fontAlgn="base">
+              <a:spcBef>
+                <a:spcPct val="0"/>
+              </a:spcBef>
+              <a:spcAft>
+                <a:spcPct val="0"/>
+              </a:spcAft>
+              <a:defRPr sz="4400">
+                <a:solidFill>
+                  <a:schemeClr val="tx2"/>
+                </a:solidFill>
+                <a:latin typeface="Times New Roman" pitchFamily="18" charset="0"/>
+              </a:defRPr>
+            </a:lvl4pPr>
+            <a:lvl5pPr algn="l" rtl="0" fontAlgn="base">
+              <a:spcBef>
+                <a:spcPct val="0"/>
+              </a:spcBef>
+              <a:spcAft>
+                <a:spcPct val="0"/>
+              </a:spcAft>
+              <a:defRPr sz="4400">
+                <a:solidFill>
+                  <a:schemeClr val="tx2"/>
+                </a:solidFill>
+                <a:latin typeface="Times New Roman" pitchFamily="18" charset="0"/>
+              </a:defRPr>
+            </a:lvl5pPr>
+            <a:lvl6pPr marL="457200" algn="l" rtl="0" fontAlgn="base">
+              <a:spcBef>
+                <a:spcPct val="0"/>
+              </a:spcBef>
+              <a:spcAft>
+                <a:spcPct val="0"/>
+              </a:spcAft>
+              <a:defRPr sz="4400">
+                <a:solidFill>
+                  <a:schemeClr val="tx2"/>
+                </a:solidFill>
+                <a:latin typeface="Times New Roman" pitchFamily="18" charset="0"/>
+              </a:defRPr>
+            </a:lvl6pPr>
+            <a:lvl7pPr marL="914400" algn="l" rtl="0" fontAlgn="base">
+              <a:spcBef>
+                <a:spcPct val="0"/>
+              </a:spcBef>
+              <a:spcAft>
+                <a:spcPct val="0"/>
+              </a:spcAft>
+              <a:defRPr sz="4400">
+                <a:solidFill>
+                  <a:schemeClr val="tx2"/>
+                </a:solidFill>
+                <a:latin typeface="Times New Roman" pitchFamily="18" charset="0"/>
+              </a:defRPr>
+            </a:lvl7pPr>
+            <a:lvl8pPr marL="1371600" algn="l" rtl="0" fontAlgn="base">
+              <a:spcBef>
+                <a:spcPct val="0"/>
+              </a:spcBef>
+              <a:spcAft>
+                <a:spcPct val="0"/>
+              </a:spcAft>
+              <a:defRPr sz="4400">
+                <a:solidFill>
+                  <a:schemeClr val="tx2"/>
+                </a:solidFill>
+                <a:latin typeface="Times New Roman" pitchFamily="18" charset="0"/>
+              </a:defRPr>
+            </a:lvl8pPr>
+            <a:lvl9pPr marL="1828800" algn="l" rtl="0" fontAlgn="base">
+              <a:spcBef>
+                <a:spcPct val="0"/>
+              </a:spcBef>
+              <a:spcAft>
+                <a:spcPct val="0"/>
+              </a:spcAft>
+              <a:defRPr sz="4400">
+                <a:solidFill>
+                  <a:schemeClr val="tx2"/>
+                </a:solidFill>
+                <a:latin typeface="Times New Roman" pitchFamily="18" charset="0"/>
+              </a:defRPr>
+            </a:lvl9pPr>
+          </a:lstStyle>
+          <a:p>
+            <a:pPr algn="ctr">
+              <a:buClrTx/>
+              <a:buSzTx/>
+              <a:buFontTx/>
+              <a:buNone/>
+            </a:pPr>
+            <a:r>
+              <a:rPr kumimoji="0" lang="ru-RU" altLang="ru-RU" b="1" kern="0" dirty="0" smtClean="0"/>
+              <a:t>Маркировка трафика</a:t>
+            </a:r>
+            <a:endParaRPr kumimoji="0" lang="en-US" altLang="ru-RU" b="1" kern="0" dirty="0"/>
+          </a:p>
+        </p:txBody>
+      </p:sp>
+      <p:graphicFrame>
+        <p:nvGraphicFramePr>
+          <p:cNvPr id="5" name="Объект 4"/>
+          <p:cNvGraphicFramePr>
+            <a:graphicFrameLocks noChangeAspect="1"/>
+          </p:cNvGraphicFramePr>
+          <p:nvPr>
+            <p:extLst>
+              <p:ext uri="{D42A27DB-BD31-4B8C-83A1-F6EECF244321}">
+                <p14:modId xmlns:p14="http://schemas.microsoft.com/office/powerpoint/2010/main" val="2203439868"/>
+              </p:ext>
+            </p:extLst>
+          </p:nvPr>
+        </p:nvGraphicFramePr>
+        <p:xfrm>
+          <a:off x="2321905" y="1916832"/>
+          <a:ext cx="4692650" cy="2419350"/>
+        </p:xfrm>
+        <a:graphic>
+          <a:graphicData uri="http://schemas.openxmlformats.org/presentationml/2006/ole">
+            <mc:AlternateContent xmlns:mc="http://schemas.openxmlformats.org/markup-compatibility/2006">
+              <mc:Choice xmlns:v="urn:schemas-microsoft-com:vml" Requires="v">
+                <p:oleObj spid="_x0000_s6157" name="CorelDRAW" r:id="rId3" imgW="3329026" imgH="1716634" progId="CorelDRAW.Graphic.11">
+                  <p:embed/>
+                </p:oleObj>
+              </mc:Choice>
+              <mc:Fallback>
+                <p:oleObj name="CorelDRAW" r:id="rId3" imgW="3329026" imgH="1716634" progId="CorelDRAW.Graphic.11">
+                  <p:embed/>
+                  <p:pic>
+                    <p:nvPicPr>
+                      <p:cNvPr id="2" name="Объект 1"/>
+                      <p:cNvPicPr>
+                        <a:picLocks noChangeAspect="1" noChangeArrowheads="1"/>
+                      </p:cNvPicPr>
+                      <p:nvPr/>
+                    </p:nvPicPr>
+                    <p:blipFill>
+                      <a:blip r:embed="rId4">
+                        <a:extLst>
+                          <a:ext uri="{28A0092B-C50C-407E-A947-70E740481C1C}">
+                            <a14:useLocalDpi xmlns:a14="http://schemas.microsoft.com/office/drawing/2010/main" val="0"/>
+                          </a:ext>
+                        </a:extLst>
+                      </a:blip>
+                      <a:srcRect/>
+                      <a:stretch>
+                        <a:fillRect/>
+                      </a:stretch>
+                    </p:blipFill>
+                    <p:spPr bwMode="auto">
+                      <a:xfrm>
+                        <a:off x="2321905" y="1916832"/>
+                        <a:ext cx="4692650" cy="2419350"/>
+                      </a:xfrm>
+                      <a:prstGeom prst="rect">
+                        <a:avLst/>
+                      </a:prstGeom>
+                      <a:noFill/>
+                      <a:ln>
+                        <a:noFill/>
+                      </a:ln>
+                      <a:effectLst/>
+                      <a:extLst>
+                        <a:ext uri="{909E8E84-426E-40DD-AFC4-6F175D3DCCD1}">
+                          <a14:hiddenFill xmlns:a14="http://schemas.microsoft.com/office/drawing/2010/main">
+                            <a:solidFill>
+                              <a:schemeClr val="accent1"/>
+                            </a:solidFill>
+                          </a14:hiddenFill>
+                        </a:ext>
+                        <a:ext uri="{91240B29-F687-4F45-9708-019B960494DF}">
+                          <a14:hiddenLine xmlns:a14="http://schemas.microsoft.com/office/drawing/2010/main" w="9525">
+                            <a:solidFill>
+                              <a:schemeClr val="tx1"/>
+                            </a:solidFill>
+                            <a:miter lim="800000"/>
+                            <a:headEnd/>
+                            <a:tailEnd/>
+                          </a14:hiddenLine>
+                        </a:ext>
+                        <a:ext uri="{AF507438-7753-43E0-B8FC-AC1667EBCBE1}">
+                          <a14:hiddenEffects xmlns:a14="http://schemas.microsoft.com/office/drawing/2010/main">
+                            <a:effectLst>
+                              <a:outerShdw dist="35921" dir="2700000" algn="ctr" rotWithShape="0">
+                                <a:schemeClr val="bg2"/>
+                              </a:outerShdw>
+                            </a:effectLst>
+                          </a14:hiddenEffects>
+                        </a:ext>
+                      </a:extLst>
+                    </p:spPr>
+                  </p:pic>
+                </p:oleObj>
+              </mc:Fallback>
+            </mc:AlternateContent>
+          </a:graphicData>
+        </a:graphic>
+      </p:graphicFrame>
+      <p:sp>
+        <p:nvSpPr>
+          <p:cNvPr id="7" name="Овал 6"/>
+          <p:cNvSpPr/>
+          <p:nvPr/>
+        </p:nvSpPr>
+        <p:spPr bwMode="auto">
+          <a:xfrm>
+            <a:off x="3419872" y="1905422"/>
+            <a:ext cx="1296144" cy="720080"/>
+          </a:xfrm>
+          <a:prstGeom prst="ellipse">
+            <a:avLst/>
+          </a:prstGeom>
+          <a:noFill/>
+          <a:ln w="38100" cap="flat" cmpd="sng" algn="ctr">
+            <a:solidFill>
+              <a:srgbClr val="7030A0"/>
+            </a:solidFill>
+            <a:prstDash val="solid"/>
+            <a:round/>
+            <a:headEnd type="none" w="med" len="med"/>
+            <a:tailEnd type="none" w="med" len="med"/>
+          </a:ln>
+          <a:effectLst/>
+          <a:extLst>
+            <a:ext uri="{909E8E84-426E-40DD-AFC4-6F175D3DCCD1}">
+              <a14:hiddenFill xmlns:a14="http://schemas.microsoft.com/office/drawing/2010/main">
+                <a:solidFill>
+                  <a:schemeClr val="accent1"/>
+                </a:solidFill>
+              </a14:hiddenFill>
+            </a:ext>
+            <a:ext uri="{AF507438-7753-43E0-B8FC-AC1667EBCBE1}">
+              <a14:hiddenEffects xmlns:a14="http://schemas.microsoft.com/office/drawing/2010/main">
+                <a:effectLst>
+                  <a:outerShdw dist="35921" dir="2700000" algn="ctr" rotWithShape="0">
+                    <a:schemeClr val="bg2"/>
+                  </a:outerShdw>
+                </a:effectLst>
+              </a14:hiddenEffects>
+            </a:ext>
+          </a:extLst>
+        </p:spPr>
+        <p:txBody>
+          <a:bodyPr vert="horz" wrap="square" lIns="91440" tIns="45720" rIns="91440" bIns="0" numCol="1" rtlCol="0" anchor="t" anchorCtr="0" compatLnSpc="1">
+            <a:prstTxWarp prst="textNoShape">
+              <a:avLst/>
+            </a:prstTxWarp>
+          </a:bodyPr>
+          <a:lstStyle/>
+          <a:p>
+            <a:pPr marL="457200" marR="0" indent="-457200" algn="l" defTabSz="914400" rtl="0" eaLnBrk="1" fontAlgn="base" latinLnBrk="0" hangingPunct="1">
+              <a:lnSpc>
+                <a:spcPct val="100000"/>
+              </a:lnSpc>
+              <a:spcBef>
+                <a:spcPct val="20000"/>
+              </a:spcBef>
+              <a:spcAft>
+                <a:spcPct val="0"/>
+              </a:spcAft>
+              <a:buClr>
+                <a:srgbClr val="A50021"/>
+              </a:buClr>
+              <a:buSzPct val="75000"/>
+              <a:buFont typeface="Wingdings" pitchFamily="2" charset="2"/>
+              <a:buChar char="n"/>
+              <a:tabLst/>
+            </a:pPr>
+            <a:endParaRPr kumimoji="1" lang="ru-RU" sz="2000" b="0" i="0" u="none" strike="noStrike" cap="none" normalizeH="0" baseline="0" smtClean="0">
+              <a:ln>
+                <a:noFill/>
+              </a:ln>
+              <a:solidFill>
+                <a:schemeClr val="tx1"/>
+              </a:solidFill>
+              <a:effectLst/>
+              <a:latin typeface="Times New Roman" pitchFamily="18" charset="0"/>
+              <a:cs typeface="Times New Roman" pitchFamily="18" charset="0"/>
+            </a:endParaRPr>
+          </a:p>
+        </p:txBody>
+      </p:sp>
+      <p:sp>
+        <p:nvSpPr>
+          <p:cNvPr id="10" name="TextBox 9"/>
+          <p:cNvSpPr txBox="1"/>
+          <p:nvPr/>
+        </p:nvSpPr>
+        <p:spPr>
+          <a:xfrm>
+            <a:off x="1123415" y="1920792"/>
+            <a:ext cx="936104" cy="498598"/>
+          </a:xfrm>
+          <a:prstGeom prst="rect">
+            <a:avLst/>
+          </a:prstGeom>
+          <a:noFill/>
+        </p:spPr>
+        <p:txBody>
+          <a:bodyPr wrap="square" rtlCol="0">
+            <a:spAutoFit/>
+          </a:bodyPr>
+          <a:lstStyle/>
+          <a:p>
+            <a:r>
+              <a:rPr lang="en-US" sz="1200" dirty="0" smtClean="0"/>
+              <a:t>IPv4</a:t>
+            </a:r>
+          </a:p>
+          <a:p>
+            <a:r>
+              <a:rPr lang="en-US" sz="1200" dirty="0" smtClean="0"/>
+              <a:t>IPv6</a:t>
+            </a:r>
+            <a:endParaRPr lang="ru-RU" sz="1200" dirty="0"/>
+          </a:p>
+        </p:txBody>
+      </p:sp>
+      <p:sp>
+        <p:nvSpPr>
+          <p:cNvPr id="2" name="Стрелка вправо 1"/>
+          <p:cNvSpPr/>
+          <p:nvPr/>
+        </p:nvSpPr>
+        <p:spPr bwMode="auto">
+          <a:xfrm rot="10800000">
+            <a:off x="1686656" y="2062079"/>
+            <a:ext cx="504056" cy="216024"/>
+          </a:xfrm>
+          <a:prstGeom prst="rightArrow">
+            <a:avLst/>
+          </a:prstGeom>
+          <a:noFill/>
+          <a:ln w="9525" cap="flat" cmpd="sng" algn="ctr">
+            <a:solidFill>
+              <a:schemeClr val="tx1"/>
+            </a:solidFill>
+            <a:prstDash val="solid"/>
+            <a:round/>
+            <a:headEnd type="none" w="med" len="med"/>
+            <a:tailEnd type="none" w="med" len="med"/>
+          </a:ln>
+          <a:effectLst/>
+          <a:extLst>
+            <a:ext uri="{909E8E84-426E-40DD-AFC4-6F175D3DCCD1}">
+              <a14:hiddenFill xmlns:a14="http://schemas.microsoft.com/office/drawing/2010/main">
+                <a:solidFill>
+                  <a:schemeClr val="accent1"/>
+                </a:solidFill>
+              </a14:hiddenFill>
+            </a:ext>
+            <a:ext uri="{AF507438-7753-43E0-B8FC-AC1667EBCBE1}">
+              <a14:hiddenEffects xmlns:a14="http://schemas.microsoft.com/office/drawing/2010/main">
+                <a:effectLst>
+                  <a:outerShdw dist="35921" dir="2700000" algn="ctr" rotWithShape="0">
+                    <a:schemeClr val="bg2"/>
+                  </a:outerShdw>
+                </a:effectLst>
+              </a14:hiddenEffects>
+            </a:ext>
+          </a:extLst>
+        </p:spPr>
+        <p:txBody>
+          <a:bodyPr vert="horz" wrap="square" lIns="91440" tIns="45720" rIns="91440" bIns="0" numCol="1" rtlCol="0" anchor="t" anchorCtr="0" compatLnSpc="1">
+            <a:prstTxWarp prst="textNoShape">
+              <a:avLst/>
+            </a:prstTxWarp>
+          </a:bodyPr>
+          <a:lstStyle/>
+          <a:p>
+            <a:pPr marL="457200" marR="0" indent="-457200" algn="l" defTabSz="914400" rtl="0" eaLnBrk="1" fontAlgn="base" latinLnBrk="0" hangingPunct="1">
+              <a:lnSpc>
+                <a:spcPct val="100000"/>
+              </a:lnSpc>
+              <a:spcBef>
+                <a:spcPct val="20000"/>
+              </a:spcBef>
+              <a:spcAft>
+                <a:spcPct val="0"/>
+              </a:spcAft>
+              <a:buClr>
+                <a:srgbClr val="A50021"/>
+              </a:buClr>
+              <a:buSzPct val="75000"/>
+              <a:buFont typeface="Wingdings" pitchFamily="2" charset="2"/>
+              <a:buChar char="n"/>
+              <a:tabLst/>
+            </a:pPr>
+            <a:endParaRPr kumimoji="1" lang="ru-RU" sz="2000" b="0" i="0" u="none" strike="noStrike" cap="none" normalizeH="0" baseline="0" smtClean="0">
+              <a:ln>
+                <a:noFill/>
+              </a:ln>
+              <a:solidFill>
+                <a:schemeClr val="tx1"/>
+              </a:solidFill>
+              <a:effectLst/>
+              <a:latin typeface="Times New Roman" pitchFamily="18" charset="0"/>
+              <a:cs typeface="Times New Roman" pitchFamily="18" charset="0"/>
+            </a:endParaRPr>
+          </a:p>
+        </p:txBody>
+      </p:sp>
+      <p:pic>
+        <p:nvPicPr>
+          <p:cNvPr id="6146" name="Picture 2" descr="The IP ToS Byte (DSCP and IP ECN)"/>
+          <p:cNvPicPr>
+            <a:picLocks noChangeAspect="1" noChangeArrowheads="1"/>
+          </p:cNvPicPr>
+          <p:nvPr/>
+        </p:nvPicPr>
+        <p:blipFill>
+          <a:blip r:embed="rId5">
+            <a:extLst>
+              <a:ext uri="{28A0092B-C50C-407E-A947-70E740481C1C}">
+                <a14:useLocalDpi xmlns:a14="http://schemas.microsoft.com/office/drawing/2010/main" val="0"/>
+              </a:ext>
+            </a:extLst>
+          </a:blip>
+          <a:srcRect/>
+          <a:stretch>
+            <a:fillRect/>
+          </a:stretch>
+        </p:blipFill>
+        <p:spPr bwMode="auto">
+          <a:xfrm>
+            <a:off x="539552" y="4459558"/>
+            <a:ext cx="7632848" cy="2305758"/>
+          </a:xfrm>
+          <a:prstGeom prst="rect">
+            <a:avLst/>
+          </a:prstGeom>
+          <a:noFill/>
+          <a:extLst>
+            <a:ext uri="{909E8E84-426E-40DD-AFC4-6F175D3DCCD1}">
+              <a14:hiddenFill xmlns:a14="http://schemas.microsoft.com/office/drawing/2010/main">
+                <a:solidFill>
+                  <a:srgbClr val="FFFFFF"/>
+                </a:solidFill>
+              </a14:hiddenFill>
+            </a:ext>
+          </a:extLst>
+        </p:spPr>
+      </p:pic>
+      <p:sp>
+        <p:nvSpPr>
+          <p:cNvPr id="3" name="AutoShape 4" descr="Eugeneer's Media Cloud World: Что такое ToS, CoS, QoS и DSCP."/>
+          <p:cNvSpPr>
+            <a:spLocks noChangeAspect="1" noChangeArrowheads="1"/>
+          </p:cNvSpPr>
+          <p:nvPr/>
+        </p:nvSpPr>
+        <p:spPr bwMode="auto">
+          <a:xfrm>
+            <a:off x="63500" y="-136525"/>
+            <a:ext cx="304800" cy="304800"/>
+          </a:xfrm>
+          <a:prstGeom prst="rect">
+            <a:avLst/>
+          </a:prstGeom>
+          <a:noFill/>
+          <a:extLst>
+            <a:ext uri="{909E8E84-426E-40DD-AFC4-6F175D3DCCD1}">
+              <a14:hiddenFill xmlns:a14="http://schemas.microsoft.com/office/drawing/2010/main">
+                <a:solidFill>
+                  <a:srgbClr val="FFFFFF"/>
+                </a:solidFill>
+              </a14:hiddenFill>
+            </a:ext>
+          </a:extLst>
+        </p:spPr>
+        <p:txBody>
+          <a:bodyPr vert="horz" wrap="square" lIns="91440" tIns="45720" rIns="91440" bIns="45720" numCol="1" anchor="t" anchorCtr="0" compatLnSpc="1">
+            <a:prstTxWarp prst="textNoShape">
+              <a:avLst/>
+            </a:prstTxWarp>
+          </a:bodyPr>
+          <a:lstStyle/>
+          <a:p>
+            <a:endParaRPr lang="ru-RU"/>
+          </a:p>
+        </p:txBody>
+      </p:sp>
+      <p:sp>
+        <p:nvSpPr>
+          <p:cNvPr id="14" name="AutoShape 6" descr="tos"/>
+          <p:cNvSpPr>
+            <a:spLocks noChangeAspect="1" noChangeArrowheads="1"/>
+          </p:cNvSpPr>
+          <p:nvPr/>
+        </p:nvSpPr>
+        <p:spPr bwMode="auto">
+          <a:xfrm>
+            <a:off x="155575" y="-144463"/>
+            <a:ext cx="304800" cy="304801"/>
+          </a:xfrm>
+          <a:prstGeom prst="rect">
+            <a:avLst/>
+          </a:prstGeom>
+          <a:noFill/>
+          <a:extLst>
+            <a:ext uri="{909E8E84-426E-40DD-AFC4-6F175D3DCCD1}">
+              <a14:hiddenFill xmlns:a14="http://schemas.microsoft.com/office/drawing/2010/main">
+                <a:solidFill>
+                  <a:srgbClr val="FFFFFF"/>
+                </a:solidFill>
+              </a14:hiddenFill>
+            </a:ext>
+          </a:extLst>
+        </p:spPr>
+        <p:txBody>
+          <a:bodyPr vert="horz" wrap="square" lIns="91440" tIns="45720" rIns="91440" bIns="45720" numCol="1" anchor="t" anchorCtr="0" compatLnSpc="1">
+            <a:prstTxWarp prst="textNoShape">
+              <a:avLst/>
+            </a:prstTxWarp>
+          </a:bodyPr>
+          <a:lstStyle/>
+          <a:p>
+            <a:endParaRPr lang="ru-RU"/>
+          </a:p>
+        </p:txBody>
+      </p:sp>
+      <p:pic>
+        <p:nvPicPr>
+          <p:cNvPr id="15" name="Рисунок 14"/>
+          <p:cNvPicPr>
+            <a:picLocks noChangeAspect="1"/>
+          </p:cNvPicPr>
+          <p:nvPr/>
+        </p:nvPicPr>
+        <p:blipFill>
+          <a:blip r:embed="rId6">
+            <a:extLst>
+              <a:ext uri="{28A0092B-C50C-407E-A947-70E740481C1C}">
+                <a14:useLocalDpi xmlns:a14="http://schemas.microsoft.com/office/drawing/2010/main" val="0"/>
+              </a:ext>
+            </a:extLst>
+          </a:blip>
+          <a:stretch>
+            <a:fillRect/>
+          </a:stretch>
+        </p:blipFill>
+        <p:spPr>
+          <a:xfrm>
+            <a:off x="5322367" y="5013176"/>
+            <a:ext cx="3384376" cy="1705238"/>
+          </a:xfrm>
+          <a:prstGeom prst="rect">
+            <a:avLst/>
+          </a:prstGeom>
+          <a:effectLst>
+            <a:outerShdw blurRad="50800" dist="38100" dir="2700000" algn="tl" rotWithShape="0">
+              <a:prstClr val="black">
+                <a:alpha val="40000"/>
+              </a:prstClr>
+            </a:outerShdw>
+          </a:effectLst>
+        </p:spPr>
+      </p:pic>
+    </p:spTree>
+    <p:extLst>
+      <p:ext uri="{BB962C8B-B14F-4D97-AF65-F5344CB8AC3E}">
+        <p14:creationId xmlns:p14="http://schemas.microsoft.com/office/powerpoint/2010/main" val="1321418819"/>
+      </p:ext>
+    </p:extLst>
+  </p:cSld>
+  <p:clrMapOvr>
+    <a:masterClrMapping/>
+  </p:clrMapOvr>
+  <p:timing>
+    <p:tnLst>
+      <p:par>
+        <p:cTn id="1" dur="indefinite" restart="never" nodeType="tmRoot"/>
+      </p:par>
+    </p:tnLst>
+  </p:timing>
+</p:sld>
+</file>
+
 <file path=ppt/slides/slide2.xml><?xml version="1.0" encoding="utf-8"?>
 <p:sld xmlns:a="http://schemas.openxmlformats.org/drawingml/2006/main" xmlns:r="http://schemas.openxmlformats.org/officeDocument/2006/relationships" xmlns:p="http://schemas.openxmlformats.org/presentationml/2006/main">
   <p:cSld>
@@ -10457,6 +11523,3085 @@
         </p:spPr>
       </p:pic>
     </p:spTree>
+  </p:cSld>
+  <p:clrMapOvr>
+    <a:masterClrMapping/>
+  </p:clrMapOvr>
+  <p:timing>
+    <p:tnLst>
+      <p:par>
+        <p:cTn id="1" dur="indefinite" restart="never" nodeType="tmRoot"/>
+      </p:par>
+    </p:tnLst>
+  </p:timing>
+</p:sld>
+</file>
+
+<file path=ppt/slides/slide20.xml><?xml version="1.0" encoding="utf-8"?>
+<p:sld xmlns:a="http://schemas.openxmlformats.org/drawingml/2006/main" xmlns:r="http://schemas.openxmlformats.org/officeDocument/2006/relationships" xmlns:p="http://schemas.openxmlformats.org/presentationml/2006/main">
+  <p:cSld>
+    <p:spTree>
+      <p:nvGrpSpPr>
+        <p:cNvPr id="1" name=""/>
+        <p:cNvGrpSpPr/>
+        <p:nvPr/>
+      </p:nvGrpSpPr>
+      <p:grpSpPr>
+        <a:xfrm>
+          <a:off x="0" y="0"/>
+          <a:ext cx="0" cy="0"/>
+          <a:chOff x="0" y="0"/>
+          <a:chExt cx="0" cy="0"/>
+        </a:xfrm>
+      </p:grpSpPr>
+      <p:sp>
+        <p:nvSpPr>
+          <p:cNvPr id="11" name="Заголовок 1"/>
+          <p:cNvSpPr txBox="1">
+            <a:spLocks/>
+          </p:cNvSpPr>
+          <p:nvPr/>
+        </p:nvSpPr>
+        <p:spPr>
+          <a:xfrm>
+            <a:off x="683568" y="836712"/>
+            <a:ext cx="8280920" cy="1008112"/>
+          </a:xfrm>
+          <a:prstGeom prst="rect">
+            <a:avLst/>
+          </a:prstGeom>
+        </p:spPr>
+        <p:txBody>
+          <a:bodyPr/>
+          <a:lstStyle>
+            <a:lvl1pPr algn="l" rtl="0" fontAlgn="base">
+              <a:spcBef>
+                <a:spcPct val="0"/>
+              </a:spcBef>
+              <a:spcAft>
+                <a:spcPct val="0"/>
+              </a:spcAft>
+              <a:defRPr sz="4400">
+                <a:solidFill>
+                  <a:schemeClr val="tx2"/>
+                </a:solidFill>
+                <a:latin typeface="+mj-lt"/>
+                <a:ea typeface="+mj-ea"/>
+                <a:cs typeface="+mj-cs"/>
+              </a:defRPr>
+            </a:lvl1pPr>
+            <a:lvl2pPr algn="l" rtl="0" fontAlgn="base">
+              <a:spcBef>
+                <a:spcPct val="0"/>
+              </a:spcBef>
+              <a:spcAft>
+                <a:spcPct val="0"/>
+              </a:spcAft>
+              <a:defRPr sz="4400">
+                <a:solidFill>
+                  <a:schemeClr val="tx2"/>
+                </a:solidFill>
+                <a:latin typeface="Times New Roman" pitchFamily="18" charset="0"/>
+              </a:defRPr>
+            </a:lvl2pPr>
+            <a:lvl3pPr algn="l" rtl="0" fontAlgn="base">
+              <a:spcBef>
+                <a:spcPct val="0"/>
+              </a:spcBef>
+              <a:spcAft>
+                <a:spcPct val="0"/>
+              </a:spcAft>
+              <a:defRPr sz="4400">
+                <a:solidFill>
+                  <a:schemeClr val="tx2"/>
+                </a:solidFill>
+                <a:latin typeface="Times New Roman" pitchFamily="18" charset="0"/>
+              </a:defRPr>
+            </a:lvl3pPr>
+            <a:lvl4pPr algn="l" rtl="0" fontAlgn="base">
+              <a:spcBef>
+                <a:spcPct val="0"/>
+              </a:spcBef>
+              <a:spcAft>
+                <a:spcPct val="0"/>
+              </a:spcAft>
+              <a:defRPr sz="4400">
+                <a:solidFill>
+                  <a:schemeClr val="tx2"/>
+                </a:solidFill>
+                <a:latin typeface="Times New Roman" pitchFamily="18" charset="0"/>
+              </a:defRPr>
+            </a:lvl4pPr>
+            <a:lvl5pPr algn="l" rtl="0" fontAlgn="base">
+              <a:spcBef>
+                <a:spcPct val="0"/>
+              </a:spcBef>
+              <a:spcAft>
+                <a:spcPct val="0"/>
+              </a:spcAft>
+              <a:defRPr sz="4400">
+                <a:solidFill>
+                  <a:schemeClr val="tx2"/>
+                </a:solidFill>
+                <a:latin typeface="Times New Roman" pitchFamily="18" charset="0"/>
+              </a:defRPr>
+            </a:lvl5pPr>
+            <a:lvl6pPr marL="457200" algn="l" rtl="0" fontAlgn="base">
+              <a:spcBef>
+                <a:spcPct val="0"/>
+              </a:spcBef>
+              <a:spcAft>
+                <a:spcPct val="0"/>
+              </a:spcAft>
+              <a:defRPr sz="4400">
+                <a:solidFill>
+                  <a:schemeClr val="tx2"/>
+                </a:solidFill>
+                <a:latin typeface="Times New Roman" pitchFamily="18" charset="0"/>
+              </a:defRPr>
+            </a:lvl6pPr>
+            <a:lvl7pPr marL="914400" algn="l" rtl="0" fontAlgn="base">
+              <a:spcBef>
+                <a:spcPct val="0"/>
+              </a:spcBef>
+              <a:spcAft>
+                <a:spcPct val="0"/>
+              </a:spcAft>
+              <a:defRPr sz="4400">
+                <a:solidFill>
+                  <a:schemeClr val="tx2"/>
+                </a:solidFill>
+                <a:latin typeface="Times New Roman" pitchFamily="18" charset="0"/>
+              </a:defRPr>
+            </a:lvl7pPr>
+            <a:lvl8pPr marL="1371600" algn="l" rtl="0" fontAlgn="base">
+              <a:spcBef>
+                <a:spcPct val="0"/>
+              </a:spcBef>
+              <a:spcAft>
+                <a:spcPct val="0"/>
+              </a:spcAft>
+              <a:defRPr sz="4400">
+                <a:solidFill>
+                  <a:schemeClr val="tx2"/>
+                </a:solidFill>
+                <a:latin typeface="Times New Roman" pitchFamily="18" charset="0"/>
+              </a:defRPr>
+            </a:lvl8pPr>
+            <a:lvl9pPr marL="1828800" algn="l" rtl="0" fontAlgn="base">
+              <a:spcBef>
+                <a:spcPct val="0"/>
+              </a:spcBef>
+              <a:spcAft>
+                <a:spcPct val="0"/>
+              </a:spcAft>
+              <a:defRPr sz="4400">
+                <a:solidFill>
+                  <a:schemeClr val="tx2"/>
+                </a:solidFill>
+                <a:latin typeface="Times New Roman" pitchFamily="18" charset="0"/>
+              </a:defRPr>
+            </a:lvl9pPr>
+          </a:lstStyle>
+          <a:p>
+            <a:pPr algn="ctr">
+              <a:buClrTx/>
+              <a:buSzTx/>
+              <a:buFontTx/>
+              <a:buNone/>
+            </a:pPr>
+            <a:r>
+              <a:rPr kumimoji="0" lang="en-US" altLang="ru-RU" b="1" kern="0" smtClean="0"/>
+              <a:t>Multicast: </a:t>
+            </a:r>
+            <a:r>
+              <a:rPr kumimoji="0" lang="ru-RU" altLang="ru-RU" b="1" kern="0" smtClean="0"/>
+              <a:t>Групповое вещание</a:t>
+            </a:r>
+            <a:endParaRPr kumimoji="0" lang="en-US" altLang="ru-RU" b="1" kern="0" dirty="0"/>
+          </a:p>
+        </p:txBody>
+      </p:sp>
+      <p:sp>
+        <p:nvSpPr>
+          <p:cNvPr id="3" name="AutoShape 4" descr="Eugeneer's Media Cloud World: Что такое ToS, CoS, QoS и DSCP."/>
+          <p:cNvSpPr>
+            <a:spLocks noChangeAspect="1" noChangeArrowheads="1"/>
+          </p:cNvSpPr>
+          <p:nvPr/>
+        </p:nvSpPr>
+        <p:spPr bwMode="auto">
+          <a:xfrm>
+            <a:off x="63500" y="-136525"/>
+            <a:ext cx="304800" cy="304800"/>
+          </a:xfrm>
+          <a:prstGeom prst="rect">
+            <a:avLst/>
+          </a:prstGeom>
+          <a:noFill/>
+          <a:extLst>
+            <a:ext uri="{909E8E84-426E-40DD-AFC4-6F175D3DCCD1}">
+              <a14:hiddenFill xmlns:a14="http://schemas.microsoft.com/office/drawing/2010/main">
+                <a:solidFill>
+                  <a:srgbClr val="FFFFFF"/>
+                </a:solidFill>
+              </a14:hiddenFill>
+            </a:ext>
+          </a:extLst>
+        </p:spPr>
+        <p:txBody>
+          <a:bodyPr vert="horz" wrap="square" lIns="91440" tIns="45720" rIns="91440" bIns="45720" numCol="1" anchor="t" anchorCtr="0" compatLnSpc="1">
+            <a:prstTxWarp prst="textNoShape">
+              <a:avLst/>
+            </a:prstTxWarp>
+          </a:bodyPr>
+          <a:lstStyle/>
+          <a:p>
+            <a:endParaRPr lang="ru-RU"/>
+          </a:p>
+        </p:txBody>
+      </p:sp>
+      <p:sp>
+        <p:nvSpPr>
+          <p:cNvPr id="14" name="AutoShape 6" descr="tos"/>
+          <p:cNvSpPr>
+            <a:spLocks noChangeAspect="1" noChangeArrowheads="1"/>
+          </p:cNvSpPr>
+          <p:nvPr/>
+        </p:nvSpPr>
+        <p:spPr bwMode="auto">
+          <a:xfrm>
+            <a:off x="155575" y="-144463"/>
+            <a:ext cx="304800" cy="304801"/>
+          </a:xfrm>
+          <a:prstGeom prst="rect">
+            <a:avLst/>
+          </a:prstGeom>
+          <a:noFill/>
+          <a:extLst>
+            <a:ext uri="{909E8E84-426E-40DD-AFC4-6F175D3DCCD1}">
+              <a14:hiddenFill xmlns:a14="http://schemas.microsoft.com/office/drawing/2010/main">
+                <a:solidFill>
+                  <a:srgbClr val="FFFFFF"/>
+                </a:solidFill>
+              </a14:hiddenFill>
+            </a:ext>
+          </a:extLst>
+        </p:spPr>
+        <p:txBody>
+          <a:bodyPr vert="horz" wrap="square" lIns="91440" tIns="45720" rIns="91440" bIns="45720" numCol="1" anchor="t" anchorCtr="0" compatLnSpc="1">
+            <a:prstTxWarp prst="textNoShape">
+              <a:avLst/>
+            </a:prstTxWarp>
+          </a:bodyPr>
+          <a:lstStyle/>
+          <a:p>
+            <a:endParaRPr lang="ru-RU"/>
+          </a:p>
+        </p:txBody>
+      </p:sp>
+      <p:sp>
+        <p:nvSpPr>
+          <p:cNvPr id="4" name="Прямоугольник 3"/>
+          <p:cNvSpPr/>
+          <p:nvPr/>
+        </p:nvSpPr>
+        <p:spPr>
+          <a:xfrm>
+            <a:off x="546636" y="2492896"/>
+            <a:ext cx="8424936" cy="3354765"/>
+          </a:xfrm>
+          <a:prstGeom prst="rect">
+            <a:avLst/>
+          </a:prstGeom>
+        </p:spPr>
+        <p:txBody>
+          <a:bodyPr wrap="square">
+            <a:spAutoFit/>
+          </a:bodyPr>
+          <a:lstStyle/>
+          <a:p>
+            <a:pPr marL="342900" indent="-342900" algn="just"/>
+            <a:r>
+              <a:rPr lang="ru-RU" b="1" dirty="0" err="1">
+                <a:solidFill>
+                  <a:srgbClr val="111111"/>
+                </a:solidFill>
+                <a:latin typeface="-apple-system"/>
+              </a:rPr>
+              <a:t>Unicast</a:t>
+            </a:r>
+            <a:r>
+              <a:rPr lang="ru-RU" dirty="0">
+                <a:solidFill>
+                  <a:srgbClr val="111111"/>
+                </a:solidFill>
+                <a:latin typeface="-apple-system"/>
+              </a:rPr>
+              <a:t> — одноадресная рассылка — один отправитель, один получатель. (</a:t>
+            </a:r>
+            <a:r>
+              <a:rPr lang="ru-RU" i="1" dirty="0">
+                <a:solidFill>
+                  <a:srgbClr val="111111"/>
+                </a:solidFill>
+                <a:latin typeface="-apple-system"/>
+              </a:rPr>
+              <a:t>Пример: запрос HTTP-странички у WEB-сервера</a:t>
+            </a:r>
+            <a:r>
+              <a:rPr lang="ru-RU" dirty="0" smtClean="0">
+                <a:solidFill>
+                  <a:srgbClr val="111111"/>
+                </a:solidFill>
+                <a:latin typeface="-apple-system"/>
+              </a:rPr>
+              <a:t>).</a:t>
+            </a:r>
+            <a:endParaRPr lang="en-US" dirty="0" smtClean="0">
+              <a:solidFill>
+                <a:srgbClr val="111111"/>
+              </a:solidFill>
+              <a:latin typeface="-apple-system"/>
+            </a:endParaRPr>
+          </a:p>
+          <a:p>
+            <a:pPr marL="342900" indent="-342900" algn="just"/>
+            <a:r>
+              <a:rPr lang="ru-RU" b="1" dirty="0" err="1" smtClean="0">
+                <a:solidFill>
+                  <a:srgbClr val="111111"/>
+                </a:solidFill>
+                <a:latin typeface="-apple-system"/>
+              </a:rPr>
+              <a:t>Broadcast</a:t>
+            </a:r>
+            <a:r>
+              <a:rPr lang="ru-RU" dirty="0">
+                <a:solidFill>
+                  <a:srgbClr val="111111"/>
+                </a:solidFill>
+                <a:latin typeface="-apple-system"/>
+              </a:rPr>
+              <a:t> — широковещательная рассылка — один отправитель, получатели — все устройства в широковещательном сегменте. (</a:t>
+            </a:r>
+            <a:r>
+              <a:rPr lang="ru-RU" i="1" dirty="0">
+                <a:solidFill>
+                  <a:srgbClr val="111111"/>
+                </a:solidFill>
+                <a:latin typeface="-apple-system"/>
+              </a:rPr>
+              <a:t>Пример: ARP-запрос</a:t>
+            </a:r>
+            <a:r>
+              <a:rPr lang="ru-RU" dirty="0" smtClean="0">
+                <a:solidFill>
+                  <a:srgbClr val="111111"/>
+                </a:solidFill>
+                <a:latin typeface="-apple-system"/>
+              </a:rPr>
+              <a:t>).</a:t>
+            </a:r>
+            <a:endParaRPr lang="en-US" dirty="0" smtClean="0">
+              <a:solidFill>
+                <a:srgbClr val="111111"/>
+              </a:solidFill>
+              <a:latin typeface="-apple-system"/>
+            </a:endParaRPr>
+          </a:p>
+          <a:p>
+            <a:pPr marL="342900" indent="-342900" algn="just"/>
+            <a:r>
+              <a:rPr lang="ru-RU" b="1" dirty="0" err="1" smtClean="0">
+                <a:solidFill>
+                  <a:srgbClr val="111111"/>
+                </a:solidFill>
+                <a:latin typeface="-apple-system"/>
+              </a:rPr>
+              <a:t>Multicast</a:t>
+            </a:r>
+            <a:r>
+              <a:rPr lang="ru-RU" dirty="0">
+                <a:solidFill>
+                  <a:srgbClr val="111111"/>
+                </a:solidFill>
+                <a:latin typeface="-apple-system"/>
+              </a:rPr>
+              <a:t> — многоадресная рассылка — один отправитель, много получателей. (</a:t>
+            </a:r>
+            <a:r>
+              <a:rPr lang="ru-RU" i="1" dirty="0">
+                <a:solidFill>
+                  <a:srgbClr val="111111"/>
+                </a:solidFill>
+                <a:latin typeface="-apple-system"/>
+              </a:rPr>
+              <a:t>Пример: IPTV</a:t>
+            </a:r>
+            <a:r>
+              <a:rPr lang="ru-RU" dirty="0" smtClean="0">
+                <a:solidFill>
+                  <a:srgbClr val="111111"/>
+                </a:solidFill>
+                <a:latin typeface="-apple-system"/>
+              </a:rPr>
+              <a:t>).</a:t>
+            </a:r>
+            <a:endParaRPr lang="en-US" dirty="0" smtClean="0">
+              <a:solidFill>
+                <a:srgbClr val="111111"/>
+              </a:solidFill>
+              <a:latin typeface="-apple-system"/>
+            </a:endParaRPr>
+          </a:p>
+          <a:p>
+            <a:pPr marL="342900" indent="-342900" algn="just"/>
+            <a:r>
+              <a:rPr lang="ru-RU" b="1" dirty="0" err="1" smtClean="0">
+                <a:solidFill>
+                  <a:srgbClr val="111111"/>
+                </a:solidFill>
+                <a:latin typeface="-apple-system"/>
+              </a:rPr>
+              <a:t>Anycast</a:t>
+            </a:r>
+            <a:r>
+              <a:rPr lang="ru-RU" dirty="0">
+                <a:solidFill>
+                  <a:srgbClr val="111111"/>
+                </a:solidFill>
+                <a:latin typeface="-apple-system"/>
+              </a:rPr>
+              <a:t> — одноадресная рассылка ближайшему узлу — один отправитель, вообще получателей много, но фактически данные отправляются только одному. (</a:t>
+            </a:r>
+            <a:r>
+              <a:rPr lang="ru-RU" i="1" dirty="0">
+                <a:solidFill>
+                  <a:srgbClr val="111111"/>
+                </a:solidFill>
+                <a:latin typeface="-apple-system"/>
+              </a:rPr>
+              <a:t>Пример: </a:t>
+            </a:r>
+            <a:r>
+              <a:rPr lang="ru-RU" i="1" dirty="0" err="1">
+                <a:solidFill>
+                  <a:srgbClr val="111111"/>
+                </a:solidFill>
+                <a:latin typeface="-apple-system"/>
+              </a:rPr>
+              <a:t>Anycast</a:t>
+            </a:r>
+            <a:r>
+              <a:rPr lang="ru-RU" i="1" dirty="0">
+                <a:solidFill>
+                  <a:srgbClr val="111111"/>
+                </a:solidFill>
+                <a:latin typeface="-apple-system"/>
+              </a:rPr>
+              <a:t> DNS</a:t>
+            </a:r>
+            <a:r>
+              <a:rPr lang="ru-RU" dirty="0">
+                <a:solidFill>
+                  <a:srgbClr val="111111"/>
+                </a:solidFill>
+                <a:latin typeface="-apple-system"/>
+              </a:rPr>
+              <a:t>).</a:t>
+            </a:r>
+            <a:endParaRPr lang="ru-RU" dirty="0"/>
+          </a:p>
+        </p:txBody>
+      </p:sp>
+    </p:spTree>
+    <p:extLst>
+      <p:ext uri="{BB962C8B-B14F-4D97-AF65-F5344CB8AC3E}">
+        <p14:creationId xmlns:p14="http://schemas.microsoft.com/office/powerpoint/2010/main" val="2031159146"/>
+      </p:ext>
+    </p:extLst>
+  </p:cSld>
+  <p:clrMapOvr>
+    <a:masterClrMapping/>
+  </p:clrMapOvr>
+  <p:timing>
+    <p:tnLst>
+      <p:par>
+        <p:cTn id="1" dur="indefinite" restart="never" nodeType="tmRoot"/>
+      </p:par>
+    </p:tnLst>
+  </p:timing>
+</p:sld>
+</file>
+
+<file path=ppt/slides/slide21.xml><?xml version="1.0" encoding="utf-8"?>
+<p:sld xmlns:a="http://schemas.openxmlformats.org/drawingml/2006/main" xmlns:r="http://schemas.openxmlformats.org/officeDocument/2006/relationships" xmlns:p="http://schemas.openxmlformats.org/presentationml/2006/main">
+  <p:cSld>
+    <p:spTree>
+      <p:nvGrpSpPr>
+        <p:cNvPr id="1" name=""/>
+        <p:cNvGrpSpPr/>
+        <p:nvPr/>
+      </p:nvGrpSpPr>
+      <p:grpSpPr>
+        <a:xfrm>
+          <a:off x="0" y="0"/>
+          <a:ext cx="0" cy="0"/>
+          <a:chOff x="0" y="0"/>
+          <a:chExt cx="0" cy="0"/>
+        </a:xfrm>
+      </p:grpSpPr>
+      <p:sp>
+        <p:nvSpPr>
+          <p:cNvPr id="11" name="Заголовок 1"/>
+          <p:cNvSpPr txBox="1">
+            <a:spLocks/>
+          </p:cNvSpPr>
+          <p:nvPr/>
+        </p:nvSpPr>
+        <p:spPr>
+          <a:xfrm>
+            <a:off x="683568" y="836712"/>
+            <a:ext cx="8280920" cy="1008112"/>
+          </a:xfrm>
+          <a:prstGeom prst="rect">
+            <a:avLst/>
+          </a:prstGeom>
+        </p:spPr>
+        <p:txBody>
+          <a:bodyPr/>
+          <a:lstStyle>
+            <a:lvl1pPr algn="l" rtl="0" fontAlgn="base">
+              <a:spcBef>
+                <a:spcPct val="0"/>
+              </a:spcBef>
+              <a:spcAft>
+                <a:spcPct val="0"/>
+              </a:spcAft>
+              <a:defRPr sz="4400">
+                <a:solidFill>
+                  <a:schemeClr val="tx2"/>
+                </a:solidFill>
+                <a:latin typeface="+mj-lt"/>
+                <a:ea typeface="+mj-ea"/>
+                <a:cs typeface="+mj-cs"/>
+              </a:defRPr>
+            </a:lvl1pPr>
+            <a:lvl2pPr algn="l" rtl="0" fontAlgn="base">
+              <a:spcBef>
+                <a:spcPct val="0"/>
+              </a:spcBef>
+              <a:spcAft>
+                <a:spcPct val="0"/>
+              </a:spcAft>
+              <a:defRPr sz="4400">
+                <a:solidFill>
+                  <a:schemeClr val="tx2"/>
+                </a:solidFill>
+                <a:latin typeface="Times New Roman" pitchFamily="18" charset="0"/>
+              </a:defRPr>
+            </a:lvl2pPr>
+            <a:lvl3pPr algn="l" rtl="0" fontAlgn="base">
+              <a:spcBef>
+                <a:spcPct val="0"/>
+              </a:spcBef>
+              <a:spcAft>
+                <a:spcPct val="0"/>
+              </a:spcAft>
+              <a:defRPr sz="4400">
+                <a:solidFill>
+                  <a:schemeClr val="tx2"/>
+                </a:solidFill>
+                <a:latin typeface="Times New Roman" pitchFamily="18" charset="0"/>
+              </a:defRPr>
+            </a:lvl3pPr>
+            <a:lvl4pPr algn="l" rtl="0" fontAlgn="base">
+              <a:spcBef>
+                <a:spcPct val="0"/>
+              </a:spcBef>
+              <a:spcAft>
+                <a:spcPct val="0"/>
+              </a:spcAft>
+              <a:defRPr sz="4400">
+                <a:solidFill>
+                  <a:schemeClr val="tx2"/>
+                </a:solidFill>
+                <a:latin typeface="Times New Roman" pitchFamily="18" charset="0"/>
+              </a:defRPr>
+            </a:lvl4pPr>
+            <a:lvl5pPr algn="l" rtl="0" fontAlgn="base">
+              <a:spcBef>
+                <a:spcPct val="0"/>
+              </a:spcBef>
+              <a:spcAft>
+                <a:spcPct val="0"/>
+              </a:spcAft>
+              <a:defRPr sz="4400">
+                <a:solidFill>
+                  <a:schemeClr val="tx2"/>
+                </a:solidFill>
+                <a:latin typeface="Times New Roman" pitchFamily="18" charset="0"/>
+              </a:defRPr>
+            </a:lvl5pPr>
+            <a:lvl6pPr marL="457200" algn="l" rtl="0" fontAlgn="base">
+              <a:spcBef>
+                <a:spcPct val="0"/>
+              </a:spcBef>
+              <a:spcAft>
+                <a:spcPct val="0"/>
+              </a:spcAft>
+              <a:defRPr sz="4400">
+                <a:solidFill>
+                  <a:schemeClr val="tx2"/>
+                </a:solidFill>
+                <a:latin typeface="Times New Roman" pitchFamily="18" charset="0"/>
+              </a:defRPr>
+            </a:lvl6pPr>
+            <a:lvl7pPr marL="914400" algn="l" rtl="0" fontAlgn="base">
+              <a:spcBef>
+                <a:spcPct val="0"/>
+              </a:spcBef>
+              <a:spcAft>
+                <a:spcPct val="0"/>
+              </a:spcAft>
+              <a:defRPr sz="4400">
+                <a:solidFill>
+                  <a:schemeClr val="tx2"/>
+                </a:solidFill>
+                <a:latin typeface="Times New Roman" pitchFamily="18" charset="0"/>
+              </a:defRPr>
+            </a:lvl7pPr>
+            <a:lvl8pPr marL="1371600" algn="l" rtl="0" fontAlgn="base">
+              <a:spcBef>
+                <a:spcPct val="0"/>
+              </a:spcBef>
+              <a:spcAft>
+                <a:spcPct val="0"/>
+              </a:spcAft>
+              <a:defRPr sz="4400">
+                <a:solidFill>
+                  <a:schemeClr val="tx2"/>
+                </a:solidFill>
+                <a:latin typeface="Times New Roman" pitchFamily="18" charset="0"/>
+              </a:defRPr>
+            </a:lvl8pPr>
+            <a:lvl9pPr marL="1828800" algn="l" rtl="0" fontAlgn="base">
+              <a:spcBef>
+                <a:spcPct val="0"/>
+              </a:spcBef>
+              <a:spcAft>
+                <a:spcPct val="0"/>
+              </a:spcAft>
+              <a:defRPr sz="4400">
+                <a:solidFill>
+                  <a:schemeClr val="tx2"/>
+                </a:solidFill>
+                <a:latin typeface="Times New Roman" pitchFamily="18" charset="0"/>
+              </a:defRPr>
+            </a:lvl9pPr>
+          </a:lstStyle>
+          <a:p>
+            <a:pPr algn="ctr">
+              <a:buClrTx/>
+              <a:buSzTx/>
+              <a:buFontTx/>
+              <a:buNone/>
+            </a:pPr>
+            <a:r>
+              <a:rPr kumimoji="0" lang="en-US" altLang="ru-RU" b="1" kern="0" dirty="0" smtClean="0"/>
+              <a:t>Multicast</a:t>
+            </a:r>
+            <a:r>
+              <a:rPr kumimoji="0" lang="ru-RU" altLang="ru-RU" b="1" kern="0" dirty="0" smtClean="0"/>
+              <a:t> через </a:t>
+            </a:r>
+            <a:r>
+              <a:rPr kumimoji="0" lang="en-US" altLang="ru-RU" b="1" kern="0" dirty="0" smtClean="0"/>
+              <a:t>Unicast</a:t>
+            </a:r>
+            <a:endParaRPr kumimoji="0" lang="en-US" altLang="ru-RU" b="1" kern="0" dirty="0"/>
+          </a:p>
+        </p:txBody>
+      </p:sp>
+      <p:sp>
+        <p:nvSpPr>
+          <p:cNvPr id="3" name="AutoShape 4" descr="Eugeneer's Media Cloud World: Что такое ToS, CoS, QoS и DSCP."/>
+          <p:cNvSpPr>
+            <a:spLocks noChangeAspect="1" noChangeArrowheads="1"/>
+          </p:cNvSpPr>
+          <p:nvPr/>
+        </p:nvSpPr>
+        <p:spPr bwMode="auto">
+          <a:xfrm>
+            <a:off x="63500" y="-136525"/>
+            <a:ext cx="304800" cy="304800"/>
+          </a:xfrm>
+          <a:prstGeom prst="rect">
+            <a:avLst/>
+          </a:prstGeom>
+          <a:noFill/>
+          <a:extLst>
+            <a:ext uri="{909E8E84-426E-40DD-AFC4-6F175D3DCCD1}">
+              <a14:hiddenFill xmlns:a14="http://schemas.microsoft.com/office/drawing/2010/main">
+                <a:solidFill>
+                  <a:srgbClr val="FFFFFF"/>
+                </a:solidFill>
+              </a14:hiddenFill>
+            </a:ext>
+          </a:extLst>
+        </p:spPr>
+        <p:txBody>
+          <a:bodyPr vert="horz" wrap="square" lIns="91440" tIns="45720" rIns="91440" bIns="45720" numCol="1" anchor="t" anchorCtr="0" compatLnSpc="1">
+            <a:prstTxWarp prst="textNoShape">
+              <a:avLst/>
+            </a:prstTxWarp>
+          </a:bodyPr>
+          <a:lstStyle/>
+          <a:p>
+            <a:endParaRPr lang="ru-RU"/>
+          </a:p>
+        </p:txBody>
+      </p:sp>
+      <p:sp>
+        <p:nvSpPr>
+          <p:cNvPr id="14" name="AutoShape 6" descr="tos"/>
+          <p:cNvSpPr>
+            <a:spLocks noChangeAspect="1" noChangeArrowheads="1"/>
+          </p:cNvSpPr>
+          <p:nvPr/>
+        </p:nvSpPr>
+        <p:spPr bwMode="auto">
+          <a:xfrm>
+            <a:off x="155575" y="-144463"/>
+            <a:ext cx="304800" cy="304801"/>
+          </a:xfrm>
+          <a:prstGeom prst="rect">
+            <a:avLst/>
+          </a:prstGeom>
+          <a:noFill/>
+          <a:extLst>
+            <a:ext uri="{909E8E84-426E-40DD-AFC4-6F175D3DCCD1}">
+              <a14:hiddenFill xmlns:a14="http://schemas.microsoft.com/office/drawing/2010/main">
+                <a:solidFill>
+                  <a:srgbClr val="FFFFFF"/>
+                </a:solidFill>
+              </a14:hiddenFill>
+            </a:ext>
+          </a:extLst>
+        </p:spPr>
+        <p:txBody>
+          <a:bodyPr vert="horz" wrap="square" lIns="91440" tIns="45720" rIns="91440" bIns="45720" numCol="1" anchor="t" anchorCtr="0" compatLnSpc="1">
+            <a:prstTxWarp prst="textNoShape">
+              <a:avLst/>
+            </a:prstTxWarp>
+          </a:bodyPr>
+          <a:lstStyle/>
+          <a:p>
+            <a:endParaRPr lang="ru-RU"/>
+          </a:p>
+        </p:txBody>
+      </p:sp>
+      <p:pic>
+        <p:nvPicPr>
+          <p:cNvPr id="2" name="Рисунок 1"/>
+          <p:cNvPicPr>
+            <a:picLocks noChangeAspect="1"/>
+          </p:cNvPicPr>
+          <p:nvPr/>
+        </p:nvPicPr>
+        <p:blipFill>
+          <a:blip r:embed="rId2"/>
+          <a:stretch>
+            <a:fillRect/>
+          </a:stretch>
+        </p:blipFill>
+        <p:spPr>
+          <a:xfrm>
+            <a:off x="1331640" y="1556792"/>
+            <a:ext cx="6840760" cy="5200331"/>
+          </a:xfrm>
+          <a:prstGeom prst="rect">
+            <a:avLst/>
+          </a:prstGeom>
+        </p:spPr>
+      </p:pic>
+    </p:spTree>
+    <p:extLst>
+      <p:ext uri="{BB962C8B-B14F-4D97-AF65-F5344CB8AC3E}">
+        <p14:creationId xmlns:p14="http://schemas.microsoft.com/office/powerpoint/2010/main" val="1262119305"/>
+      </p:ext>
+    </p:extLst>
+  </p:cSld>
+  <p:clrMapOvr>
+    <a:masterClrMapping/>
+  </p:clrMapOvr>
+  <p:timing>
+    <p:tnLst>
+      <p:par>
+        <p:cTn id="1" dur="indefinite" restart="never" nodeType="tmRoot"/>
+      </p:par>
+    </p:tnLst>
+  </p:timing>
+</p:sld>
+</file>
+
+<file path=ppt/slides/slide22.xml><?xml version="1.0" encoding="utf-8"?>
+<p:sld xmlns:a="http://schemas.openxmlformats.org/drawingml/2006/main" xmlns:r="http://schemas.openxmlformats.org/officeDocument/2006/relationships" xmlns:p="http://schemas.openxmlformats.org/presentationml/2006/main">
+  <p:cSld>
+    <p:spTree>
+      <p:nvGrpSpPr>
+        <p:cNvPr id="1" name=""/>
+        <p:cNvGrpSpPr/>
+        <p:nvPr/>
+      </p:nvGrpSpPr>
+      <p:grpSpPr>
+        <a:xfrm>
+          <a:off x="0" y="0"/>
+          <a:ext cx="0" cy="0"/>
+          <a:chOff x="0" y="0"/>
+          <a:chExt cx="0" cy="0"/>
+        </a:xfrm>
+      </p:grpSpPr>
+      <p:sp>
+        <p:nvSpPr>
+          <p:cNvPr id="11" name="Заголовок 1"/>
+          <p:cNvSpPr txBox="1">
+            <a:spLocks/>
+          </p:cNvSpPr>
+          <p:nvPr/>
+        </p:nvSpPr>
+        <p:spPr>
+          <a:xfrm>
+            <a:off x="683568" y="836712"/>
+            <a:ext cx="8280920" cy="1008112"/>
+          </a:xfrm>
+          <a:prstGeom prst="rect">
+            <a:avLst/>
+          </a:prstGeom>
+        </p:spPr>
+        <p:txBody>
+          <a:bodyPr/>
+          <a:lstStyle>
+            <a:lvl1pPr algn="l" rtl="0" fontAlgn="base">
+              <a:spcBef>
+                <a:spcPct val="0"/>
+              </a:spcBef>
+              <a:spcAft>
+                <a:spcPct val="0"/>
+              </a:spcAft>
+              <a:defRPr sz="4400">
+                <a:solidFill>
+                  <a:schemeClr val="tx2"/>
+                </a:solidFill>
+                <a:latin typeface="+mj-lt"/>
+                <a:ea typeface="+mj-ea"/>
+                <a:cs typeface="+mj-cs"/>
+              </a:defRPr>
+            </a:lvl1pPr>
+            <a:lvl2pPr algn="l" rtl="0" fontAlgn="base">
+              <a:spcBef>
+                <a:spcPct val="0"/>
+              </a:spcBef>
+              <a:spcAft>
+                <a:spcPct val="0"/>
+              </a:spcAft>
+              <a:defRPr sz="4400">
+                <a:solidFill>
+                  <a:schemeClr val="tx2"/>
+                </a:solidFill>
+                <a:latin typeface="Times New Roman" pitchFamily="18" charset="0"/>
+              </a:defRPr>
+            </a:lvl2pPr>
+            <a:lvl3pPr algn="l" rtl="0" fontAlgn="base">
+              <a:spcBef>
+                <a:spcPct val="0"/>
+              </a:spcBef>
+              <a:spcAft>
+                <a:spcPct val="0"/>
+              </a:spcAft>
+              <a:defRPr sz="4400">
+                <a:solidFill>
+                  <a:schemeClr val="tx2"/>
+                </a:solidFill>
+                <a:latin typeface="Times New Roman" pitchFamily="18" charset="0"/>
+              </a:defRPr>
+            </a:lvl3pPr>
+            <a:lvl4pPr algn="l" rtl="0" fontAlgn="base">
+              <a:spcBef>
+                <a:spcPct val="0"/>
+              </a:spcBef>
+              <a:spcAft>
+                <a:spcPct val="0"/>
+              </a:spcAft>
+              <a:defRPr sz="4400">
+                <a:solidFill>
+                  <a:schemeClr val="tx2"/>
+                </a:solidFill>
+                <a:latin typeface="Times New Roman" pitchFamily="18" charset="0"/>
+              </a:defRPr>
+            </a:lvl4pPr>
+            <a:lvl5pPr algn="l" rtl="0" fontAlgn="base">
+              <a:spcBef>
+                <a:spcPct val="0"/>
+              </a:spcBef>
+              <a:spcAft>
+                <a:spcPct val="0"/>
+              </a:spcAft>
+              <a:defRPr sz="4400">
+                <a:solidFill>
+                  <a:schemeClr val="tx2"/>
+                </a:solidFill>
+                <a:latin typeface="Times New Roman" pitchFamily="18" charset="0"/>
+              </a:defRPr>
+            </a:lvl5pPr>
+            <a:lvl6pPr marL="457200" algn="l" rtl="0" fontAlgn="base">
+              <a:spcBef>
+                <a:spcPct val="0"/>
+              </a:spcBef>
+              <a:spcAft>
+                <a:spcPct val="0"/>
+              </a:spcAft>
+              <a:defRPr sz="4400">
+                <a:solidFill>
+                  <a:schemeClr val="tx2"/>
+                </a:solidFill>
+                <a:latin typeface="Times New Roman" pitchFamily="18" charset="0"/>
+              </a:defRPr>
+            </a:lvl6pPr>
+            <a:lvl7pPr marL="914400" algn="l" rtl="0" fontAlgn="base">
+              <a:spcBef>
+                <a:spcPct val="0"/>
+              </a:spcBef>
+              <a:spcAft>
+                <a:spcPct val="0"/>
+              </a:spcAft>
+              <a:defRPr sz="4400">
+                <a:solidFill>
+                  <a:schemeClr val="tx2"/>
+                </a:solidFill>
+                <a:latin typeface="Times New Roman" pitchFamily="18" charset="0"/>
+              </a:defRPr>
+            </a:lvl7pPr>
+            <a:lvl8pPr marL="1371600" algn="l" rtl="0" fontAlgn="base">
+              <a:spcBef>
+                <a:spcPct val="0"/>
+              </a:spcBef>
+              <a:spcAft>
+                <a:spcPct val="0"/>
+              </a:spcAft>
+              <a:defRPr sz="4400">
+                <a:solidFill>
+                  <a:schemeClr val="tx2"/>
+                </a:solidFill>
+                <a:latin typeface="Times New Roman" pitchFamily="18" charset="0"/>
+              </a:defRPr>
+            </a:lvl8pPr>
+            <a:lvl9pPr marL="1828800" algn="l" rtl="0" fontAlgn="base">
+              <a:spcBef>
+                <a:spcPct val="0"/>
+              </a:spcBef>
+              <a:spcAft>
+                <a:spcPct val="0"/>
+              </a:spcAft>
+              <a:defRPr sz="4400">
+                <a:solidFill>
+                  <a:schemeClr val="tx2"/>
+                </a:solidFill>
+                <a:latin typeface="Times New Roman" pitchFamily="18" charset="0"/>
+              </a:defRPr>
+            </a:lvl9pPr>
+          </a:lstStyle>
+          <a:p>
+            <a:pPr algn="ctr">
+              <a:buClrTx/>
+              <a:buSzTx/>
+              <a:buFontTx/>
+              <a:buNone/>
+            </a:pPr>
+            <a:r>
+              <a:rPr kumimoji="0" lang="en-US" altLang="ru-RU" b="1" kern="0" dirty="0" smtClean="0"/>
+              <a:t>Multicast</a:t>
+            </a:r>
+            <a:r>
+              <a:rPr kumimoji="0" lang="ru-RU" altLang="ru-RU" b="1" kern="0" dirty="0" smtClean="0"/>
+              <a:t> через </a:t>
+            </a:r>
+            <a:r>
+              <a:rPr kumimoji="0" lang="en-US" altLang="ru-RU" b="1" kern="0" dirty="0" smtClean="0"/>
+              <a:t>Broadcast</a:t>
+            </a:r>
+            <a:endParaRPr kumimoji="0" lang="en-US" altLang="ru-RU" b="1" kern="0" dirty="0"/>
+          </a:p>
+        </p:txBody>
+      </p:sp>
+      <p:sp>
+        <p:nvSpPr>
+          <p:cNvPr id="3" name="AutoShape 4" descr="Eugeneer's Media Cloud World: Что такое ToS, CoS, QoS и DSCP."/>
+          <p:cNvSpPr>
+            <a:spLocks noChangeAspect="1" noChangeArrowheads="1"/>
+          </p:cNvSpPr>
+          <p:nvPr/>
+        </p:nvSpPr>
+        <p:spPr bwMode="auto">
+          <a:xfrm>
+            <a:off x="63500" y="-136525"/>
+            <a:ext cx="304800" cy="304800"/>
+          </a:xfrm>
+          <a:prstGeom prst="rect">
+            <a:avLst/>
+          </a:prstGeom>
+          <a:noFill/>
+          <a:extLst>
+            <a:ext uri="{909E8E84-426E-40DD-AFC4-6F175D3DCCD1}">
+              <a14:hiddenFill xmlns:a14="http://schemas.microsoft.com/office/drawing/2010/main">
+                <a:solidFill>
+                  <a:srgbClr val="FFFFFF"/>
+                </a:solidFill>
+              </a14:hiddenFill>
+            </a:ext>
+          </a:extLst>
+        </p:spPr>
+        <p:txBody>
+          <a:bodyPr vert="horz" wrap="square" lIns="91440" tIns="45720" rIns="91440" bIns="45720" numCol="1" anchor="t" anchorCtr="0" compatLnSpc="1">
+            <a:prstTxWarp prst="textNoShape">
+              <a:avLst/>
+            </a:prstTxWarp>
+          </a:bodyPr>
+          <a:lstStyle/>
+          <a:p>
+            <a:endParaRPr lang="ru-RU"/>
+          </a:p>
+        </p:txBody>
+      </p:sp>
+      <p:sp>
+        <p:nvSpPr>
+          <p:cNvPr id="14" name="AutoShape 6" descr="tos"/>
+          <p:cNvSpPr>
+            <a:spLocks noChangeAspect="1" noChangeArrowheads="1"/>
+          </p:cNvSpPr>
+          <p:nvPr/>
+        </p:nvSpPr>
+        <p:spPr bwMode="auto">
+          <a:xfrm>
+            <a:off x="155575" y="-144463"/>
+            <a:ext cx="304800" cy="304801"/>
+          </a:xfrm>
+          <a:prstGeom prst="rect">
+            <a:avLst/>
+          </a:prstGeom>
+          <a:noFill/>
+          <a:extLst>
+            <a:ext uri="{909E8E84-426E-40DD-AFC4-6F175D3DCCD1}">
+              <a14:hiddenFill xmlns:a14="http://schemas.microsoft.com/office/drawing/2010/main">
+                <a:solidFill>
+                  <a:srgbClr val="FFFFFF"/>
+                </a:solidFill>
+              </a14:hiddenFill>
+            </a:ext>
+          </a:extLst>
+        </p:spPr>
+        <p:txBody>
+          <a:bodyPr vert="horz" wrap="square" lIns="91440" tIns="45720" rIns="91440" bIns="45720" numCol="1" anchor="t" anchorCtr="0" compatLnSpc="1">
+            <a:prstTxWarp prst="textNoShape">
+              <a:avLst/>
+            </a:prstTxWarp>
+          </a:bodyPr>
+          <a:lstStyle/>
+          <a:p>
+            <a:endParaRPr lang="ru-RU"/>
+          </a:p>
+        </p:txBody>
+      </p:sp>
+      <p:pic>
+        <p:nvPicPr>
+          <p:cNvPr id="4" name="Рисунок 3"/>
+          <p:cNvPicPr>
+            <a:picLocks noChangeAspect="1"/>
+          </p:cNvPicPr>
+          <p:nvPr/>
+        </p:nvPicPr>
+        <p:blipFill>
+          <a:blip r:embed="rId2"/>
+          <a:stretch>
+            <a:fillRect/>
+          </a:stretch>
+        </p:blipFill>
+        <p:spPr>
+          <a:xfrm>
+            <a:off x="1339900" y="1628800"/>
+            <a:ext cx="6968256" cy="4971204"/>
+          </a:xfrm>
+          <a:prstGeom prst="rect">
+            <a:avLst/>
+          </a:prstGeom>
+        </p:spPr>
+      </p:pic>
+    </p:spTree>
+    <p:extLst>
+      <p:ext uri="{BB962C8B-B14F-4D97-AF65-F5344CB8AC3E}">
+        <p14:creationId xmlns:p14="http://schemas.microsoft.com/office/powerpoint/2010/main" val="3313376382"/>
+      </p:ext>
+    </p:extLst>
+  </p:cSld>
+  <p:clrMapOvr>
+    <a:masterClrMapping/>
+  </p:clrMapOvr>
+  <p:timing>
+    <p:tnLst>
+      <p:par>
+        <p:cTn id="1" dur="indefinite" restart="never" nodeType="tmRoot"/>
+      </p:par>
+    </p:tnLst>
+  </p:timing>
+</p:sld>
+</file>
+
+<file path=ppt/slides/slide23.xml><?xml version="1.0" encoding="utf-8"?>
+<p:sld xmlns:a="http://schemas.openxmlformats.org/drawingml/2006/main" xmlns:r="http://schemas.openxmlformats.org/officeDocument/2006/relationships" xmlns:p="http://schemas.openxmlformats.org/presentationml/2006/main">
+  <p:cSld>
+    <p:spTree>
+      <p:nvGrpSpPr>
+        <p:cNvPr id="1" name=""/>
+        <p:cNvGrpSpPr/>
+        <p:nvPr/>
+      </p:nvGrpSpPr>
+      <p:grpSpPr>
+        <a:xfrm>
+          <a:off x="0" y="0"/>
+          <a:ext cx="0" cy="0"/>
+          <a:chOff x="0" y="0"/>
+          <a:chExt cx="0" cy="0"/>
+        </a:xfrm>
+      </p:grpSpPr>
+      <p:sp>
+        <p:nvSpPr>
+          <p:cNvPr id="11" name="Заголовок 1"/>
+          <p:cNvSpPr txBox="1">
+            <a:spLocks/>
+          </p:cNvSpPr>
+          <p:nvPr/>
+        </p:nvSpPr>
+        <p:spPr>
+          <a:xfrm>
+            <a:off x="683568" y="836712"/>
+            <a:ext cx="8280920" cy="1008112"/>
+          </a:xfrm>
+          <a:prstGeom prst="rect">
+            <a:avLst/>
+          </a:prstGeom>
+        </p:spPr>
+        <p:txBody>
+          <a:bodyPr/>
+          <a:lstStyle>
+            <a:lvl1pPr algn="l" rtl="0" fontAlgn="base">
+              <a:spcBef>
+                <a:spcPct val="0"/>
+              </a:spcBef>
+              <a:spcAft>
+                <a:spcPct val="0"/>
+              </a:spcAft>
+              <a:defRPr sz="4400">
+                <a:solidFill>
+                  <a:schemeClr val="tx2"/>
+                </a:solidFill>
+                <a:latin typeface="+mj-lt"/>
+                <a:ea typeface="+mj-ea"/>
+                <a:cs typeface="+mj-cs"/>
+              </a:defRPr>
+            </a:lvl1pPr>
+            <a:lvl2pPr algn="l" rtl="0" fontAlgn="base">
+              <a:spcBef>
+                <a:spcPct val="0"/>
+              </a:spcBef>
+              <a:spcAft>
+                <a:spcPct val="0"/>
+              </a:spcAft>
+              <a:defRPr sz="4400">
+                <a:solidFill>
+                  <a:schemeClr val="tx2"/>
+                </a:solidFill>
+                <a:latin typeface="Times New Roman" pitchFamily="18" charset="0"/>
+              </a:defRPr>
+            </a:lvl2pPr>
+            <a:lvl3pPr algn="l" rtl="0" fontAlgn="base">
+              <a:spcBef>
+                <a:spcPct val="0"/>
+              </a:spcBef>
+              <a:spcAft>
+                <a:spcPct val="0"/>
+              </a:spcAft>
+              <a:defRPr sz="4400">
+                <a:solidFill>
+                  <a:schemeClr val="tx2"/>
+                </a:solidFill>
+                <a:latin typeface="Times New Roman" pitchFamily="18" charset="0"/>
+              </a:defRPr>
+            </a:lvl3pPr>
+            <a:lvl4pPr algn="l" rtl="0" fontAlgn="base">
+              <a:spcBef>
+                <a:spcPct val="0"/>
+              </a:spcBef>
+              <a:spcAft>
+                <a:spcPct val="0"/>
+              </a:spcAft>
+              <a:defRPr sz="4400">
+                <a:solidFill>
+                  <a:schemeClr val="tx2"/>
+                </a:solidFill>
+                <a:latin typeface="Times New Roman" pitchFamily="18" charset="0"/>
+              </a:defRPr>
+            </a:lvl4pPr>
+            <a:lvl5pPr algn="l" rtl="0" fontAlgn="base">
+              <a:spcBef>
+                <a:spcPct val="0"/>
+              </a:spcBef>
+              <a:spcAft>
+                <a:spcPct val="0"/>
+              </a:spcAft>
+              <a:defRPr sz="4400">
+                <a:solidFill>
+                  <a:schemeClr val="tx2"/>
+                </a:solidFill>
+                <a:latin typeface="Times New Roman" pitchFamily="18" charset="0"/>
+              </a:defRPr>
+            </a:lvl5pPr>
+            <a:lvl6pPr marL="457200" algn="l" rtl="0" fontAlgn="base">
+              <a:spcBef>
+                <a:spcPct val="0"/>
+              </a:spcBef>
+              <a:spcAft>
+                <a:spcPct val="0"/>
+              </a:spcAft>
+              <a:defRPr sz="4400">
+                <a:solidFill>
+                  <a:schemeClr val="tx2"/>
+                </a:solidFill>
+                <a:latin typeface="Times New Roman" pitchFamily="18" charset="0"/>
+              </a:defRPr>
+            </a:lvl6pPr>
+            <a:lvl7pPr marL="914400" algn="l" rtl="0" fontAlgn="base">
+              <a:spcBef>
+                <a:spcPct val="0"/>
+              </a:spcBef>
+              <a:spcAft>
+                <a:spcPct val="0"/>
+              </a:spcAft>
+              <a:defRPr sz="4400">
+                <a:solidFill>
+                  <a:schemeClr val="tx2"/>
+                </a:solidFill>
+                <a:latin typeface="Times New Roman" pitchFamily="18" charset="0"/>
+              </a:defRPr>
+            </a:lvl7pPr>
+            <a:lvl8pPr marL="1371600" algn="l" rtl="0" fontAlgn="base">
+              <a:spcBef>
+                <a:spcPct val="0"/>
+              </a:spcBef>
+              <a:spcAft>
+                <a:spcPct val="0"/>
+              </a:spcAft>
+              <a:defRPr sz="4400">
+                <a:solidFill>
+                  <a:schemeClr val="tx2"/>
+                </a:solidFill>
+                <a:latin typeface="Times New Roman" pitchFamily="18" charset="0"/>
+              </a:defRPr>
+            </a:lvl8pPr>
+            <a:lvl9pPr marL="1828800" algn="l" rtl="0" fontAlgn="base">
+              <a:spcBef>
+                <a:spcPct val="0"/>
+              </a:spcBef>
+              <a:spcAft>
+                <a:spcPct val="0"/>
+              </a:spcAft>
+              <a:defRPr sz="4400">
+                <a:solidFill>
+                  <a:schemeClr val="tx2"/>
+                </a:solidFill>
+                <a:latin typeface="Times New Roman" pitchFamily="18" charset="0"/>
+              </a:defRPr>
+            </a:lvl9pPr>
+          </a:lstStyle>
+          <a:p>
+            <a:pPr algn="ctr">
+              <a:buClrTx/>
+              <a:buSzTx/>
+              <a:buFontTx/>
+              <a:buNone/>
+            </a:pPr>
+            <a:r>
+              <a:rPr kumimoji="0" lang="en-US" altLang="ru-RU" b="1" kern="0" dirty="0" smtClean="0"/>
+              <a:t>Multicast</a:t>
+            </a:r>
+            <a:r>
+              <a:rPr kumimoji="0" lang="ru-RU" altLang="ru-RU" b="1" kern="0" dirty="0" smtClean="0"/>
+              <a:t> через </a:t>
+            </a:r>
+            <a:r>
+              <a:rPr kumimoji="0" lang="en-US" altLang="ru-RU" b="1" kern="0" dirty="0" smtClean="0"/>
+              <a:t>P2P</a:t>
+            </a:r>
+            <a:endParaRPr kumimoji="0" lang="en-US" altLang="ru-RU" b="1" kern="0" dirty="0"/>
+          </a:p>
+        </p:txBody>
+      </p:sp>
+      <p:sp>
+        <p:nvSpPr>
+          <p:cNvPr id="3" name="AutoShape 4" descr="Eugeneer's Media Cloud World: Что такое ToS, CoS, QoS и DSCP."/>
+          <p:cNvSpPr>
+            <a:spLocks noChangeAspect="1" noChangeArrowheads="1"/>
+          </p:cNvSpPr>
+          <p:nvPr/>
+        </p:nvSpPr>
+        <p:spPr bwMode="auto">
+          <a:xfrm>
+            <a:off x="63500" y="-136525"/>
+            <a:ext cx="304800" cy="304800"/>
+          </a:xfrm>
+          <a:prstGeom prst="rect">
+            <a:avLst/>
+          </a:prstGeom>
+          <a:noFill/>
+          <a:extLst>
+            <a:ext uri="{909E8E84-426E-40DD-AFC4-6F175D3DCCD1}">
+              <a14:hiddenFill xmlns:a14="http://schemas.microsoft.com/office/drawing/2010/main">
+                <a:solidFill>
+                  <a:srgbClr val="FFFFFF"/>
+                </a:solidFill>
+              </a14:hiddenFill>
+            </a:ext>
+          </a:extLst>
+        </p:spPr>
+        <p:txBody>
+          <a:bodyPr vert="horz" wrap="square" lIns="91440" tIns="45720" rIns="91440" bIns="45720" numCol="1" anchor="t" anchorCtr="0" compatLnSpc="1">
+            <a:prstTxWarp prst="textNoShape">
+              <a:avLst/>
+            </a:prstTxWarp>
+          </a:bodyPr>
+          <a:lstStyle/>
+          <a:p>
+            <a:endParaRPr lang="ru-RU"/>
+          </a:p>
+        </p:txBody>
+      </p:sp>
+      <p:sp>
+        <p:nvSpPr>
+          <p:cNvPr id="14" name="AutoShape 6" descr="tos"/>
+          <p:cNvSpPr>
+            <a:spLocks noChangeAspect="1" noChangeArrowheads="1"/>
+          </p:cNvSpPr>
+          <p:nvPr/>
+        </p:nvSpPr>
+        <p:spPr bwMode="auto">
+          <a:xfrm>
+            <a:off x="155575" y="-144463"/>
+            <a:ext cx="304800" cy="304801"/>
+          </a:xfrm>
+          <a:prstGeom prst="rect">
+            <a:avLst/>
+          </a:prstGeom>
+          <a:noFill/>
+          <a:extLst>
+            <a:ext uri="{909E8E84-426E-40DD-AFC4-6F175D3DCCD1}">
+              <a14:hiddenFill xmlns:a14="http://schemas.microsoft.com/office/drawing/2010/main">
+                <a:solidFill>
+                  <a:srgbClr val="FFFFFF"/>
+                </a:solidFill>
+              </a14:hiddenFill>
+            </a:ext>
+          </a:extLst>
+        </p:spPr>
+        <p:txBody>
+          <a:bodyPr vert="horz" wrap="square" lIns="91440" tIns="45720" rIns="91440" bIns="45720" numCol="1" anchor="t" anchorCtr="0" compatLnSpc="1">
+            <a:prstTxWarp prst="textNoShape">
+              <a:avLst/>
+            </a:prstTxWarp>
+          </a:bodyPr>
+          <a:lstStyle/>
+          <a:p>
+            <a:endParaRPr lang="ru-RU"/>
+          </a:p>
+        </p:txBody>
+      </p:sp>
+      <p:pic>
+        <p:nvPicPr>
+          <p:cNvPr id="2" name="Рисунок 1"/>
+          <p:cNvPicPr>
+            <a:picLocks noChangeAspect="1"/>
+          </p:cNvPicPr>
+          <p:nvPr/>
+        </p:nvPicPr>
+        <p:blipFill>
+          <a:blip r:embed="rId2"/>
+          <a:stretch>
+            <a:fillRect/>
+          </a:stretch>
+        </p:blipFill>
+        <p:spPr>
+          <a:xfrm>
+            <a:off x="1187624" y="1628800"/>
+            <a:ext cx="7056784" cy="4847172"/>
+          </a:xfrm>
+          <a:prstGeom prst="rect">
+            <a:avLst/>
+          </a:prstGeom>
+        </p:spPr>
+      </p:pic>
+    </p:spTree>
+    <p:extLst>
+      <p:ext uri="{BB962C8B-B14F-4D97-AF65-F5344CB8AC3E}">
+        <p14:creationId xmlns:p14="http://schemas.microsoft.com/office/powerpoint/2010/main" val="3904005502"/>
+      </p:ext>
+    </p:extLst>
+  </p:cSld>
+  <p:clrMapOvr>
+    <a:masterClrMapping/>
+  </p:clrMapOvr>
+  <p:timing>
+    <p:tnLst>
+      <p:par>
+        <p:cTn id="1" dur="indefinite" restart="never" nodeType="tmRoot"/>
+      </p:par>
+    </p:tnLst>
+  </p:timing>
+</p:sld>
+</file>
+
+<file path=ppt/slides/slide24.xml><?xml version="1.0" encoding="utf-8"?>
+<p:sld xmlns:a="http://schemas.openxmlformats.org/drawingml/2006/main" xmlns:r="http://schemas.openxmlformats.org/officeDocument/2006/relationships" xmlns:p="http://schemas.openxmlformats.org/presentationml/2006/main">
+  <p:cSld>
+    <p:spTree>
+      <p:nvGrpSpPr>
+        <p:cNvPr id="1" name=""/>
+        <p:cNvGrpSpPr/>
+        <p:nvPr/>
+      </p:nvGrpSpPr>
+      <p:grpSpPr>
+        <a:xfrm>
+          <a:off x="0" y="0"/>
+          <a:ext cx="0" cy="0"/>
+          <a:chOff x="0" y="0"/>
+          <a:chExt cx="0" cy="0"/>
+        </a:xfrm>
+      </p:grpSpPr>
+      <p:sp>
+        <p:nvSpPr>
+          <p:cNvPr id="11" name="Заголовок 1"/>
+          <p:cNvSpPr txBox="1">
+            <a:spLocks/>
+          </p:cNvSpPr>
+          <p:nvPr/>
+        </p:nvSpPr>
+        <p:spPr>
+          <a:xfrm>
+            <a:off x="683568" y="836712"/>
+            <a:ext cx="8280920" cy="1008112"/>
+          </a:xfrm>
+          <a:prstGeom prst="rect">
+            <a:avLst/>
+          </a:prstGeom>
+        </p:spPr>
+        <p:txBody>
+          <a:bodyPr/>
+          <a:lstStyle>
+            <a:lvl1pPr algn="l" rtl="0" fontAlgn="base">
+              <a:spcBef>
+                <a:spcPct val="0"/>
+              </a:spcBef>
+              <a:spcAft>
+                <a:spcPct val="0"/>
+              </a:spcAft>
+              <a:defRPr sz="4400">
+                <a:solidFill>
+                  <a:schemeClr val="tx2"/>
+                </a:solidFill>
+                <a:latin typeface="+mj-lt"/>
+                <a:ea typeface="+mj-ea"/>
+                <a:cs typeface="+mj-cs"/>
+              </a:defRPr>
+            </a:lvl1pPr>
+            <a:lvl2pPr algn="l" rtl="0" fontAlgn="base">
+              <a:spcBef>
+                <a:spcPct val="0"/>
+              </a:spcBef>
+              <a:spcAft>
+                <a:spcPct val="0"/>
+              </a:spcAft>
+              <a:defRPr sz="4400">
+                <a:solidFill>
+                  <a:schemeClr val="tx2"/>
+                </a:solidFill>
+                <a:latin typeface="Times New Roman" pitchFamily="18" charset="0"/>
+              </a:defRPr>
+            </a:lvl2pPr>
+            <a:lvl3pPr algn="l" rtl="0" fontAlgn="base">
+              <a:spcBef>
+                <a:spcPct val="0"/>
+              </a:spcBef>
+              <a:spcAft>
+                <a:spcPct val="0"/>
+              </a:spcAft>
+              <a:defRPr sz="4400">
+                <a:solidFill>
+                  <a:schemeClr val="tx2"/>
+                </a:solidFill>
+                <a:latin typeface="Times New Roman" pitchFamily="18" charset="0"/>
+              </a:defRPr>
+            </a:lvl3pPr>
+            <a:lvl4pPr algn="l" rtl="0" fontAlgn="base">
+              <a:spcBef>
+                <a:spcPct val="0"/>
+              </a:spcBef>
+              <a:spcAft>
+                <a:spcPct val="0"/>
+              </a:spcAft>
+              <a:defRPr sz="4400">
+                <a:solidFill>
+                  <a:schemeClr val="tx2"/>
+                </a:solidFill>
+                <a:latin typeface="Times New Roman" pitchFamily="18" charset="0"/>
+              </a:defRPr>
+            </a:lvl4pPr>
+            <a:lvl5pPr algn="l" rtl="0" fontAlgn="base">
+              <a:spcBef>
+                <a:spcPct val="0"/>
+              </a:spcBef>
+              <a:spcAft>
+                <a:spcPct val="0"/>
+              </a:spcAft>
+              <a:defRPr sz="4400">
+                <a:solidFill>
+                  <a:schemeClr val="tx2"/>
+                </a:solidFill>
+                <a:latin typeface="Times New Roman" pitchFamily="18" charset="0"/>
+              </a:defRPr>
+            </a:lvl5pPr>
+            <a:lvl6pPr marL="457200" algn="l" rtl="0" fontAlgn="base">
+              <a:spcBef>
+                <a:spcPct val="0"/>
+              </a:spcBef>
+              <a:spcAft>
+                <a:spcPct val="0"/>
+              </a:spcAft>
+              <a:defRPr sz="4400">
+                <a:solidFill>
+                  <a:schemeClr val="tx2"/>
+                </a:solidFill>
+                <a:latin typeface="Times New Roman" pitchFamily="18" charset="0"/>
+              </a:defRPr>
+            </a:lvl6pPr>
+            <a:lvl7pPr marL="914400" algn="l" rtl="0" fontAlgn="base">
+              <a:spcBef>
+                <a:spcPct val="0"/>
+              </a:spcBef>
+              <a:spcAft>
+                <a:spcPct val="0"/>
+              </a:spcAft>
+              <a:defRPr sz="4400">
+                <a:solidFill>
+                  <a:schemeClr val="tx2"/>
+                </a:solidFill>
+                <a:latin typeface="Times New Roman" pitchFamily="18" charset="0"/>
+              </a:defRPr>
+            </a:lvl7pPr>
+            <a:lvl8pPr marL="1371600" algn="l" rtl="0" fontAlgn="base">
+              <a:spcBef>
+                <a:spcPct val="0"/>
+              </a:spcBef>
+              <a:spcAft>
+                <a:spcPct val="0"/>
+              </a:spcAft>
+              <a:defRPr sz="4400">
+                <a:solidFill>
+                  <a:schemeClr val="tx2"/>
+                </a:solidFill>
+                <a:latin typeface="Times New Roman" pitchFamily="18" charset="0"/>
+              </a:defRPr>
+            </a:lvl8pPr>
+            <a:lvl9pPr marL="1828800" algn="l" rtl="0" fontAlgn="base">
+              <a:spcBef>
+                <a:spcPct val="0"/>
+              </a:spcBef>
+              <a:spcAft>
+                <a:spcPct val="0"/>
+              </a:spcAft>
+              <a:defRPr sz="4400">
+                <a:solidFill>
+                  <a:schemeClr val="tx2"/>
+                </a:solidFill>
+                <a:latin typeface="Times New Roman" pitchFamily="18" charset="0"/>
+              </a:defRPr>
+            </a:lvl9pPr>
+          </a:lstStyle>
+          <a:p>
+            <a:pPr algn="ctr">
+              <a:buClrTx/>
+              <a:buSzTx/>
+              <a:buFontTx/>
+              <a:buNone/>
+            </a:pPr>
+            <a:r>
+              <a:rPr kumimoji="0" lang="en-US" altLang="ru-RU" b="1" kern="0" dirty="0" smtClean="0"/>
+              <a:t>Multicast</a:t>
+            </a:r>
+            <a:endParaRPr kumimoji="0" lang="en-US" altLang="ru-RU" b="1" kern="0" dirty="0"/>
+          </a:p>
+        </p:txBody>
+      </p:sp>
+      <p:sp>
+        <p:nvSpPr>
+          <p:cNvPr id="3" name="AutoShape 4" descr="Eugeneer's Media Cloud World: Что такое ToS, CoS, QoS и DSCP."/>
+          <p:cNvSpPr>
+            <a:spLocks noChangeAspect="1" noChangeArrowheads="1"/>
+          </p:cNvSpPr>
+          <p:nvPr/>
+        </p:nvSpPr>
+        <p:spPr bwMode="auto">
+          <a:xfrm>
+            <a:off x="63500" y="-136525"/>
+            <a:ext cx="304800" cy="304800"/>
+          </a:xfrm>
+          <a:prstGeom prst="rect">
+            <a:avLst/>
+          </a:prstGeom>
+          <a:noFill/>
+          <a:extLst>
+            <a:ext uri="{909E8E84-426E-40DD-AFC4-6F175D3DCCD1}">
+              <a14:hiddenFill xmlns:a14="http://schemas.microsoft.com/office/drawing/2010/main">
+                <a:solidFill>
+                  <a:srgbClr val="FFFFFF"/>
+                </a:solidFill>
+              </a14:hiddenFill>
+            </a:ext>
+          </a:extLst>
+        </p:spPr>
+        <p:txBody>
+          <a:bodyPr vert="horz" wrap="square" lIns="91440" tIns="45720" rIns="91440" bIns="45720" numCol="1" anchor="t" anchorCtr="0" compatLnSpc="1">
+            <a:prstTxWarp prst="textNoShape">
+              <a:avLst/>
+            </a:prstTxWarp>
+          </a:bodyPr>
+          <a:lstStyle/>
+          <a:p>
+            <a:endParaRPr lang="ru-RU"/>
+          </a:p>
+        </p:txBody>
+      </p:sp>
+      <p:sp>
+        <p:nvSpPr>
+          <p:cNvPr id="14" name="AutoShape 6" descr="tos"/>
+          <p:cNvSpPr>
+            <a:spLocks noChangeAspect="1" noChangeArrowheads="1"/>
+          </p:cNvSpPr>
+          <p:nvPr/>
+        </p:nvSpPr>
+        <p:spPr bwMode="auto">
+          <a:xfrm>
+            <a:off x="155575" y="-144463"/>
+            <a:ext cx="304800" cy="304801"/>
+          </a:xfrm>
+          <a:prstGeom prst="rect">
+            <a:avLst/>
+          </a:prstGeom>
+          <a:noFill/>
+          <a:extLst>
+            <a:ext uri="{909E8E84-426E-40DD-AFC4-6F175D3DCCD1}">
+              <a14:hiddenFill xmlns:a14="http://schemas.microsoft.com/office/drawing/2010/main">
+                <a:solidFill>
+                  <a:srgbClr val="FFFFFF"/>
+                </a:solidFill>
+              </a14:hiddenFill>
+            </a:ext>
+          </a:extLst>
+        </p:spPr>
+        <p:txBody>
+          <a:bodyPr vert="horz" wrap="square" lIns="91440" tIns="45720" rIns="91440" bIns="45720" numCol="1" anchor="t" anchorCtr="0" compatLnSpc="1">
+            <a:prstTxWarp prst="textNoShape">
+              <a:avLst/>
+            </a:prstTxWarp>
+          </a:bodyPr>
+          <a:lstStyle/>
+          <a:p>
+            <a:endParaRPr lang="ru-RU"/>
+          </a:p>
+        </p:txBody>
+      </p:sp>
+      <p:pic>
+        <p:nvPicPr>
+          <p:cNvPr id="4" name="Рисунок 3"/>
+          <p:cNvPicPr>
+            <a:picLocks noChangeAspect="1"/>
+          </p:cNvPicPr>
+          <p:nvPr/>
+        </p:nvPicPr>
+        <p:blipFill>
+          <a:blip r:embed="rId2"/>
+          <a:stretch>
+            <a:fillRect/>
+          </a:stretch>
+        </p:blipFill>
+        <p:spPr>
+          <a:xfrm>
+            <a:off x="1259632" y="1556792"/>
+            <a:ext cx="7056784" cy="5144116"/>
+          </a:xfrm>
+          <a:prstGeom prst="rect">
+            <a:avLst/>
+          </a:prstGeom>
+        </p:spPr>
+      </p:pic>
+    </p:spTree>
+    <p:extLst>
+      <p:ext uri="{BB962C8B-B14F-4D97-AF65-F5344CB8AC3E}">
+        <p14:creationId xmlns:p14="http://schemas.microsoft.com/office/powerpoint/2010/main" val="2198880046"/>
+      </p:ext>
+    </p:extLst>
+  </p:cSld>
+  <p:clrMapOvr>
+    <a:masterClrMapping/>
+  </p:clrMapOvr>
+  <p:timing>
+    <p:tnLst>
+      <p:par>
+        <p:cTn id="1" dur="indefinite" restart="never" nodeType="tmRoot"/>
+      </p:par>
+    </p:tnLst>
+  </p:timing>
+</p:sld>
+</file>
+
+<file path=ppt/slides/slide25.xml><?xml version="1.0" encoding="utf-8"?>
+<p:sld xmlns:a="http://schemas.openxmlformats.org/drawingml/2006/main" xmlns:r="http://schemas.openxmlformats.org/officeDocument/2006/relationships" xmlns:p="http://schemas.openxmlformats.org/presentationml/2006/main">
+  <p:cSld>
+    <p:spTree>
+      <p:nvGrpSpPr>
+        <p:cNvPr id="1" name=""/>
+        <p:cNvGrpSpPr/>
+        <p:nvPr/>
+      </p:nvGrpSpPr>
+      <p:grpSpPr>
+        <a:xfrm>
+          <a:off x="0" y="0"/>
+          <a:ext cx="0" cy="0"/>
+          <a:chOff x="0" y="0"/>
+          <a:chExt cx="0" cy="0"/>
+        </a:xfrm>
+      </p:grpSpPr>
+      <p:sp>
+        <p:nvSpPr>
+          <p:cNvPr id="11" name="Заголовок 1"/>
+          <p:cNvSpPr txBox="1">
+            <a:spLocks/>
+          </p:cNvSpPr>
+          <p:nvPr/>
+        </p:nvSpPr>
+        <p:spPr>
+          <a:xfrm>
+            <a:off x="683568" y="836712"/>
+            <a:ext cx="8280920" cy="1008112"/>
+          </a:xfrm>
+          <a:prstGeom prst="rect">
+            <a:avLst/>
+          </a:prstGeom>
+        </p:spPr>
+        <p:txBody>
+          <a:bodyPr/>
+          <a:lstStyle>
+            <a:lvl1pPr algn="l" rtl="0" fontAlgn="base">
+              <a:spcBef>
+                <a:spcPct val="0"/>
+              </a:spcBef>
+              <a:spcAft>
+                <a:spcPct val="0"/>
+              </a:spcAft>
+              <a:defRPr sz="4400">
+                <a:solidFill>
+                  <a:schemeClr val="tx2"/>
+                </a:solidFill>
+                <a:latin typeface="+mj-lt"/>
+                <a:ea typeface="+mj-ea"/>
+                <a:cs typeface="+mj-cs"/>
+              </a:defRPr>
+            </a:lvl1pPr>
+            <a:lvl2pPr algn="l" rtl="0" fontAlgn="base">
+              <a:spcBef>
+                <a:spcPct val="0"/>
+              </a:spcBef>
+              <a:spcAft>
+                <a:spcPct val="0"/>
+              </a:spcAft>
+              <a:defRPr sz="4400">
+                <a:solidFill>
+                  <a:schemeClr val="tx2"/>
+                </a:solidFill>
+                <a:latin typeface="Times New Roman" pitchFamily="18" charset="0"/>
+              </a:defRPr>
+            </a:lvl2pPr>
+            <a:lvl3pPr algn="l" rtl="0" fontAlgn="base">
+              <a:spcBef>
+                <a:spcPct val="0"/>
+              </a:spcBef>
+              <a:spcAft>
+                <a:spcPct val="0"/>
+              </a:spcAft>
+              <a:defRPr sz="4400">
+                <a:solidFill>
+                  <a:schemeClr val="tx2"/>
+                </a:solidFill>
+                <a:latin typeface="Times New Roman" pitchFamily="18" charset="0"/>
+              </a:defRPr>
+            </a:lvl3pPr>
+            <a:lvl4pPr algn="l" rtl="0" fontAlgn="base">
+              <a:spcBef>
+                <a:spcPct val="0"/>
+              </a:spcBef>
+              <a:spcAft>
+                <a:spcPct val="0"/>
+              </a:spcAft>
+              <a:defRPr sz="4400">
+                <a:solidFill>
+                  <a:schemeClr val="tx2"/>
+                </a:solidFill>
+                <a:latin typeface="Times New Roman" pitchFamily="18" charset="0"/>
+              </a:defRPr>
+            </a:lvl4pPr>
+            <a:lvl5pPr algn="l" rtl="0" fontAlgn="base">
+              <a:spcBef>
+                <a:spcPct val="0"/>
+              </a:spcBef>
+              <a:spcAft>
+                <a:spcPct val="0"/>
+              </a:spcAft>
+              <a:defRPr sz="4400">
+                <a:solidFill>
+                  <a:schemeClr val="tx2"/>
+                </a:solidFill>
+                <a:latin typeface="Times New Roman" pitchFamily="18" charset="0"/>
+              </a:defRPr>
+            </a:lvl5pPr>
+            <a:lvl6pPr marL="457200" algn="l" rtl="0" fontAlgn="base">
+              <a:spcBef>
+                <a:spcPct val="0"/>
+              </a:spcBef>
+              <a:spcAft>
+                <a:spcPct val="0"/>
+              </a:spcAft>
+              <a:defRPr sz="4400">
+                <a:solidFill>
+                  <a:schemeClr val="tx2"/>
+                </a:solidFill>
+                <a:latin typeface="Times New Roman" pitchFamily="18" charset="0"/>
+              </a:defRPr>
+            </a:lvl6pPr>
+            <a:lvl7pPr marL="914400" algn="l" rtl="0" fontAlgn="base">
+              <a:spcBef>
+                <a:spcPct val="0"/>
+              </a:spcBef>
+              <a:spcAft>
+                <a:spcPct val="0"/>
+              </a:spcAft>
+              <a:defRPr sz="4400">
+                <a:solidFill>
+                  <a:schemeClr val="tx2"/>
+                </a:solidFill>
+                <a:latin typeface="Times New Roman" pitchFamily="18" charset="0"/>
+              </a:defRPr>
+            </a:lvl7pPr>
+            <a:lvl8pPr marL="1371600" algn="l" rtl="0" fontAlgn="base">
+              <a:spcBef>
+                <a:spcPct val="0"/>
+              </a:spcBef>
+              <a:spcAft>
+                <a:spcPct val="0"/>
+              </a:spcAft>
+              <a:defRPr sz="4400">
+                <a:solidFill>
+                  <a:schemeClr val="tx2"/>
+                </a:solidFill>
+                <a:latin typeface="Times New Roman" pitchFamily="18" charset="0"/>
+              </a:defRPr>
+            </a:lvl8pPr>
+            <a:lvl9pPr marL="1828800" algn="l" rtl="0" fontAlgn="base">
+              <a:spcBef>
+                <a:spcPct val="0"/>
+              </a:spcBef>
+              <a:spcAft>
+                <a:spcPct val="0"/>
+              </a:spcAft>
+              <a:defRPr sz="4400">
+                <a:solidFill>
+                  <a:schemeClr val="tx2"/>
+                </a:solidFill>
+                <a:latin typeface="Times New Roman" pitchFamily="18" charset="0"/>
+              </a:defRPr>
+            </a:lvl9pPr>
+          </a:lstStyle>
+          <a:p>
+            <a:pPr algn="ctr">
+              <a:buClrTx/>
+              <a:buSzTx/>
+              <a:buFontTx/>
+              <a:buNone/>
+            </a:pPr>
+            <a:r>
+              <a:rPr kumimoji="0" lang="en-US" altLang="ru-RU" b="1" kern="0" dirty="0" smtClean="0"/>
+              <a:t>Multicast</a:t>
+            </a:r>
+            <a:endParaRPr kumimoji="0" lang="en-US" altLang="ru-RU" b="1" kern="0" dirty="0"/>
+          </a:p>
+        </p:txBody>
+      </p:sp>
+      <p:sp>
+        <p:nvSpPr>
+          <p:cNvPr id="3" name="AutoShape 4" descr="Eugeneer's Media Cloud World: Что такое ToS, CoS, QoS и DSCP."/>
+          <p:cNvSpPr>
+            <a:spLocks noChangeAspect="1" noChangeArrowheads="1"/>
+          </p:cNvSpPr>
+          <p:nvPr/>
+        </p:nvSpPr>
+        <p:spPr bwMode="auto">
+          <a:xfrm>
+            <a:off x="63500" y="-136525"/>
+            <a:ext cx="304800" cy="304800"/>
+          </a:xfrm>
+          <a:prstGeom prst="rect">
+            <a:avLst/>
+          </a:prstGeom>
+          <a:noFill/>
+          <a:extLst>
+            <a:ext uri="{909E8E84-426E-40DD-AFC4-6F175D3DCCD1}">
+              <a14:hiddenFill xmlns:a14="http://schemas.microsoft.com/office/drawing/2010/main">
+                <a:solidFill>
+                  <a:srgbClr val="FFFFFF"/>
+                </a:solidFill>
+              </a14:hiddenFill>
+            </a:ext>
+          </a:extLst>
+        </p:spPr>
+        <p:txBody>
+          <a:bodyPr vert="horz" wrap="square" lIns="91440" tIns="45720" rIns="91440" bIns="45720" numCol="1" anchor="t" anchorCtr="0" compatLnSpc="1">
+            <a:prstTxWarp prst="textNoShape">
+              <a:avLst/>
+            </a:prstTxWarp>
+          </a:bodyPr>
+          <a:lstStyle/>
+          <a:p>
+            <a:endParaRPr lang="ru-RU"/>
+          </a:p>
+        </p:txBody>
+      </p:sp>
+      <p:sp>
+        <p:nvSpPr>
+          <p:cNvPr id="14" name="AutoShape 6" descr="tos"/>
+          <p:cNvSpPr>
+            <a:spLocks noChangeAspect="1" noChangeArrowheads="1"/>
+          </p:cNvSpPr>
+          <p:nvPr/>
+        </p:nvSpPr>
+        <p:spPr bwMode="auto">
+          <a:xfrm>
+            <a:off x="155575" y="-144463"/>
+            <a:ext cx="304800" cy="304801"/>
+          </a:xfrm>
+          <a:prstGeom prst="rect">
+            <a:avLst/>
+          </a:prstGeom>
+          <a:noFill/>
+          <a:extLst>
+            <a:ext uri="{909E8E84-426E-40DD-AFC4-6F175D3DCCD1}">
+              <a14:hiddenFill xmlns:a14="http://schemas.microsoft.com/office/drawing/2010/main">
+                <a:solidFill>
+                  <a:srgbClr val="FFFFFF"/>
+                </a:solidFill>
+              </a14:hiddenFill>
+            </a:ext>
+          </a:extLst>
+        </p:spPr>
+        <p:txBody>
+          <a:bodyPr vert="horz" wrap="square" lIns="91440" tIns="45720" rIns="91440" bIns="45720" numCol="1" anchor="t" anchorCtr="0" compatLnSpc="1">
+            <a:prstTxWarp prst="textNoShape">
+              <a:avLst/>
+            </a:prstTxWarp>
+          </a:bodyPr>
+          <a:lstStyle/>
+          <a:p>
+            <a:endParaRPr lang="ru-RU"/>
+          </a:p>
+        </p:txBody>
+      </p:sp>
+      <p:sp>
+        <p:nvSpPr>
+          <p:cNvPr id="2" name="Прямоугольник 1"/>
+          <p:cNvSpPr/>
+          <p:nvPr/>
+        </p:nvSpPr>
+        <p:spPr>
+          <a:xfrm>
+            <a:off x="593812" y="1988840"/>
+            <a:ext cx="8460432" cy="4247317"/>
+          </a:xfrm>
+          <a:prstGeom prst="rect">
+            <a:avLst/>
+          </a:prstGeom>
+        </p:spPr>
+        <p:txBody>
+          <a:bodyPr wrap="square">
+            <a:spAutoFit/>
+          </a:bodyPr>
+          <a:lstStyle/>
+          <a:p>
+            <a:pPr algn="just"/>
+            <a:r>
+              <a:rPr lang="ru-RU" sz="1800" i="1" dirty="0" err="1"/>
+              <a:t>Дейтаграммный</a:t>
+            </a:r>
+            <a:r>
+              <a:rPr lang="ru-RU" sz="1800" i="1" dirty="0"/>
+              <a:t> подход. </a:t>
+            </a:r>
+            <a:r>
+              <a:rPr lang="ru-RU" sz="1800" dirty="0"/>
+              <a:t>Источник может посылать пакеты UDP/IP в любое время</a:t>
+            </a:r>
+          </a:p>
+          <a:p>
+            <a:pPr algn="just">
+              <a:buNone/>
+            </a:pPr>
+            <a:r>
+              <a:rPr lang="en-US" sz="1800" dirty="0" smtClean="0"/>
+              <a:t> </a:t>
+            </a:r>
+            <a:r>
+              <a:rPr lang="ru-RU" sz="1800" dirty="0" smtClean="0"/>
+              <a:t>без </a:t>
+            </a:r>
+            <a:r>
+              <a:rPr lang="ru-RU" sz="1800" dirty="0"/>
+              <a:t>необходимости регистрировать или планировать передачи, реализуя сервис «по</a:t>
+            </a:r>
+          </a:p>
+          <a:p>
+            <a:pPr algn="just">
+              <a:buNone/>
+            </a:pPr>
+            <a:r>
+              <a:rPr lang="en-US" sz="1800" dirty="0" smtClean="0"/>
+              <a:t> </a:t>
+            </a:r>
+            <a:r>
+              <a:rPr lang="ru-RU" sz="1800" dirty="0" smtClean="0"/>
+              <a:t>возможности</a:t>
+            </a:r>
+            <a:r>
+              <a:rPr lang="ru-RU" sz="1800" dirty="0"/>
+              <a:t>».</a:t>
+            </a:r>
+          </a:p>
+          <a:p>
+            <a:pPr algn="just"/>
+            <a:r>
+              <a:rPr lang="ru-RU" sz="1800" i="1" dirty="0" smtClean="0"/>
+              <a:t>Открытые </a:t>
+            </a:r>
+            <a:r>
+              <a:rPr lang="ru-RU" sz="1800" i="1" dirty="0"/>
+              <a:t>группы. </a:t>
+            </a:r>
+            <a:r>
+              <a:rPr lang="ru-RU" sz="1800" dirty="0"/>
+              <a:t>Источники должны знать только групповой адрес. Они не </a:t>
+            </a:r>
+            <a:r>
+              <a:rPr lang="ru-RU" sz="1800" dirty="0" smtClean="0"/>
+              <a:t>должны</a:t>
+            </a:r>
+            <a:r>
+              <a:rPr lang="en-US" sz="1800" dirty="0" smtClean="0"/>
+              <a:t> </a:t>
+            </a:r>
+            <a:r>
+              <a:rPr lang="ru-RU" sz="1800" dirty="0" smtClean="0"/>
+              <a:t>знать </a:t>
+            </a:r>
+            <a:r>
+              <a:rPr lang="ru-RU" sz="1800" dirty="0"/>
+              <a:t>членов группы и не обязательно должны быть членами той группы, которой </a:t>
+            </a:r>
+            <a:r>
+              <a:rPr lang="ru-RU" sz="1800" dirty="0" smtClean="0"/>
+              <a:t>они</a:t>
+            </a:r>
+            <a:r>
+              <a:rPr lang="en-US" sz="1800" dirty="0" smtClean="0"/>
+              <a:t> </a:t>
+            </a:r>
+            <a:r>
+              <a:rPr lang="ru-RU" sz="1800" dirty="0" smtClean="0"/>
+              <a:t>посылают </a:t>
+            </a:r>
+            <a:r>
+              <a:rPr lang="ru-RU" sz="1800" dirty="0"/>
+              <a:t>данные. Группа может быть образована узлами, принадлежащими к </a:t>
+            </a:r>
+            <a:r>
+              <a:rPr lang="ru-RU" sz="1800" dirty="0" smtClean="0"/>
+              <a:t>разным</a:t>
+            </a:r>
+            <a:r>
+              <a:rPr lang="en-US" sz="1800" dirty="0" smtClean="0"/>
+              <a:t> </a:t>
+            </a:r>
+            <a:r>
+              <a:rPr lang="ru-RU" sz="1800" dirty="0" smtClean="0"/>
+              <a:t>IP-сетям </a:t>
+            </a:r>
+            <a:r>
+              <a:rPr lang="ru-RU" sz="1800" dirty="0"/>
+              <a:t>и подсетям. Группа может иметь любое число источников данных.</a:t>
+            </a:r>
+          </a:p>
+          <a:p>
+            <a:pPr algn="just"/>
+            <a:r>
+              <a:rPr lang="ru-RU" sz="1800" i="1" dirty="0" smtClean="0"/>
+              <a:t>Динамические </a:t>
+            </a:r>
+            <a:r>
+              <a:rPr lang="ru-RU" sz="1800" i="1" dirty="0"/>
+              <a:t>группы. </a:t>
+            </a:r>
+            <a:r>
+              <a:rPr lang="ru-RU" sz="1800" dirty="0"/>
+              <a:t>Хосты могут присоединяться к группам или покидать группы </a:t>
+            </a:r>
+            <a:r>
+              <a:rPr lang="ru-RU" sz="1800" dirty="0" smtClean="0"/>
+              <a:t>без</a:t>
+            </a:r>
+            <a:r>
+              <a:rPr lang="en-US" sz="1800" dirty="0" smtClean="0"/>
+              <a:t> </a:t>
+            </a:r>
+            <a:r>
+              <a:rPr lang="ru-RU" sz="1800" dirty="0" smtClean="0"/>
+              <a:t>необходимости </a:t>
+            </a:r>
+            <a:r>
+              <a:rPr lang="ru-RU" sz="1800" dirty="0"/>
+              <a:t>регистрации, синхронизации или переговоров с каким-либо </a:t>
+            </a:r>
+            <a:r>
+              <a:rPr lang="ru-RU" sz="1800" dirty="0" smtClean="0"/>
+              <a:t>централизованным </a:t>
+            </a:r>
+            <a:r>
+              <a:rPr lang="ru-RU" sz="1800" dirty="0"/>
+              <a:t>элементом группового управления. Членство в группе является </a:t>
+            </a:r>
+            <a:r>
+              <a:rPr lang="ru-RU" sz="1800" dirty="0" smtClean="0"/>
+              <a:t>динамическим,</a:t>
+            </a:r>
+            <a:r>
+              <a:rPr lang="en-US" sz="1800" dirty="0" smtClean="0"/>
+              <a:t> </a:t>
+            </a:r>
+            <a:r>
+              <a:rPr lang="ru-RU" sz="1800" dirty="0" smtClean="0"/>
+              <a:t>поскольку </a:t>
+            </a:r>
+            <a:r>
+              <a:rPr lang="ru-RU" sz="1800" dirty="0"/>
+              <a:t>хосты могут присоединиться к группе или выйти из группы в любой </a:t>
+            </a:r>
+            <a:r>
+              <a:rPr lang="ru-RU" sz="1800" dirty="0" smtClean="0"/>
+              <a:t>момент</a:t>
+            </a:r>
+            <a:r>
+              <a:rPr lang="en-US" sz="1800" dirty="0" smtClean="0"/>
+              <a:t> </a:t>
+            </a:r>
+            <a:r>
+              <a:rPr lang="ru-RU" sz="1800" dirty="0" smtClean="0"/>
+              <a:t>времени</a:t>
+            </a:r>
+            <a:r>
+              <a:rPr lang="ru-RU" sz="1800" dirty="0"/>
+              <a:t>, к тому же они могут быть членами нескольких групп.</a:t>
+            </a:r>
+          </a:p>
+        </p:txBody>
+      </p:sp>
+    </p:spTree>
+    <p:extLst>
+      <p:ext uri="{BB962C8B-B14F-4D97-AF65-F5344CB8AC3E}">
+        <p14:creationId xmlns:p14="http://schemas.microsoft.com/office/powerpoint/2010/main" val="16932811"/>
+      </p:ext>
+    </p:extLst>
+  </p:cSld>
+  <p:clrMapOvr>
+    <a:masterClrMapping/>
+  </p:clrMapOvr>
+  <p:timing>
+    <p:tnLst>
+      <p:par>
+        <p:cTn id="1" dur="indefinite" restart="never" nodeType="tmRoot"/>
+      </p:par>
+    </p:tnLst>
+  </p:timing>
+</p:sld>
+</file>
+
+<file path=ppt/slides/slide26.xml><?xml version="1.0" encoding="utf-8"?>
+<p:sld xmlns:a="http://schemas.openxmlformats.org/drawingml/2006/main" xmlns:r="http://schemas.openxmlformats.org/officeDocument/2006/relationships" xmlns:p="http://schemas.openxmlformats.org/presentationml/2006/main">
+  <p:cSld>
+    <p:spTree>
+      <p:nvGrpSpPr>
+        <p:cNvPr id="1" name=""/>
+        <p:cNvGrpSpPr/>
+        <p:nvPr/>
+      </p:nvGrpSpPr>
+      <p:grpSpPr>
+        <a:xfrm>
+          <a:off x="0" y="0"/>
+          <a:ext cx="0" cy="0"/>
+          <a:chOff x="0" y="0"/>
+          <a:chExt cx="0" cy="0"/>
+        </a:xfrm>
+      </p:grpSpPr>
+      <p:pic>
+        <p:nvPicPr>
+          <p:cNvPr id="8196" name="Picture 4" descr="Multicast VXLAN"/>
+          <p:cNvPicPr>
+            <a:picLocks noChangeAspect="1" noChangeArrowheads="1"/>
+          </p:cNvPicPr>
+          <p:nvPr/>
+        </p:nvPicPr>
+        <p:blipFill>
+          <a:blip r:embed="rId2">
+            <a:extLst>
+              <a:ext uri="{28A0092B-C50C-407E-A947-70E740481C1C}">
+                <a14:useLocalDpi xmlns:a14="http://schemas.microsoft.com/office/drawing/2010/main" val="0"/>
+              </a:ext>
+            </a:extLst>
+          </a:blip>
+          <a:srcRect/>
+          <a:stretch>
+            <a:fillRect/>
+          </a:stretch>
+        </p:blipFill>
+        <p:spPr bwMode="auto">
+          <a:xfrm>
+            <a:off x="3419872" y="3030271"/>
+            <a:ext cx="5724128" cy="3816085"/>
+          </a:xfrm>
+          <a:prstGeom prst="rect">
+            <a:avLst/>
+          </a:prstGeom>
+          <a:noFill/>
+          <a:extLst>
+            <a:ext uri="{909E8E84-426E-40DD-AFC4-6F175D3DCCD1}">
+              <a14:hiddenFill xmlns:a14="http://schemas.microsoft.com/office/drawing/2010/main">
+                <a:solidFill>
+                  <a:srgbClr val="FFFFFF"/>
+                </a:solidFill>
+              </a14:hiddenFill>
+            </a:ext>
+          </a:extLst>
+        </p:spPr>
+      </p:pic>
+      <p:sp>
+        <p:nvSpPr>
+          <p:cNvPr id="11" name="Заголовок 1"/>
+          <p:cNvSpPr txBox="1">
+            <a:spLocks/>
+          </p:cNvSpPr>
+          <p:nvPr/>
+        </p:nvSpPr>
+        <p:spPr>
+          <a:xfrm>
+            <a:off x="683568" y="836712"/>
+            <a:ext cx="8280920" cy="1008112"/>
+          </a:xfrm>
+          <a:prstGeom prst="rect">
+            <a:avLst/>
+          </a:prstGeom>
+        </p:spPr>
+        <p:txBody>
+          <a:bodyPr/>
+          <a:lstStyle>
+            <a:lvl1pPr algn="l" rtl="0" fontAlgn="base">
+              <a:spcBef>
+                <a:spcPct val="0"/>
+              </a:spcBef>
+              <a:spcAft>
+                <a:spcPct val="0"/>
+              </a:spcAft>
+              <a:defRPr sz="4400">
+                <a:solidFill>
+                  <a:schemeClr val="tx2"/>
+                </a:solidFill>
+                <a:latin typeface="+mj-lt"/>
+                <a:ea typeface="+mj-ea"/>
+                <a:cs typeface="+mj-cs"/>
+              </a:defRPr>
+            </a:lvl1pPr>
+            <a:lvl2pPr algn="l" rtl="0" fontAlgn="base">
+              <a:spcBef>
+                <a:spcPct val="0"/>
+              </a:spcBef>
+              <a:spcAft>
+                <a:spcPct val="0"/>
+              </a:spcAft>
+              <a:defRPr sz="4400">
+                <a:solidFill>
+                  <a:schemeClr val="tx2"/>
+                </a:solidFill>
+                <a:latin typeface="Times New Roman" pitchFamily="18" charset="0"/>
+              </a:defRPr>
+            </a:lvl2pPr>
+            <a:lvl3pPr algn="l" rtl="0" fontAlgn="base">
+              <a:spcBef>
+                <a:spcPct val="0"/>
+              </a:spcBef>
+              <a:spcAft>
+                <a:spcPct val="0"/>
+              </a:spcAft>
+              <a:defRPr sz="4400">
+                <a:solidFill>
+                  <a:schemeClr val="tx2"/>
+                </a:solidFill>
+                <a:latin typeface="Times New Roman" pitchFamily="18" charset="0"/>
+              </a:defRPr>
+            </a:lvl3pPr>
+            <a:lvl4pPr algn="l" rtl="0" fontAlgn="base">
+              <a:spcBef>
+                <a:spcPct val="0"/>
+              </a:spcBef>
+              <a:spcAft>
+                <a:spcPct val="0"/>
+              </a:spcAft>
+              <a:defRPr sz="4400">
+                <a:solidFill>
+                  <a:schemeClr val="tx2"/>
+                </a:solidFill>
+                <a:latin typeface="Times New Roman" pitchFamily="18" charset="0"/>
+              </a:defRPr>
+            </a:lvl4pPr>
+            <a:lvl5pPr algn="l" rtl="0" fontAlgn="base">
+              <a:spcBef>
+                <a:spcPct val="0"/>
+              </a:spcBef>
+              <a:spcAft>
+                <a:spcPct val="0"/>
+              </a:spcAft>
+              <a:defRPr sz="4400">
+                <a:solidFill>
+                  <a:schemeClr val="tx2"/>
+                </a:solidFill>
+                <a:latin typeface="Times New Roman" pitchFamily="18" charset="0"/>
+              </a:defRPr>
+            </a:lvl5pPr>
+            <a:lvl6pPr marL="457200" algn="l" rtl="0" fontAlgn="base">
+              <a:spcBef>
+                <a:spcPct val="0"/>
+              </a:spcBef>
+              <a:spcAft>
+                <a:spcPct val="0"/>
+              </a:spcAft>
+              <a:defRPr sz="4400">
+                <a:solidFill>
+                  <a:schemeClr val="tx2"/>
+                </a:solidFill>
+                <a:latin typeface="Times New Roman" pitchFamily="18" charset="0"/>
+              </a:defRPr>
+            </a:lvl6pPr>
+            <a:lvl7pPr marL="914400" algn="l" rtl="0" fontAlgn="base">
+              <a:spcBef>
+                <a:spcPct val="0"/>
+              </a:spcBef>
+              <a:spcAft>
+                <a:spcPct val="0"/>
+              </a:spcAft>
+              <a:defRPr sz="4400">
+                <a:solidFill>
+                  <a:schemeClr val="tx2"/>
+                </a:solidFill>
+                <a:latin typeface="Times New Roman" pitchFamily="18" charset="0"/>
+              </a:defRPr>
+            </a:lvl7pPr>
+            <a:lvl8pPr marL="1371600" algn="l" rtl="0" fontAlgn="base">
+              <a:spcBef>
+                <a:spcPct val="0"/>
+              </a:spcBef>
+              <a:spcAft>
+                <a:spcPct val="0"/>
+              </a:spcAft>
+              <a:defRPr sz="4400">
+                <a:solidFill>
+                  <a:schemeClr val="tx2"/>
+                </a:solidFill>
+                <a:latin typeface="Times New Roman" pitchFamily="18" charset="0"/>
+              </a:defRPr>
+            </a:lvl8pPr>
+            <a:lvl9pPr marL="1828800" algn="l" rtl="0" fontAlgn="base">
+              <a:spcBef>
+                <a:spcPct val="0"/>
+              </a:spcBef>
+              <a:spcAft>
+                <a:spcPct val="0"/>
+              </a:spcAft>
+              <a:defRPr sz="4400">
+                <a:solidFill>
+                  <a:schemeClr val="tx2"/>
+                </a:solidFill>
+                <a:latin typeface="Times New Roman" pitchFamily="18" charset="0"/>
+              </a:defRPr>
+            </a:lvl9pPr>
+          </a:lstStyle>
+          <a:p>
+            <a:pPr algn="ctr">
+              <a:buClrTx/>
+              <a:buSzTx/>
+              <a:buFontTx/>
+              <a:buNone/>
+            </a:pPr>
+            <a:r>
+              <a:rPr kumimoji="0" lang="en-US" altLang="ru-RU" b="1" kern="0" dirty="0" smtClean="0"/>
+              <a:t>Multicast</a:t>
+            </a:r>
+            <a:endParaRPr kumimoji="0" lang="en-US" altLang="ru-RU" b="1" kern="0" dirty="0"/>
+          </a:p>
+        </p:txBody>
+      </p:sp>
+      <p:sp>
+        <p:nvSpPr>
+          <p:cNvPr id="3" name="AutoShape 4" descr="Eugeneer's Media Cloud World: Что такое ToS, CoS, QoS и DSCP."/>
+          <p:cNvSpPr>
+            <a:spLocks noChangeAspect="1" noChangeArrowheads="1"/>
+          </p:cNvSpPr>
+          <p:nvPr/>
+        </p:nvSpPr>
+        <p:spPr bwMode="auto">
+          <a:xfrm>
+            <a:off x="63500" y="-136525"/>
+            <a:ext cx="304800" cy="304800"/>
+          </a:xfrm>
+          <a:prstGeom prst="rect">
+            <a:avLst/>
+          </a:prstGeom>
+          <a:noFill/>
+          <a:extLst>
+            <a:ext uri="{909E8E84-426E-40DD-AFC4-6F175D3DCCD1}">
+              <a14:hiddenFill xmlns:a14="http://schemas.microsoft.com/office/drawing/2010/main">
+                <a:solidFill>
+                  <a:srgbClr val="FFFFFF"/>
+                </a:solidFill>
+              </a14:hiddenFill>
+            </a:ext>
+          </a:extLst>
+        </p:spPr>
+        <p:txBody>
+          <a:bodyPr vert="horz" wrap="square" lIns="91440" tIns="45720" rIns="91440" bIns="45720" numCol="1" anchor="t" anchorCtr="0" compatLnSpc="1">
+            <a:prstTxWarp prst="textNoShape">
+              <a:avLst/>
+            </a:prstTxWarp>
+          </a:bodyPr>
+          <a:lstStyle/>
+          <a:p>
+            <a:endParaRPr lang="ru-RU"/>
+          </a:p>
+        </p:txBody>
+      </p:sp>
+      <p:sp>
+        <p:nvSpPr>
+          <p:cNvPr id="14" name="AutoShape 6" descr="tos"/>
+          <p:cNvSpPr>
+            <a:spLocks noChangeAspect="1" noChangeArrowheads="1"/>
+          </p:cNvSpPr>
+          <p:nvPr/>
+        </p:nvSpPr>
+        <p:spPr bwMode="auto">
+          <a:xfrm>
+            <a:off x="155575" y="-144463"/>
+            <a:ext cx="304800" cy="304801"/>
+          </a:xfrm>
+          <a:prstGeom prst="rect">
+            <a:avLst/>
+          </a:prstGeom>
+          <a:noFill/>
+          <a:extLst>
+            <a:ext uri="{909E8E84-426E-40DD-AFC4-6F175D3DCCD1}">
+              <a14:hiddenFill xmlns:a14="http://schemas.microsoft.com/office/drawing/2010/main">
+                <a:solidFill>
+                  <a:srgbClr val="FFFFFF"/>
+                </a:solidFill>
+              </a14:hiddenFill>
+            </a:ext>
+          </a:extLst>
+        </p:spPr>
+        <p:txBody>
+          <a:bodyPr vert="horz" wrap="square" lIns="91440" tIns="45720" rIns="91440" bIns="45720" numCol="1" anchor="t" anchorCtr="0" compatLnSpc="1">
+            <a:prstTxWarp prst="textNoShape">
+              <a:avLst/>
+            </a:prstTxWarp>
+          </a:bodyPr>
+          <a:lstStyle/>
+          <a:p>
+            <a:endParaRPr lang="ru-RU"/>
+          </a:p>
+        </p:txBody>
+      </p:sp>
+      <p:sp>
+        <p:nvSpPr>
+          <p:cNvPr id="6" name="Прямоугольник 5"/>
+          <p:cNvSpPr/>
+          <p:nvPr/>
+        </p:nvSpPr>
+        <p:spPr>
+          <a:xfrm>
+            <a:off x="483345" y="1551995"/>
+            <a:ext cx="8064896" cy="2185214"/>
+          </a:xfrm>
+          <a:prstGeom prst="rect">
+            <a:avLst/>
+          </a:prstGeom>
+        </p:spPr>
+        <p:txBody>
+          <a:bodyPr wrap="square">
+            <a:spAutoFit/>
+          </a:bodyPr>
+          <a:lstStyle/>
+          <a:p>
+            <a:r>
+              <a:rPr lang="ru-RU" dirty="0"/>
+              <a:t>В IPv4 для мультивещания зарезервирована подсеть 224.0.0.0/4. </a:t>
+            </a:r>
+            <a:endParaRPr lang="en-US" dirty="0" smtClean="0"/>
+          </a:p>
+          <a:p>
+            <a:r>
+              <a:rPr lang="ru-RU" dirty="0" smtClean="0"/>
+              <a:t>Полный </a:t>
+            </a:r>
+            <a:r>
+              <a:rPr lang="ru-RU" dirty="0"/>
+              <a:t>актуальный список зарезервированных блоков на сайте IANA </a:t>
+            </a:r>
+            <a:endParaRPr lang="en-US" dirty="0" smtClean="0"/>
+          </a:p>
+          <a:p>
+            <a:r>
+              <a:rPr lang="ru-RU" dirty="0" smtClean="0"/>
+              <a:t>Выделение </a:t>
+            </a:r>
+            <a:r>
+              <a:rPr lang="ru-RU" dirty="0" err="1"/>
+              <a:t>мультикастовых</a:t>
+            </a:r>
+            <a:r>
+              <a:rPr lang="ru-RU" dirty="0"/>
+              <a:t> адресов описано в RFC 5771. </a:t>
+            </a:r>
+            <a:endParaRPr lang="en-US" dirty="0" smtClean="0"/>
+          </a:p>
+          <a:p>
+            <a:r>
+              <a:rPr lang="ru-RU" dirty="0" smtClean="0"/>
+              <a:t>Глобально </a:t>
+            </a:r>
+            <a:r>
+              <a:rPr lang="ru-RU" dirty="0"/>
+              <a:t>маршрутизация разрешена только для подсетей 233.0.0.0/8 и 234.0.0.0/8. </a:t>
+            </a:r>
+            <a:endParaRPr lang="en-US" dirty="0" smtClean="0"/>
+          </a:p>
+          <a:p>
+            <a:r>
+              <a:rPr lang="ru-RU" dirty="0" smtClean="0"/>
+              <a:t>Не </a:t>
+            </a:r>
+            <a:r>
+              <a:rPr lang="ru-RU" dirty="0"/>
+              <a:t>все провайдеры поддерживают </a:t>
+            </a:r>
+            <a:r>
+              <a:rPr lang="ru-RU" dirty="0" err="1"/>
+              <a:t>мультикаст</a:t>
+            </a:r>
+            <a:r>
+              <a:rPr lang="ru-RU" dirty="0"/>
+              <a:t>-связность.</a:t>
+            </a:r>
+          </a:p>
+        </p:txBody>
+      </p:sp>
+    </p:spTree>
+    <p:extLst>
+      <p:ext uri="{BB962C8B-B14F-4D97-AF65-F5344CB8AC3E}">
+        <p14:creationId xmlns:p14="http://schemas.microsoft.com/office/powerpoint/2010/main" val="353743515"/>
+      </p:ext>
+    </p:extLst>
+  </p:cSld>
+  <p:clrMapOvr>
+    <a:masterClrMapping/>
+  </p:clrMapOvr>
+  <p:timing>
+    <p:tnLst>
+      <p:par>
+        <p:cTn id="1" dur="indefinite" restart="never" nodeType="tmRoot"/>
+      </p:par>
+    </p:tnLst>
+  </p:timing>
+</p:sld>
+</file>
+
+<file path=ppt/slides/slide27.xml><?xml version="1.0" encoding="utf-8"?>
+<p:sld xmlns:a="http://schemas.openxmlformats.org/drawingml/2006/main" xmlns:r="http://schemas.openxmlformats.org/officeDocument/2006/relationships" xmlns:p="http://schemas.openxmlformats.org/presentationml/2006/main">
+  <p:cSld>
+    <p:spTree>
+      <p:nvGrpSpPr>
+        <p:cNvPr id="1" name=""/>
+        <p:cNvGrpSpPr/>
+        <p:nvPr/>
+      </p:nvGrpSpPr>
+      <p:grpSpPr>
+        <a:xfrm>
+          <a:off x="0" y="0"/>
+          <a:ext cx="0" cy="0"/>
+          <a:chOff x="0" y="0"/>
+          <a:chExt cx="0" cy="0"/>
+        </a:xfrm>
+      </p:grpSpPr>
+      <p:sp>
+        <p:nvSpPr>
+          <p:cNvPr id="11" name="Заголовок 1"/>
+          <p:cNvSpPr txBox="1">
+            <a:spLocks/>
+          </p:cNvSpPr>
+          <p:nvPr/>
+        </p:nvSpPr>
+        <p:spPr>
+          <a:xfrm>
+            <a:off x="683568" y="836712"/>
+            <a:ext cx="8280920" cy="1008112"/>
+          </a:xfrm>
+          <a:prstGeom prst="rect">
+            <a:avLst/>
+          </a:prstGeom>
+        </p:spPr>
+        <p:txBody>
+          <a:bodyPr/>
+          <a:lstStyle>
+            <a:lvl1pPr algn="l" rtl="0" fontAlgn="base">
+              <a:spcBef>
+                <a:spcPct val="0"/>
+              </a:spcBef>
+              <a:spcAft>
+                <a:spcPct val="0"/>
+              </a:spcAft>
+              <a:defRPr sz="4400">
+                <a:solidFill>
+                  <a:schemeClr val="tx2"/>
+                </a:solidFill>
+                <a:latin typeface="+mj-lt"/>
+                <a:ea typeface="+mj-ea"/>
+                <a:cs typeface="+mj-cs"/>
+              </a:defRPr>
+            </a:lvl1pPr>
+            <a:lvl2pPr algn="l" rtl="0" fontAlgn="base">
+              <a:spcBef>
+                <a:spcPct val="0"/>
+              </a:spcBef>
+              <a:spcAft>
+                <a:spcPct val="0"/>
+              </a:spcAft>
+              <a:defRPr sz="4400">
+                <a:solidFill>
+                  <a:schemeClr val="tx2"/>
+                </a:solidFill>
+                <a:latin typeface="Times New Roman" pitchFamily="18" charset="0"/>
+              </a:defRPr>
+            </a:lvl2pPr>
+            <a:lvl3pPr algn="l" rtl="0" fontAlgn="base">
+              <a:spcBef>
+                <a:spcPct val="0"/>
+              </a:spcBef>
+              <a:spcAft>
+                <a:spcPct val="0"/>
+              </a:spcAft>
+              <a:defRPr sz="4400">
+                <a:solidFill>
+                  <a:schemeClr val="tx2"/>
+                </a:solidFill>
+                <a:latin typeface="Times New Roman" pitchFamily="18" charset="0"/>
+              </a:defRPr>
+            </a:lvl3pPr>
+            <a:lvl4pPr algn="l" rtl="0" fontAlgn="base">
+              <a:spcBef>
+                <a:spcPct val="0"/>
+              </a:spcBef>
+              <a:spcAft>
+                <a:spcPct val="0"/>
+              </a:spcAft>
+              <a:defRPr sz="4400">
+                <a:solidFill>
+                  <a:schemeClr val="tx2"/>
+                </a:solidFill>
+                <a:latin typeface="Times New Roman" pitchFamily="18" charset="0"/>
+              </a:defRPr>
+            </a:lvl4pPr>
+            <a:lvl5pPr algn="l" rtl="0" fontAlgn="base">
+              <a:spcBef>
+                <a:spcPct val="0"/>
+              </a:spcBef>
+              <a:spcAft>
+                <a:spcPct val="0"/>
+              </a:spcAft>
+              <a:defRPr sz="4400">
+                <a:solidFill>
+                  <a:schemeClr val="tx2"/>
+                </a:solidFill>
+                <a:latin typeface="Times New Roman" pitchFamily="18" charset="0"/>
+              </a:defRPr>
+            </a:lvl5pPr>
+            <a:lvl6pPr marL="457200" algn="l" rtl="0" fontAlgn="base">
+              <a:spcBef>
+                <a:spcPct val="0"/>
+              </a:spcBef>
+              <a:spcAft>
+                <a:spcPct val="0"/>
+              </a:spcAft>
+              <a:defRPr sz="4400">
+                <a:solidFill>
+                  <a:schemeClr val="tx2"/>
+                </a:solidFill>
+                <a:latin typeface="Times New Roman" pitchFamily="18" charset="0"/>
+              </a:defRPr>
+            </a:lvl6pPr>
+            <a:lvl7pPr marL="914400" algn="l" rtl="0" fontAlgn="base">
+              <a:spcBef>
+                <a:spcPct val="0"/>
+              </a:spcBef>
+              <a:spcAft>
+                <a:spcPct val="0"/>
+              </a:spcAft>
+              <a:defRPr sz="4400">
+                <a:solidFill>
+                  <a:schemeClr val="tx2"/>
+                </a:solidFill>
+                <a:latin typeface="Times New Roman" pitchFamily="18" charset="0"/>
+              </a:defRPr>
+            </a:lvl7pPr>
+            <a:lvl8pPr marL="1371600" algn="l" rtl="0" fontAlgn="base">
+              <a:spcBef>
+                <a:spcPct val="0"/>
+              </a:spcBef>
+              <a:spcAft>
+                <a:spcPct val="0"/>
+              </a:spcAft>
+              <a:defRPr sz="4400">
+                <a:solidFill>
+                  <a:schemeClr val="tx2"/>
+                </a:solidFill>
+                <a:latin typeface="Times New Roman" pitchFamily="18" charset="0"/>
+              </a:defRPr>
+            </a:lvl8pPr>
+            <a:lvl9pPr marL="1828800" algn="l" rtl="0" fontAlgn="base">
+              <a:spcBef>
+                <a:spcPct val="0"/>
+              </a:spcBef>
+              <a:spcAft>
+                <a:spcPct val="0"/>
+              </a:spcAft>
+              <a:defRPr sz="4400">
+                <a:solidFill>
+                  <a:schemeClr val="tx2"/>
+                </a:solidFill>
+                <a:latin typeface="Times New Roman" pitchFamily="18" charset="0"/>
+              </a:defRPr>
+            </a:lvl9pPr>
+          </a:lstStyle>
+          <a:p>
+            <a:pPr algn="ctr">
+              <a:buClrTx/>
+              <a:buSzTx/>
+              <a:buFontTx/>
+              <a:buNone/>
+            </a:pPr>
+            <a:r>
+              <a:rPr kumimoji="0" lang="ru-RU" altLang="ru-RU" b="1" kern="0" dirty="0" smtClean="0"/>
+              <a:t>Протоколы </a:t>
+            </a:r>
+            <a:r>
+              <a:rPr kumimoji="0" lang="en-US" altLang="ru-RU" b="1" kern="0" dirty="0" smtClean="0"/>
+              <a:t>Multicast</a:t>
+            </a:r>
+            <a:endParaRPr kumimoji="0" lang="en-US" altLang="ru-RU" b="1" kern="0" dirty="0"/>
+          </a:p>
+        </p:txBody>
+      </p:sp>
+      <p:sp>
+        <p:nvSpPr>
+          <p:cNvPr id="3" name="AutoShape 4" descr="Eugeneer's Media Cloud World: Что такое ToS, CoS, QoS и DSCP."/>
+          <p:cNvSpPr>
+            <a:spLocks noChangeAspect="1" noChangeArrowheads="1"/>
+          </p:cNvSpPr>
+          <p:nvPr/>
+        </p:nvSpPr>
+        <p:spPr bwMode="auto">
+          <a:xfrm>
+            <a:off x="63500" y="-136525"/>
+            <a:ext cx="304800" cy="304800"/>
+          </a:xfrm>
+          <a:prstGeom prst="rect">
+            <a:avLst/>
+          </a:prstGeom>
+          <a:noFill/>
+          <a:extLst>
+            <a:ext uri="{909E8E84-426E-40DD-AFC4-6F175D3DCCD1}">
+              <a14:hiddenFill xmlns:a14="http://schemas.microsoft.com/office/drawing/2010/main">
+                <a:solidFill>
+                  <a:srgbClr val="FFFFFF"/>
+                </a:solidFill>
+              </a14:hiddenFill>
+            </a:ext>
+          </a:extLst>
+        </p:spPr>
+        <p:txBody>
+          <a:bodyPr vert="horz" wrap="square" lIns="91440" tIns="45720" rIns="91440" bIns="45720" numCol="1" anchor="t" anchorCtr="0" compatLnSpc="1">
+            <a:prstTxWarp prst="textNoShape">
+              <a:avLst/>
+            </a:prstTxWarp>
+          </a:bodyPr>
+          <a:lstStyle/>
+          <a:p>
+            <a:endParaRPr lang="ru-RU"/>
+          </a:p>
+        </p:txBody>
+      </p:sp>
+      <p:sp>
+        <p:nvSpPr>
+          <p:cNvPr id="14" name="AutoShape 6" descr="tos"/>
+          <p:cNvSpPr>
+            <a:spLocks noChangeAspect="1" noChangeArrowheads="1"/>
+          </p:cNvSpPr>
+          <p:nvPr/>
+        </p:nvSpPr>
+        <p:spPr bwMode="auto">
+          <a:xfrm>
+            <a:off x="155575" y="-144463"/>
+            <a:ext cx="304800" cy="304801"/>
+          </a:xfrm>
+          <a:prstGeom prst="rect">
+            <a:avLst/>
+          </a:prstGeom>
+          <a:noFill/>
+          <a:extLst>
+            <a:ext uri="{909E8E84-426E-40DD-AFC4-6F175D3DCCD1}">
+              <a14:hiddenFill xmlns:a14="http://schemas.microsoft.com/office/drawing/2010/main">
+                <a:solidFill>
+                  <a:srgbClr val="FFFFFF"/>
+                </a:solidFill>
+              </a14:hiddenFill>
+            </a:ext>
+          </a:extLst>
+        </p:spPr>
+        <p:txBody>
+          <a:bodyPr vert="horz" wrap="square" lIns="91440" tIns="45720" rIns="91440" bIns="45720" numCol="1" anchor="t" anchorCtr="0" compatLnSpc="1">
+            <a:prstTxWarp prst="textNoShape">
+              <a:avLst/>
+            </a:prstTxWarp>
+          </a:bodyPr>
+          <a:lstStyle/>
+          <a:p>
+            <a:endParaRPr lang="ru-RU"/>
+          </a:p>
+        </p:txBody>
+      </p:sp>
+      <p:pic>
+        <p:nvPicPr>
+          <p:cNvPr id="15362" name="Picture 2" descr="IGMP — Википедия"/>
+          <p:cNvPicPr>
+            <a:picLocks noChangeAspect="1" noChangeArrowheads="1"/>
+          </p:cNvPicPr>
+          <p:nvPr/>
+        </p:nvPicPr>
+        <p:blipFill>
+          <a:blip r:embed="rId2">
+            <a:extLst>
+              <a:ext uri="{28A0092B-C50C-407E-A947-70E740481C1C}">
+                <a14:useLocalDpi xmlns:a14="http://schemas.microsoft.com/office/drawing/2010/main" val="0"/>
+              </a:ext>
+            </a:extLst>
+          </a:blip>
+          <a:srcRect/>
+          <a:stretch>
+            <a:fillRect/>
+          </a:stretch>
+        </p:blipFill>
+        <p:spPr bwMode="auto">
+          <a:xfrm>
+            <a:off x="1285490" y="3789040"/>
+            <a:ext cx="7077075" cy="2924176"/>
+          </a:xfrm>
+          <a:prstGeom prst="rect">
+            <a:avLst/>
+          </a:prstGeom>
+          <a:noFill/>
+          <a:extLst>
+            <a:ext uri="{909E8E84-426E-40DD-AFC4-6F175D3DCCD1}">
+              <a14:hiddenFill xmlns:a14="http://schemas.microsoft.com/office/drawing/2010/main">
+                <a:solidFill>
+                  <a:srgbClr val="FFFFFF"/>
+                </a:solidFill>
+              </a14:hiddenFill>
+            </a:ext>
+          </a:extLst>
+        </p:spPr>
+      </p:pic>
+      <p:sp>
+        <p:nvSpPr>
+          <p:cNvPr id="2" name="TextBox 1"/>
+          <p:cNvSpPr txBox="1"/>
+          <p:nvPr/>
+        </p:nvSpPr>
+        <p:spPr>
+          <a:xfrm>
+            <a:off x="539552" y="1556792"/>
+            <a:ext cx="6912768" cy="2800767"/>
+          </a:xfrm>
+          <a:prstGeom prst="rect">
+            <a:avLst/>
+          </a:prstGeom>
+          <a:noFill/>
+        </p:spPr>
+        <p:txBody>
+          <a:bodyPr wrap="square" rtlCol="0">
+            <a:spAutoFit/>
+          </a:bodyPr>
+          <a:lstStyle/>
+          <a:p>
+            <a:r>
+              <a:rPr lang="en-US" sz="1600" dirty="0" smtClean="0"/>
+              <a:t>IGMP (</a:t>
+            </a:r>
+            <a:r>
+              <a:rPr lang="en-US" sz="1600" dirty="0"/>
+              <a:t>Internet Group Management </a:t>
+            </a:r>
+            <a:r>
+              <a:rPr lang="en-US" sz="1600" dirty="0" smtClean="0"/>
+              <a:t>Protocol)</a:t>
+            </a:r>
+            <a:r>
+              <a:rPr lang="ru-RU" sz="1600" dirty="0" smtClean="0"/>
+              <a:t>, 1989</a:t>
+            </a:r>
+            <a:endParaRPr lang="ru-RU" sz="1600" dirty="0"/>
+          </a:p>
+          <a:p>
+            <a:pPr lvl="1"/>
+            <a:r>
+              <a:rPr lang="ru-RU" sz="1600" dirty="0" smtClean="0"/>
+              <a:t>хосты </a:t>
+            </a:r>
+            <a:r>
+              <a:rPr lang="ru-RU" sz="1600" dirty="0"/>
+              <a:t>сообщают о своем «желании</a:t>
+            </a:r>
+            <a:r>
+              <a:rPr lang="ru-RU" sz="1600" dirty="0" smtClean="0"/>
+              <a:t>» </a:t>
+            </a:r>
+            <a:r>
+              <a:rPr lang="ru-RU" sz="1600" dirty="0"/>
+              <a:t>присоединиться к некоторой </a:t>
+            </a:r>
+            <a:r>
+              <a:rPr lang="ru-RU" sz="1600" dirty="0" smtClean="0"/>
+              <a:t>группе</a:t>
+            </a:r>
+          </a:p>
+          <a:p>
+            <a:pPr lvl="1"/>
+            <a:r>
+              <a:rPr lang="ru-RU" sz="1600" dirty="0" smtClean="0"/>
+              <a:t>маршрутизатор </a:t>
+            </a:r>
+            <a:r>
+              <a:rPr lang="ru-RU" sz="1600" dirty="0"/>
+              <a:t>узнает о принадлежности хостов в непосредственно подключенных к </a:t>
+            </a:r>
+            <a:r>
+              <a:rPr lang="ru-RU" sz="1600" dirty="0" smtClean="0"/>
+              <a:t>нему подсетях </a:t>
+            </a:r>
+            <a:r>
+              <a:rPr lang="ru-RU" sz="1600" dirty="0"/>
+              <a:t>к той или иной </a:t>
+            </a:r>
+            <a:r>
+              <a:rPr lang="ru-RU" sz="1600" dirty="0" smtClean="0"/>
+              <a:t>группе</a:t>
+            </a:r>
+          </a:p>
+          <a:p>
+            <a:r>
+              <a:rPr lang="ru-RU" sz="1600" dirty="0"/>
+              <a:t>Протоколы маршрутизации группового </a:t>
+            </a:r>
+            <a:r>
+              <a:rPr lang="ru-RU" sz="1600" dirty="0" smtClean="0"/>
+              <a:t>вещания (</a:t>
+            </a:r>
+            <a:r>
+              <a:rPr lang="en-US" sz="1600" dirty="0"/>
+              <a:t>DVMRP, MOSPF, PIM</a:t>
+            </a:r>
+            <a:r>
+              <a:rPr lang="ru-RU" sz="1600" dirty="0" smtClean="0"/>
+              <a:t>)</a:t>
+            </a:r>
+          </a:p>
+          <a:p>
+            <a:pPr lvl="1"/>
+            <a:r>
+              <a:rPr lang="ru-RU" sz="1600" dirty="0" smtClean="0"/>
+              <a:t>построение </a:t>
+            </a:r>
+            <a:r>
+              <a:rPr lang="ru-RU" sz="1600" dirty="0"/>
+              <a:t>графа, </a:t>
+            </a:r>
+            <a:r>
+              <a:rPr lang="ru-RU" sz="1600" dirty="0" smtClean="0"/>
+              <a:t>связывающего все </a:t>
+            </a:r>
+            <a:r>
+              <a:rPr lang="ru-RU" sz="1600" dirty="0"/>
+              <a:t>хосты в определенной группе, причем между двумя хостами существует </a:t>
+            </a:r>
+            <a:r>
+              <a:rPr lang="ru-RU" sz="1600" dirty="0" smtClean="0"/>
+              <a:t>только один путь (покрывающее дерево)</a:t>
+            </a:r>
+            <a:endParaRPr lang="ru-RU" sz="1600" dirty="0"/>
+          </a:p>
+          <a:p>
+            <a:endParaRPr lang="ru-RU" sz="1600" dirty="0"/>
+          </a:p>
+        </p:txBody>
+      </p:sp>
+    </p:spTree>
+    <p:extLst>
+      <p:ext uri="{BB962C8B-B14F-4D97-AF65-F5344CB8AC3E}">
+        <p14:creationId xmlns:p14="http://schemas.microsoft.com/office/powerpoint/2010/main" val="662032804"/>
+      </p:ext>
+    </p:extLst>
   </p:cSld>
   <p:clrMapOvr>
     <a:masterClrMapping/>
@@ -10907,7 +15052,51 @@
             </a:pPr>
             <a:r>
               <a:rPr lang="ru-RU" i="1" dirty="0"/>
-              <a:t>могут проверять адреса источников, а также адреса получателей, в случае IP ещё тип протокола и TCP/UDP порты</a:t>
+              <a:t>могут проверять адреса </a:t>
+            </a:r>
+            <a:r>
+              <a:rPr lang="ru-RU" i="1" dirty="0" smtClean="0"/>
+              <a:t>источников (</a:t>
+            </a:r>
+            <a:r>
+              <a:rPr lang="en-US" i="1" dirty="0" err="1" smtClean="0"/>
+              <a:t>src</a:t>
+            </a:r>
+            <a:r>
+              <a:rPr lang="en-US" i="1" dirty="0" smtClean="0"/>
+              <a:t>)</a:t>
+            </a:r>
+            <a:r>
+              <a:rPr lang="ru-RU" i="1" dirty="0" smtClean="0"/>
+              <a:t>, </a:t>
+            </a:r>
+            <a:r>
+              <a:rPr lang="ru-RU" i="1" dirty="0"/>
+              <a:t>а также адреса </a:t>
+            </a:r>
+            <a:r>
+              <a:rPr lang="ru-RU" i="1" dirty="0" smtClean="0"/>
+              <a:t>получателей</a:t>
+            </a:r>
+            <a:r>
+              <a:rPr lang="en-US" i="1" dirty="0" smtClean="0"/>
+              <a:t> (</a:t>
+            </a:r>
+            <a:r>
+              <a:rPr lang="en-US" i="1" dirty="0" err="1" smtClean="0"/>
+              <a:t>dst</a:t>
+            </a:r>
+            <a:r>
+              <a:rPr lang="en-US" i="1" dirty="0" smtClean="0"/>
+              <a:t>)</a:t>
+            </a:r>
+            <a:r>
+              <a:rPr lang="ru-RU" i="1" dirty="0" smtClean="0"/>
+              <a:t>, </a:t>
+            </a:r>
+            <a:r>
+              <a:rPr lang="ru-RU" i="1" dirty="0"/>
+              <a:t>в случае IP ещё тип протокола и TCP/UDP порты</a:t>
             </a:r>
             <a:endParaRPr lang="ru-RU" dirty="0"/>
           </a:p>
